--- a/English/6.Visuals/11.The Tables and Matrices.pptx
+++ b/English/6.Visuals/11.The Tables and Matrices.pptx
@@ -29,7 +29,7 @@
   <p:notesSz cx="6858000" cy="9144000"/>
   <p:defaultTextStyle>
     <a:defPPr>
-      <a:defRPr lang="en-US"/>
+      <a:defRPr lang="en"/>
     </a:defPPr>
     <a:lvl1pPr marL="0" algn="l" defTabSz="914400" rtl="0" eaLnBrk="1" latinLnBrk="0" hangingPunct="1">
       <a:defRPr sz="1800" kern="1200">
@@ -212,7 +212,7 @@
           <a:p>
             <a:fld id="{056BA3B8-9F76-4D81-B71D-76CB85363062}" type="datetimeFigureOut">
               <a:rPr lang="en-US" smtClean="0"/>
-              <a:t>1/4/2025</a:t>
+              <a:t>4/3/2025</a:t>
             </a:fld>
             <a:endParaRPr lang="en-US"/>
           </a:p>
@@ -611,7 +611,7 @@
           <a:p>
             <a:fld id="{6F01DA4D-20EA-48D2-973C-0311EC3005D6}" type="datetimeFigureOut">
               <a:rPr lang="en-US" smtClean="0"/>
-              <a:t>1/4/2025</a:t>
+              <a:t>4/3/2025</a:t>
             </a:fld>
             <a:endParaRPr lang="en-US"/>
           </a:p>
@@ -781,7 +781,7 @@
           <a:p>
             <a:fld id="{6F01DA4D-20EA-48D2-973C-0311EC3005D6}" type="datetimeFigureOut">
               <a:rPr lang="en-US" smtClean="0"/>
-              <a:t>1/4/2025</a:t>
+              <a:t>4/3/2025</a:t>
             </a:fld>
             <a:endParaRPr lang="en-US"/>
           </a:p>
@@ -961,7 +961,7 @@
           <a:p>
             <a:fld id="{6F01DA4D-20EA-48D2-973C-0311EC3005D6}" type="datetimeFigureOut">
               <a:rPr lang="en-US" smtClean="0"/>
-              <a:t>1/4/2025</a:t>
+              <a:t>4/3/2025</a:t>
             </a:fld>
             <a:endParaRPr lang="en-US"/>
           </a:p>
@@ -1131,7 +1131,7 @@
           <a:p>
             <a:fld id="{6F01DA4D-20EA-48D2-973C-0311EC3005D6}" type="datetimeFigureOut">
               <a:rPr lang="en-US" smtClean="0"/>
-              <a:t>1/4/2025</a:t>
+              <a:t>4/3/2025</a:t>
             </a:fld>
             <a:endParaRPr lang="en-US"/>
           </a:p>
@@ -1377,7 +1377,7 @@
           <a:p>
             <a:fld id="{6F01DA4D-20EA-48D2-973C-0311EC3005D6}" type="datetimeFigureOut">
               <a:rPr lang="en-US" smtClean="0"/>
-              <a:t>1/4/2025</a:t>
+              <a:t>4/3/2025</a:t>
             </a:fld>
             <a:endParaRPr lang="en-US"/>
           </a:p>
@@ -1609,7 +1609,7 @@
           <a:p>
             <a:fld id="{6F01DA4D-20EA-48D2-973C-0311EC3005D6}" type="datetimeFigureOut">
               <a:rPr lang="en-US" smtClean="0"/>
-              <a:t>1/4/2025</a:t>
+              <a:t>4/3/2025</a:t>
             </a:fld>
             <a:endParaRPr lang="en-US"/>
           </a:p>
@@ -1976,7 +1976,7 @@
           <a:p>
             <a:fld id="{6F01DA4D-20EA-48D2-973C-0311EC3005D6}" type="datetimeFigureOut">
               <a:rPr lang="en-US" smtClean="0"/>
-              <a:t>1/4/2025</a:t>
+              <a:t>4/3/2025</a:t>
             </a:fld>
             <a:endParaRPr lang="en-US"/>
           </a:p>
@@ -2094,7 +2094,7 @@
           <a:p>
             <a:fld id="{6F01DA4D-20EA-48D2-973C-0311EC3005D6}" type="datetimeFigureOut">
               <a:rPr lang="en-US" smtClean="0"/>
-              <a:t>1/4/2025</a:t>
+              <a:t>4/3/2025</a:t>
             </a:fld>
             <a:endParaRPr lang="en-US"/>
           </a:p>
@@ -2189,7 +2189,7 @@
           <a:p>
             <a:fld id="{6F01DA4D-20EA-48D2-973C-0311EC3005D6}" type="datetimeFigureOut">
               <a:rPr lang="en-US" smtClean="0"/>
-              <a:t>1/4/2025</a:t>
+              <a:t>4/3/2025</a:t>
             </a:fld>
             <a:endParaRPr lang="en-US"/>
           </a:p>
@@ -2466,7 +2466,7 @@
           <a:p>
             <a:fld id="{6F01DA4D-20EA-48D2-973C-0311EC3005D6}" type="datetimeFigureOut">
               <a:rPr lang="en-US" smtClean="0"/>
-              <a:t>1/4/2025</a:t>
+              <a:t>4/3/2025</a:t>
             </a:fld>
             <a:endParaRPr lang="en-US"/>
           </a:p>
@@ -2719,7 +2719,7 @@
           <a:p>
             <a:fld id="{6F01DA4D-20EA-48D2-973C-0311EC3005D6}" type="datetimeFigureOut">
               <a:rPr lang="en-US" smtClean="0"/>
-              <a:t>1/4/2025</a:t>
+              <a:t>4/3/2025</a:t>
             </a:fld>
             <a:endParaRPr lang="en-US"/>
           </a:p>
@@ -2932,7 +2932,7 @@
           <a:p>
             <a:fld id="{6F01DA4D-20EA-48D2-973C-0311EC3005D6}" type="datetimeFigureOut">
               <a:rPr lang="en-US" smtClean="0"/>
-              <a:t>1/4/2025</a:t>
+              <a:t>4/3/2025</a:t>
             </a:fld>
             <a:endParaRPr lang="en-US"/>
           </a:p>
@@ -3369,7 +3369,7 @@
           <a:p>
             <a:pPr algn="ctr"/>
             <a:r>
-              <a:rPr lang="fr-FR" sz="8000" b="1" dirty="0" smtClean="0">
+              <a:rPr lang="en" sz="8000" b="1" dirty="0" smtClean="0">
                 <a:solidFill>
                   <a:srgbClr val="7030A0"/>
                 </a:solidFill>
@@ -3377,7 +3377,7 @@
                 <a:ea typeface="Verdana" panose="020B0604030504040204" pitchFamily="34" charset="0"/>
                 <a:cs typeface="Segoe UI" panose="020B0502040204020203" pitchFamily="34" charset="0"/>
               </a:rPr>
-              <a:t>The Tables and Matrices</a:t>
+              <a:t>Tables and Matrices</a:t>
             </a:r>
             <a:endParaRPr lang="en-US" sz="8000" b="1" dirty="0">
               <a:solidFill>
@@ -3414,7 +3414,7 @@
           <a:p>
             <a:pPr algn="ctr"/>
             <a:r>
-              <a:rPr lang="fr-FR" sz="8000" b="1" dirty="0" smtClean="0">
+              <a:rPr lang="en" sz="8000" b="1" dirty="0" smtClean="0">
                 <a:solidFill>
                   <a:schemeClr val="bg1"/>
                 </a:solidFill>
@@ -3422,7 +3422,7 @@
                 <a:ea typeface="Verdana" panose="020B0604030504040204" pitchFamily="34" charset="0"/>
                 <a:cs typeface="Segoe UI" panose="020B0502040204020203" pitchFamily="34" charset="0"/>
               </a:rPr>
-              <a:t>The Tables and Matrices</a:t>
+              <a:t>Tables and Matrices</a:t>
             </a:r>
             <a:endParaRPr lang="en-US" sz="8000" b="1" dirty="0">
               <a:solidFill>
@@ -3488,11 +3488,11 @@
           <a:lstStyle/>
           <a:p>
             <a:r>
-              <a:rPr lang="en-US" sz="2400" dirty="0" smtClean="0">
+              <a:rPr lang="en" sz="2400" dirty="0" smtClean="0">
                 <a:latin typeface="Segoe UI" panose="020B0502040204020203" pitchFamily="34" charset="0"/>
                 <a:cs typeface="Segoe UI" panose="020B0502040204020203" pitchFamily="34" charset="0"/>
               </a:rPr>
-              <a:t>The Tables and Matrices</a:t>
+              <a:t>Tables and Matrices</a:t>
             </a:r>
             <a:endParaRPr lang="en-US" sz="2400" dirty="0">
               <a:latin typeface="Segoe UI" panose="020B0502040204020203" pitchFamily="34" charset="0"/>
@@ -3531,28 +3531,12 @@
               </a:spcAft>
             </a:pPr>
             <a:r>
-              <a:rPr lang="en-US" dirty="0" smtClean="0">
-                <a:latin typeface="Segoe UI" panose="020B0502040204020203" pitchFamily="34" charset="0"/>
-                <a:ea typeface="Calibri" panose="020F0502020204030204" pitchFamily="34" charset="0"/>
-                <a:cs typeface="Times New Roman" panose="02020603050405020304" pitchFamily="18" charset="0"/>
-              </a:rPr>
-              <a:t>Then configure the conditional formatting based on </a:t>
-            </a:r>
-            <a:r>
-              <a:rPr lang="en-US" b="1" dirty="0" err="1" smtClean="0">
-                <a:latin typeface="Segoe UI" panose="020B0502040204020203" pitchFamily="34" charset="0"/>
-                <a:ea typeface="Calibri" panose="020F0502020204030204" pitchFamily="34" charset="0"/>
-                <a:cs typeface="Times New Roman" panose="02020603050405020304" pitchFamily="18" charset="0"/>
-              </a:rPr>
-              <a:t>SalesAmount</a:t>
-            </a:r>
-            <a:r>
-              <a:rPr lang="en-US" dirty="0" smtClean="0">
-                <a:latin typeface="Segoe UI" panose="020B0502040204020203" pitchFamily="34" charset="0"/>
-                <a:ea typeface="Calibri" panose="020F0502020204030204" pitchFamily="34" charset="0"/>
-                <a:cs typeface="Times New Roman" panose="02020603050405020304" pitchFamily="18" charset="0"/>
-              </a:rPr>
-              <a:t> values  </a:t>
+              <a:rPr lang="en" dirty="0" smtClean="0">
+                <a:latin typeface="Segoe UI" panose="020B0502040204020203" pitchFamily="34" charset="0"/>
+                <a:ea typeface="Calibri" panose="020F0502020204030204" pitchFamily="34" charset="0"/>
+                <a:cs typeface="Times New Roman" panose="02020603050405020304" pitchFamily="18" charset="0"/>
+              </a:rPr>
+              <a:t>Then configure conditional formatting based on the </a:t>
             </a:r>
             <a:endParaRPr lang="en-US" sz="1400" b="1" dirty="0">
               <a:effectLst/>
@@ -3650,11 +3634,11 @@
           <a:lstStyle/>
           <a:p>
             <a:r>
-              <a:rPr lang="en-US" sz="2400" dirty="0" smtClean="0">
+              <a:rPr lang="en" sz="2400" dirty="0" smtClean="0">
                 <a:latin typeface="Segoe UI" panose="020B0502040204020203" pitchFamily="34" charset="0"/>
                 <a:cs typeface="Segoe UI" panose="020B0502040204020203" pitchFamily="34" charset="0"/>
               </a:rPr>
-              <a:t>The Tables and Matrices</a:t>
+              <a:t>Tables and Matrices</a:t>
             </a:r>
             <a:endParaRPr lang="en-US" sz="2400" dirty="0">
               <a:latin typeface="Segoe UI" panose="020B0502040204020203" pitchFamily="34" charset="0"/>
@@ -3693,7 +3677,7 @@
               </a:spcAft>
             </a:pPr>
             <a:r>
-              <a:rPr lang="fr-FR" dirty="0" smtClean="0">
+              <a:rPr lang="en" dirty="0" smtClean="0">
                 <a:latin typeface="Segoe UI" panose="020B0502040204020203" pitchFamily="34" charset="0"/>
                 <a:ea typeface="Calibri" panose="020F0502020204030204" pitchFamily="34" charset="0"/>
                 <a:cs typeface="Times New Roman" panose="02020603050405020304" pitchFamily="18" charset="0"/>
@@ -3701,7 +3685,7 @@
               <a:t>Observe the </a:t>
             </a:r>
             <a:r>
-              <a:rPr lang="fr-FR" dirty="0" err="1" smtClean="0">
+              <a:rPr lang="en" dirty="0" err="1" smtClean="0">
                 <a:latin typeface="Segoe UI" panose="020B0502040204020203" pitchFamily="34" charset="0"/>
                 <a:ea typeface="Calibri" panose="020F0502020204030204" pitchFamily="34" charset="0"/>
                 <a:cs typeface="Times New Roman" panose="02020603050405020304" pitchFamily="18" charset="0"/>
@@ -3794,11 +3778,11 @@
           <a:lstStyle/>
           <a:p>
             <a:r>
-              <a:rPr lang="en-US" sz="2400" dirty="0" smtClean="0">
+              <a:rPr lang="en" sz="2400" dirty="0" smtClean="0">
                 <a:latin typeface="Segoe UI" panose="020B0502040204020203" pitchFamily="34" charset="0"/>
                 <a:cs typeface="Segoe UI" panose="020B0502040204020203" pitchFamily="34" charset="0"/>
               </a:rPr>
-              <a:t>The Tables and Matrices</a:t>
+              <a:t>Tables and Matrices</a:t>
             </a:r>
             <a:endParaRPr lang="en-US" sz="2400" dirty="0">
               <a:latin typeface="Segoe UI" panose="020B0502040204020203" pitchFamily="34" charset="0"/>
@@ -3837,7 +3821,7 @@
               </a:spcAft>
             </a:pPr>
             <a:r>
-              <a:rPr lang="fr-FR" b="1" dirty="0">
+              <a:rPr lang="en" b="1" dirty="0">
                 <a:latin typeface="Segoe UI" panose="020B0502040204020203" pitchFamily="34" charset="0"/>
                 <a:ea typeface="Calibri" panose="020F0502020204030204" pitchFamily="34" charset="0"/>
                 <a:cs typeface="Times New Roman" panose="02020603050405020304" pitchFamily="18" charset="0"/>
@@ -3845,7 +3829,47 @@
               <a:t>Table </a:t>
             </a:r>
             <a:r>
-              <a:rPr lang="fr-FR" dirty="0" err="1">
+              <a:rPr lang="en" dirty="0" err="1">
+                <a:latin typeface="Segoe UI" panose="020B0502040204020203" pitchFamily="34" charset="0"/>
+                <a:ea typeface="Calibri" panose="020F0502020204030204" pitchFamily="34" charset="0"/>
+                <a:cs typeface="Times New Roman" panose="02020603050405020304" pitchFamily="18" charset="0"/>
+              </a:rPr>
+              <a:t>visualization</a:t>
+            </a:r>
+            <a:r>
+              <a:rPr lang="en" dirty="0">
+                <a:latin typeface="Segoe UI" panose="020B0502040204020203" pitchFamily="34" charset="0"/>
+                <a:ea typeface="Calibri" panose="020F0502020204030204" pitchFamily="34" charset="0"/>
+                <a:cs typeface="Times New Roman" panose="02020603050405020304" pitchFamily="18" charset="0"/>
+              </a:rPr>
+              <a:t> </a:t>
+            </a:r>
+            <a:r>
+              <a:rPr lang="en" dirty="0" err="1">
+                <a:latin typeface="Segoe UI" panose="020B0502040204020203" pitchFamily="34" charset="0"/>
+                <a:ea typeface="Calibri" panose="020F0502020204030204" pitchFamily="34" charset="0"/>
+                <a:cs typeface="Times New Roman" panose="02020603050405020304" pitchFamily="18" charset="0"/>
+              </a:rPr>
+              <a:t>with</a:t>
+            </a:r>
+            <a:r>
+              <a:rPr lang="en" dirty="0">
+                <a:latin typeface="Segoe UI" panose="020B0502040204020203" pitchFamily="34" charset="0"/>
+                <a:ea typeface="Calibri" panose="020F0502020204030204" pitchFamily="34" charset="0"/>
+                <a:cs typeface="Times New Roman" panose="02020603050405020304" pitchFamily="18" charset="0"/>
+              </a:rPr>
+              <a:t> </a:t>
+            </a:r>
+            <a:r>
+              <a:rPr lang="en" b="1" dirty="0">
+                <a:latin typeface="Segoe UI" panose="020B0502040204020203" pitchFamily="34" charset="0"/>
+                <a:ea typeface="Calibri" panose="020F0502020204030204" pitchFamily="34" charset="0"/>
+                <a:cs typeface="Times New Roman" panose="02020603050405020304" pitchFamily="18" charset="0"/>
+              </a:rPr>
+              <a:t>Matrix </a:t>
+            </a:r>
+            <a:r>
+              <a:rPr lang="en" dirty="0" err="1">
                 <a:latin typeface="Segoe UI" panose="020B0502040204020203" pitchFamily="34" charset="0"/>
                 <a:ea typeface="Calibri" panose="020F0502020204030204" pitchFamily="34" charset="0"/>
                 <a:cs typeface="Times New Roman" panose="02020603050405020304" pitchFamily="18" charset="0"/>
@@ -3853,47 +3877,7 @@
               <a:t>Visualization</a:t>
             </a:r>
             <a:r>
-              <a:rPr lang="fr-FR" dirty="0">
-                <a:latin typeface="Segoe UI" panose="020B0502040204020203" pitchFamily="34" charset="0"/>
-                <a:ea typeface="Calibri" panose="020F0502020204030204" pitchFamily="34" charset="0"/>
-                <a:cs typeface="Times New Roman" panose="02020603050405020304" pitchFamily="18" charset="0"/>
-              </a:rPr>
-              <a:t> </a:t>
-            </a:r>
-            <a:r>
-              <a:rPr lang="fr-FR" dirty="0" err="1">
-                <a:latin typeface="Segoe UI" panose="020B0502040204020203" pitchFamily="34" charset="0"/>
-                <a:ea typeface="Calibri" panose="020F0502020204030204" pitchFamily="34" charset="0"/>
-                <a:cs typeface="Times New Roman" panose="02020603050405020304" pitchFamily="18" charset="0"/>
-              </a:rPr>
-              <a:t>with</a:t>
-            </a:r>
-            <a:r>
-              <a:rPr lang="fr-FR" dirty="0">
-                <a:latin typeface="Segoe UI" panose="020B0502040204020203" pitchFamily="34" charset="0"/>
-                <a:ea typeface="Calibri" panose="020F0502020204030204" pitchFamily="34" charset="0"/>
-                <a:cs typeface="Times New Roman" panose="02020603050405020304" pitchFamily="18" charset="0"/>
-              </a:rPr>
-              <a:t> </a:t>
-            </a:r>
-            <a:r>
-              <a:rPr lang="fr-FR" b="1" dirty="0">
-                <a:latin typeface="Segoe UI" panose="020B0502040204020203" pitchFamily="34" charset="0"/>
-                <a:ea typeface="Calibri" panose="020F0502020204030204" pitchFamily="34" charset="0"/>
-                <a:cs typeface="Times New Roman" panose="02020603050405020304" pitchFamily="18" charset="0"/>
-              </a:rPr>
-              <a:t>Matrix </a:t>
-            </a:r>
-            <a:r>
-              <a:rPr lang="fr-FR" dirty="0" err="1">
-                <a:latin typeface="Segoe UI" panose="020B0502040204020203" pitchFamily="34" charset="0"/>
-                <a:ea typeface="Calibri" panose="020F0502020204030204" pitchFamily="34" charset="0"/>
-                <a:cs typeface="Times New Roman" panose="02020603050405020304" pitchFamily="18" charset="0"/>
-              </a:rPr>
-              <a:t>Visualization</a:t>
-            </a:r>
-            <a:r>
-              <a:rPr lang="fr-FR" dirty="0">
+              <a:rPr lang="en" dirty="0">
                 <a:latin typeface="Segoe UI" panose="020B0502040204020203" pitchFamily="34" charset="0"/>
                 <a:ea typeface="Calibri" panose="020F0502020204030204" pitchFamily="34" charset="0"/>
                 <a:cs typeface="Times New Roman" panose="02020603050405020304" pitchFamily="18" charset="0"/>
@@ -3943,7 +3927,7 @@
               </a:tabLst>
             </a:pPr>
             <a:r>
-              <a:rPr lang="en-US" dirty="0">
+              <a:rPr lang="en" dirty="0">
                 <a:latin typeface="Segoe UI" panose="020B0502040204020203" pitchFamily="34" charset="0"/>
                 <a:ea typeface="Calibri" panose="020F0502020204030204" pitchFamily="34" charset="0"/>
                 <a:cs typeface="Times New Roman" panose="02020603050405020304" pitchFamily="18" charset="0"/>
@@ -4018,7 +4002,7 @@
                         </a:tabLst>
                       </a:pPr>
                       <a:r>
-                        <a:rPr lang="fr-FR" sz="2000">
+                        <a:rPr lang="en" sz="2000">
                           <a:effectLst/>
                           <a:latin typeface="Segoe UI" panose="020B0502040204020203" pitchFamily="34" charset="0"/>
                           <a:cs typeface="Segoe UI" panose="020B0502040204020203" pitchFamily="34" charset="0"/>
@@ -4053,7 +4037,7 @@
                         </a:tabLst>
                       </a:pPr>
                       <a:r>
-                        <a:rPr lang="fr-FR" sz="2000">
+                        <a:rPr lang="en" sz="2000">
                           <a:effectLst/>
                           <a:latin typeface="Segoe UI" panose="020B0502040204020203" pitchFamily="34" charset="0"/>
                           <a:cs typeface="Segoe UI" panose="020B0502040204020203" pitchFamily="34" charset="0"/>
@@ -4095,12 +4079,12 @@
                         </a:tabLst>
                       </a:pPr>
                       <a:r>
-                        <a:rPr lang="fr-FR" sz="2000">
+                        <a:rPr lang="en" sz="2000">
                           <a:effectLst/>
                           <a:latin typeface="Segoe UI" panose="020B0502040204020203" pitchFamily="34" charset="0"/>
                           <a:cs typeface="Segoe UI" panose="020B0502040204020203" pitchFamily="34" charset="0"/>
                         </a:rPr>
-                        <a:t>Rows</a:t>
+                        <a:t>Lines</a:t>
                       </a:r>
                       <a:endParaRPr lang="en-US" sz="1600">
                         <a:effectLst/>
@@ -4130,12 +4114,12 @@
                         </a:tabLst>
                       </a:pPr>
                       <a:r>
-                        <a:rPr lang="fr-FR" sz="2000" dirty="0" err="1" smtClean="0">
+                        <a:rPr lang="en" sz="2000" dirty="0" err="1" smtClean="0">
                           <a:effectLst/>
                           <a:latin typeface="Segoe UI" panose="020B0502040204020203" pitchFamily="34" charset="0"/>
                           <a:cs typeface="Segoe UI" panose="020B0502040204020203" pitchFamily="34" charset="0"/>
                         </a:rPr>
-                        <a:t>CalendarYear</a:t>
+                        <a:t>Calendar year</a:t>
                       </a:r>
                       <a:endParaRPr lang="en-US" sz="1600" dirty="0">
                         <a:effectLst/>
@@ -4172,7 +4156,7 @@
                         </a:tabLst>
                       </a:pPr>
                       <a:r>
-                        <a:rPr lang="fr-FR" sz="2000">
+                        <a:rPr lang="en" sz="2000">
                           <a:effectLst/>
                           <a:latin typeface="Segoe UI" panose="020B0502040204020203" pitchFamily="34" charset="0"/>
                           <a:cs typeface="Segoe UI" panose="020B0502040204020203" pitchFamily="34" charset="0"/>
@@ -4207,12 +4191,12 @@
                         </a:tabLst>
                       </a:pPr>
                       <a:r>
-                        <a:rPr lang="fr-FR" sz="2000" dirty="0" err="1" smtClean="0">
+                        <a:rPr lang="en" sz="2000" dirty="0" err="1" smtClean="0">
                           <a:effectLst/>
                           <a:latin typeface="Segoe UI" panose="020B0502040204020203" pitchFamily="34" charset="0"/>
                           <a:cs typeface="Segoe UI" panose="020B0502040204020203" pitchFamily="34" charset="0"/>
                         </a:rPr>
-                        <a:t>ProductLine</a:t>
+                        <a:t>Product range</a:t>
                       </a:r>
                       <a:endParaRPr lang="en-US" sz="1600" dirty="0">
                         <a:effectLst/>
@@ -4249,7 +4233,7 @@
                         </a:tabLst>
                       </a:pPr>
                       <a:r>
-                        <a:rPr lang="fr-FR" sz="2000" dirty="0">
+                        <a:rPr lang="en" sz="2000" dirty="0">
                           <a:effectLst/>
                           <a:latin typeface="Segoe UI" panose="020B0502040204020203" pitchFamily="34" charset="0"/>
                           <a:cs typeface="Segoe UI" panose="020B0502040204020203" pitchFamily="34" charset="0"/>
@@ -4284,12 +4268,12 @@
                         </a:tabLst>
                       </a:pPr>
                       <a:r>
-                        <a:rPr lang="fr-FR" sz="2000" dirty="0" err="1" smtClean="0">
+                        <a:rPr lang="en" sz="2000" dirty="0" err="1" smtClean="0">
                           <a:effectLst/>
                           <a:latin typeface="Segoe UI" panose="020B0502040204020203" pitchFamily="34" charset="0"/>
                           <a:cs typeface="Segoe UI" panose="020B0502040204020203" pitchFamily="34" charset="0"/>
                         </a:rPr>
-                        <a:t>SalesAmount</a:t>
+                        <a:t>Sales amount</a:t>
                       </a:r>
                       <a:endParaRPr lang="en-US" sz="1600" dirty="0">
                         <a:effectLst/>
@@ -4398,11 +4382,11 @@
           <a:lstStyle/>
           <a:p>
             <a:r>
-              <a:rPr lang="en-US" sz="2400" dirty="0" smtClean="0">
+              <a:rPr lang="en" sz="2400" dirty="0" smtClean="0">
                 <a:latin typeface="Segoe UI" panose="020B0502040204020203" pitchFamily="34" charset="0"/>
                 <a:cs typeface="Segoe UI" panose="020B0502040204020203" pitchFamily="34" charset="0"/>
               </a:rPr>
-              <a:t>The Tables and Matrices</a:t>
+              <a:t>Tables and Matrices</a:t>
             </a:r>
             <a:endParaRPr lang="en-US" sz="2400" dirty="0">
               <a:latin typeface="Segoe UI" panose="020B0502040204020203" pitchFamily="34" charset="0"/>
@@ -4445,12 +4429,12 @@
               </a:tabLst>
             </a:pPr>
             <a:r>
-              <a:rPr lang="fr-FR" dirty="0">
-                <a:latin typeface="Segoe UI" panose="020B0502040204020203" pitchFamily="34" charset="0"/>
-                <a:ea typeface="Calibri" panose="020F0502020204030204" pitchFamily="34" charset="0"/>
-                <a:cs typeface="Times New Roman" panose="02020603050405020304" pitchFamily="18" charset="0"/>
-              </a:rPr>
-              <a:t>Observe the Matrix</a:t>
+              <a:rPr lang="en" dirty="0">
+                <a:latin typeface="Segoe UI" panose="020B0502040204020203" pitchFamily="34" charset="0"/>
+                <a:ea typeface="Calibri" panose="020F0502020204030204" pitchFamily="34" charset="0"/>
+                <a:cs typeface="Times New Roman" panose="02020603050405020304" pitchFamily="18" charset="0"/>
+              </a:rPr>
+              <a:t>Observe the matrix</a:t>
             </a:r>
             <a:endParaRPr lang="en-US" sz="1400" dirty="0">
               <a:effectLst/>
@@ -4548,11 +4532,11 @@
           <a:lstStyle/>
           <a:p>
             <a:r>
-              <a:rPr lang="en-US" sz="2400" dirty="0" smtClean="0">
+              <a:rPr lang="en" sz="2400" dirty="0" smtClean="0">
                 <a:latin typeface="Segoe UI" panose="020B0502040204020203" pitchFamily="34" charset="0"/>
                 <a:cs typeface="Segoe UI" panose="020B0502040204020203" pitchFamily="34" charset="0"/>
               </a:rPr>
-              <a:t>The Tables and Matrices</a:t>
+              <a:t>Tables and Matrices</a:t>
             </a:r>
             <a:endParaRPr lang="en-US" sz="2400" dirty="0">
               <a:latin typeface="Segoe UI" panose="020B0502040204020203" pitchFamily="34" charset="0"/>
@@ -4595,7 +4579,7 @@
               </a:tabLst>
             </a:pPr>
             <a:r>
-              <a:rPr lang="fr-FR" dirty="0" err="1" smtClean="0">
+              <a:rPr lang="en" dirty="0" err="1" smtClean="0">
                 <a:latin typeface="Segoe UI" panose="020B0502040204020203" pitchFamily="34" charset="0"/>
                 <a:ea typeface="Calibri" panose="020F0502020204030204" pitchFamily="34" charset="0"/>
                 <a:cs typeface="Times New Roman" panose="02020603050405020304" pitchFamily="18" charset="0"/>
@@ -4603,7 +4587,7 @@
               <a:t>Add</a:t>
             </a:r>
             <a:r>
-              <a:rPr lang="fr-FR" dirty="0" smtClean="0">
+              <a:rPr lang="en" dirty="0" smtClean="0">
                 <a:latin typeface="Segoe UI" panose="020B0502040204020203" pitchFamily="34" charset="0"/>
                 <a:ea typeface="Calibri" panose="020F0502020204030204" pitchFamily="34" charset="0"/>
                 <a:cs typeface="Times New Roman" panose="02020603050405020304" pitchFamily="18" charset="0"/>
@@ -4611,31 +4595,31 @@
               <a:t> </a:t>
             </a:r>
             <a:r>
-              <a:rPr lang="fr-FR" b="1" dirty="0" err="1" smtClean="0">
-                <a:latin typeface="Segoe UI" panose="020B0502040204020203" pitchFamily="34" charset="0"/>
-                <a:ea typeface="Calibri" panose="020F0502020204030204" pitchFamily="34" charset="0"/>
-                <a:cs typeface="Times New Roman" panose="02020603050405020304" pitchFamily="18" charset="0"/>
-              </a:rPr>
-              <a:t>CalendarMonth</a:t>
-            </a:r>
-            <a:r>
-              <a:rPr lang="fr-FR" dirty="0" smtClean="0">
-                <a:latin typeface="Segoe UI" panose="020B0502040204020203" pitchFamily="34" charset="0"/>
-                <a:ea typeface="Calibri" panose="020F0502020204030204" pitchFamily="34" charset="0"/>
-                <a:cs typeface="Times New Roman" panose="02020603050405020304" pitchFamily="18" charset="0"/>
-              </a:rPr>
-              <a:t> at the </a:t>
-            </a:r>
-            <a:r>
-              <a:rPr lang="fr-FR" dirty="0" err="1" smtClean="0">
-                <a:latin typeface="Segoe UI" panose="020B0502040204020203" pitchFamily="34" charset="0"/>
-                <a:ea typeface="Calibri" panose="020F0502020204030204" pitchFamily="34" charset="0"/>
-                <a:cs typeface="Times New Roman" panose="02020603050405020304" pitchFamily="18" charset="0"/>
-              </a:rPr>
-              <a:t>rows</a:t>
-            </a:r>
-            <a:r>
-              <a:rPr lang="fr-FR" dirty="0" smtClean="0">
+              <a:rPr lang="en" b="1" dirty="0" err="1" smtClean="0">
+                <a:latin typeface="Segoe UI" panose="020B0502040204020203" pitchFamily="34" charset="0"/>
+                <a:ea typeface="Calibri" panose="020F0502020204030204" pitchFamily="34" charset="0"/>
+                <a:cs typeface="Times New Roman" panose="02020603050405020304" pitchFamily="18" charset="0"/>
+              </a:rPr>
+              <a:t>CalendarMonths </a:t>
+            </a:r>
+            <a:r>
+              <a:rPr lang="en" dirty="0" smtClean="0">
+                <a:latin typeface="Segoe UI" panose="020B0502040204020203" pitchFamily="34" charset="0"/>
+                <a:ea typeface="Calibri" panose="020F0502020204030204" pitchFamily="34" charset="0"/>
+                <a:cs typeface="Times New Roman" panose="02020603050405020304" pitchFamily="18" charset="0"/>
+              </a:rPr>
+              <a:t>on </a:t>
+            </a:r>
+            <a:r>
+              <a:rPr lang="en" dirty="0" err="1" smtClean="0">
+                <a:latin typeface="Segoe UI" panose="020B0502040204020203" pitchFamily="34" charset="0"/>
+                <a:ea typeface="Calibri" panose="020F0502020204030204" pitchFamily="34" charset="0"/>
+                <a:cs typeface="Times New Roman" panose="02020603050405020304" pitchFamily="18" charset="0"/>
+              </a:rPr>
+              <a:t>lines</a:t>
+            </a:r>
+            <a:r>
+              <a:rPr lang="en" dirty="0" smtClean="0">
                 <a:latin typeface="Segoe UI" panose="020B0502040204020203" pitchFamily="34" charset="0"/>
                 <a:ea typeface="Calibri" panose="020F0502020204030204" pitchFamily="34" charset="0"/>
                 <a:cs typeface="Times New Roman" panose="02020603050405020304" pitchFamily="18" charset="0"/>
@@ -4643,31 +4627,31 @@
               <a:t> </a:t>
             </a:r>
             <a:r>
-              <a:rPr lang="fr-FR" dirty="0" err="1" smtClean="0">
-                <a:latin typeface="Segoe UI" panose="020B0502040204020203" pitchFamily="34" charset="0"/>
-                <a:ea typeface="Calibri" panose="020F0502020204030204" pitchFamily="34" charset="0"/>
-                <a:cs typeface="Times New Roman" panose="02020603050405020304" pitchFamily="18" charset="0"/>
-              </a:rPr>
-              <a:t>level</a:t>
-            </a:r>
-            <a:r>
-              <a:rPr lang="fr-FR" dirty="0" smtClean="0">
-                <a:latin typeface="Segoe UI" panose="020B0502040204020203" pitchFamily="34" charset="0"/>
-                <a:ea typeface="Calibri" panose="020F0502020204030204" pitchFamily="34" charset="0"/>
-                <a:cs typeface="Times New Roman" panose="02020603050405020304" pitchFamily="18" charset="0"/>
-              </a:rPr>
-              <a:t> in addition to the </a:t>
-            </a:r>
-            <a:r>
-              <a:rPr lang="fr-FR" b="1" dirty="0" err="1" smtClean="0">
-                <a:latin typeface="Segoe UI" panose="020B0502040204020203" pitchFamily="34" charset="0"/>
-                <a:ea typeface="Calibri" panose="020F0502020204030204" pitchFamily="34" charset="0"/>
-                <a:cs typeface="Times New Roman" panose="02020603050405020304" pitchFamily="18" charset="0"/>
-              </a:rPr>
-              <a:t>CalendarYear</a:t>
-            </a:r>
-            <a:r>
-              <a:rPr lang="fr-FR" b="1" dirty="0" smtClean="0">
+              <a:rPr lang="en" dirty="0" err="1" smtClean="0">
+                <a:latin typeface="Segoe UI" panose="020B0502040204020203" pitchFamily="34" charset="0"/>
+                <a:ea typeface="Calibri" panose="020F0502020204030204" pitchFamily="34" charset="0"/>
+                <a:cs typeface="Times New Roman" panose="02020603050405020304" pitchFamily="18" charset="0"/>
+              </a:rPr>
+              <a:t>level </a:t>
+            </a:r>
+            <a:r>
+              <a:rPr lang="en" dirty="0" smtClean="0">
+                <a:latin typeface="Segoe UI" panose="020B0502040204020203" pitchFamily="34" charset="0"/>
+                <a:ea typeface="Calibri" panose="020F0502020204030204" pitchFamily="34" charset="0"/>
+                <a:cs typeface="Times New Roman" panose="02020603050405020304" pitchFamily="18" charset="0"/>
+              </a:rPr>
+              <a:t>in addition to the </a:t>
+            </a:r>
+            <a:r>
+              <a:rPr lang="en" b="1" dirty="0" err="1" smtClean="0">
+                <a:latin typeface="Segoe UI" panose="020B0502040204020203" pitchFamily="34" charset="0"/>
+                <a:ea typeface="Calibri" panose="020F0502020204030204" pitchFamily="34" charset="0"/>
+                <a:cs typeface="Times New Roman" panose="02020603050405020304" pitchFamily="18" charset="0"/>
+              </a:rPr>
+              <a:t>calendar year</a:t>
+            </a:r>
+            <a:r>
+              <a:rPr lang="en" b="1" dirty="0" smtClean="0">
                 <a:latin typeface="Segoe UI" panose="020B0502040204020203" pitchFamily="34" charset="0"/>
                 <a:ea typeface="Calibri" panose="020F0502020204030204" pitchFamily="34" charset="0"/>
                 <a:cs typeface="Times New Roman" panose="02020603050405020304" pitchFamily="18" charset="0"/>
@@ -4675,15 +4659,15 @@
               <a:t> </a:t>
             </a:r>
             <a:r>
-              <a:rPr lang="fr-FR" dirty="0" smtClean="0">
-                <a:latin typeface="Segoe UI" panose="020B0502040204020203" pitchFamily="34" charset="0"/>
-                <a:ea typeface="Calibri" panose="020F0502020204030204" pitchFamily="34" charset="0"/>
-                <a:cs typeface="Times New Roman" panose="02020603050405020304" pitchFamily="18" charset="0"/>
-              </a:rPr>
-              <a:t>and note the      </a:t>
-            </a:r>
-            <a:r>
-              <a:rPr lang="fr-FR" dirty="0" err="1" smtClean="0">
+              <a:rPr lang="en" dirty="0" smtClean="0">
+                <a:latin typeface="Segoe UI" panose="020B0502040204020203" pitchFamily="34" charset="0"/>
+                <a:ea typeface="Calibri" panose="020F0502020204030204" pitchFamily="34" charset="0"/>
+                <a:cs typeface="Times New Roman" panose="02020603050405020304" pitchFamily="18" charset="0"/>
+              </a:rPr>
+              <a:t>and note the </a:t>
+            </a:r>
+            <a:r>
+              <a:rPr lang="en" dirty="0" err="1" smtClean="0">
                 <a:latin typeface="Segoe UI" panose="020B0502040204020203" pitchFamily="34" charset="0"/>
                 <a:ea typeface="Calibri" panose="020F0502020204030204" pitchFamily="34" charset="0"/>
                 <a:cs typeface="Times New Roman" panose="02020603050405020304" pitchFamily="18" charset="0"/>
@@ -4691,7 +4675,7 @@
               <a:t>sign</a:t>
             </a:r>
             <a:r>
-              <a:rPr lang="fr-FR" dirty="0" smtClean="0">
+              <a:rPr lang="en" dirty="0" smtClean="0">
                 <a:latin typeface="Segoe UI" panose="020B0502040204020203" pitchFamily="34" charset="0"/>
                 <a:ea typeface="Calibri" panose="020F0502020204030204" pitchFamily="34" charset="0"/>
                 <a:cs typeface="Times New Roman" panose="02020603050405020304" pitchFamily="18" charset="0"/>
@@ -4789,71 +4773,71 @@
               </a:tabLst>
             </a:pPr>
             <a:r>
-              <a:rPr lang="fr-FR" dirty="0" err="1" smtClean="0">
-                <a:latin typeface="Segoe UI" panose="020B0502040204020203" pitchFamily="34" charset="0"/>
-                <a:ea typeface="Calibri" panose="020F0502020204030204" pitchFamily="34" charset="0"/>
-                <a:cs typeface="Times New Roman" panose="02020603050405020304" pitchFamily="18" charset="0"/>
-              </a:rPr>
-              <a:t>Try</a:t>
-            </a:r>
-            <a:r>
-              <a:rPr lang="fr-FR" dirty="0" smtClean="0">
-                <a:latin typeface="Segoe UI" panose="020B0502040204020203" pitchFamily="34" charset="0"/>
-                <a:ea typeface="Calibri" panose="020F0502020204030204" pitchFamily="34" charset="0"/>
-                <a:cs typeface="Times New Roman" panose="02020603050405020304" pitchFamily="18" charset="0"/>
-              </a:rPr>
-              <a:t> to </a:t>
-            </a:r>
-            <a:r>
-              <a:rPr lang="fr-FR" dirty="0" err="1" smtClean="0">
-                <a:latin typeface="Segoe UI" panose="020B0502040204020203" pitchFamily="34" charset="0"/>
-                <a:ea typeface="Calibri" panose="020F0502020204030204" pitchFamily="34" charset="0"/>
-                <a:cs typeface="Times New Roman" panose="02020603050405020304" pitchFamily="18" charset="0"/>
-              </a:rPr>
-              <a:t>expand</a:t>
-            </a:r>
-            <a:r>
-              <a:rPr lang="fr-FR" dirty="0" smtClean="0">
-                <a:latin typeface="Segoe UI" panose="020B0502040204020203" pitchFamily="34" charset="0"/>
-                <a:ea typeface="Calibri" panose="020F0502020204030204" pitchFamily="34" charset="0"/>
-                <a:cs typeface="Times New Roman" panose="02020603050405020304" pitchFamily="18" charset="0"/>
-              </a:rPr>
-              <a:t> the </a:t>
-            </a:r>
-            <a:r>
-              <a:rPr lang="fr-FR" dirty="0" err="1" smtClean="0">
-                <a:latin typeface="Segoe UI" panose="020B0502040204020203" pitchFamily="34" charset="0"/>
-                <a:ea typeface="Calibri" panose="020F0502020204030204" pitchFamily="34" charset="0"/>
-                <a:cs typeface="Times New Roman" panose="02020603050405020304" pitchFamily="18" charset="0"/>
-              </a:rPr>
-              <a:t>view</a:t>
-            </a:r>
-            <a:r>
-              <a:rPr lang="fr-FR" dirty="0" smtClean="0">
-                <a:latin typeface="Segoe UI" panose="020B0502040204020203" pitchFamily="34" charset="0"/>
-                <a:ea typeface="Calibri" panose="020F0502020204030204" pitchFamily="34" charset="0"/>
-                <a:cs typeface="Times New Roman" panose="02020603050405020304" pitchFamily="18" charset="0"/>
-              </a:rPr>
-              <a:t> by </a:t>
-            </a:r>
-            <a:r>
-              <a:rPr lang="fr-FR" dirty="0" err="1" smtClean="0">
-                <a:latin typeface="Segoe UI" panose="020B0502040204020203" pitchFamily="34" charset="0"/>
-                <a:ea typeface="Calibri" panose="020F0502020204030204" pitchFamily="34" charset="0"/>
-                <a:cs typeface="Times New Roman" panose="02020603050405020304" pitchFamily="18" charset="0"/>
-              </a:rPr>
-              <a:t>clicking</a:t>
-            </a:r>
-            <a:r>
-              <a:rPr lang="fr-FR" dirty="0" smtClean="0">
-                <a:latin typeface="Segoe UI" panose="020B0502040204020203" pitchFamily="34" charset="0"/>
-                <a:ea typeface="Calibri" panose="020F0502020204030204" pitchFamily="34" charset="0"/>
-                <a:cs typeface="Times New Roman" panose="02020603050405020304" pitchFamily="18" charset="0"/>
-              </a:rPr>
-              <a:t> the     </a:t>
-            </a:r>
-            <a:r>
-              <a:rPr lang="fr-FR" dirty="0" err="1" smtClean="0">
+              <a:rPr lang="en" dirty="0" err="1" smtClean="0">
+                <a:latin typeface="Segoe UI" panose="020B0502040204020203" pitchFamily="34" charset="0"/>
+                <a:ea typeface="Calibri" panose="020F0502020204030204" pitchFamily="34" charset="0"/>
+                <a:cs typeface="Times New Roman" panose="02020603050405020304" pitchFamily="18" charset="0"/>
+              </a:rPr>
+              <a:t>Try </a:t>
+            </a:r>
+            <a:r>
+              <a:rPr lang="en" dirty="0" smtClean="0">
+                <a:latin typeface="Segoe UI" panose="020B0502040204020203" pitchFamily="34" charset="0"/>
+                <a:ea typeface="Calibri" panose="020F0502020204030204" pitchFamily="34" charset="0"/>
+                <a:cs typeface="Times New Roman" panose="02020603050405020304" pitchFamily="18" charset="0"/>
+              </a:rPr>
+              <a:t>to </a:t>
+            </a:r>
+            <a:r>
+              <a:rPr lang="en" dirty="0" err="1" smtClean="0">
+                <a:latin typeface="Segoe UI" panose="020B0502040204020203" pitchFamily="34" charset="0"/>
+                <a:ea typeface="Calibri" panose="020F0502020204030204" pitchFamily="34" charset="0"/>
+                <a:cs typeface="Times New Roman" panose="02020603050405020304" pitchFamily="18" charset="0"/>
+              </a:rPr>
+              <a:t>enlarge </a:t>
+            </a:r>
+            <a:r>
+              <a:rPr lang="en" dirty="0" smtClean="0">
+                <a:latin typeface="Segoe UI" panose="020B0502040204020203" pitchFamily="34" charset="0"/>
+                <a:ea typeface="Calibri" panose="020F0502020204030204" pitchFamily="34" charset="0"/>
+                <a:cs typeface="Times New Roman" panose="02020603050405020304" pitchFamily="18" charset="0"/>
+              </a:rPr>
+              <a:t>the </a:t>
+            </a:r>
+            <a:r>
+              <a:rPr lang="en" dirty="0" err="1" smtClean="0">
+                <a:latin typeface="Segoe UI" panose="020B0502040204020203" pitchFamily="34" charset="0"/>
+                <a:ea typeface="Calibri" panose="020F0502020204030204" pitchFamily="34" charset="0"/>
+                <a:cs typeface="Times New Roman" panose="02020603050405020304" pitchFamily="18" charset="0"/>
+              </a:rPr>
+              <a:t>view </a:t>
+            </a:r>
+            <a:r>
+              <a:rPr lang="en" dirty="0" smtClean="0">
+                <a:latin typeface="Segoe UI" panose="020B0502040204020203" pitchFamily="34" charset="0"/>
+                <a:ea typeface="Calibri" panose="020F0502020204030204" pitchFamily="34" charset="0"/>
+                <a:cs typeface="Times New Roman" panose="02020603050405020304" pitchFamily="18" charset="0"/>
+              </a:rPr>
+              <a:t>by </a:t>
+            </a:r>
+            <a:r>
+              <a:rPr lang="en" dirty="0" err="1" smtClean="0">
+                <a:latin typeface="Segoe UI" panose="020B0502040204020203" pitchFamily="34" charset="0"/>
+                <a:ea typeface="Calibri" panose="020F0502020204030204" pitchFamily="34" charset="0"/>
+                <a:cs typeface="Times New Roman" panose="02020603050405020304" pitchFamily="18" charset="0"/>
+              </a:rPr>
+              <a:t>clicking on </a:t>
+            </a:r>
+            <a:r>
+              <a:rPr lang="en" dirty="0" smtClean="0">
+                <a:latin typeface="Segoe UI" panose="020B0502040204020203" pitchFamily="34" charset="0"/>
+                <a:ea typeface="Calibri" panose="020F0502020204030204" pitchFamily="34" charset="0"/>
+                <a:cs typeface="Times New Roman" panose="02020603050405020304" pitchFamily="18" charset="0"/>
+              </a:rPr>
+              <a:t>the </a:t>
+            </a:r>
+            <a:r>
+              <a:rPr lang="en" dirty="0" err="1" smtClean="0">
                 <a:latin typeface="Segoe UI" panose="020B0502040204020203" pitchFamily="34" charset="0"/>
                 <a:ea typeface="Calibri" panose="020F0502020204030204" pitchFamily="34" charset="0"/>
                 <a:cs typeface="Times New Roman" panose="02020603050405020304" pitchFamily="18" charset="0"/>
@@ -4861,7 +4845,7 @@
               <a:t>sign</a:t>
             </a:r>
             <a:r>
-              <a:rPr lang="fr-FR" dirty="0" smtClean="0">
+              <a:rPr lang="en" dirty="0" smtClean="0">
                 <a:latin typeface="Segoe UI" panose="020B0502040204020203" pitchFamily="34" charset="0"/>
                 <a:ea typeface="Calibri" panose="020F0502020204030204" pitchFamily="34" charset="0"/>
                 <a:cs typeface="Times New Roman" panose="02020603050405020304" pitchFamily="18" charset="0"/>
@@ -4978,11 +4962,11 @@
           <a:lstStyle/>
           <a:p>
             <a:r>
-              <a:rPr lang="en-US" sz="2400" dirty="0" smtClean="0">
+              <a:rPr lang="en" sz="2400" dirty="0" smtClean="0">
                 <a:latin typeface="Segoe UI" panose="020B0502040204020203" pitchFamily="34" charset="0"/>
                 <a:cs typeface="Segoe UI" panose="020B0502040204020203" pitchFamily="34" charset="0"/>
               </a:rPr>
-              <a:t>The Tables and Matrices</a:t>
+              <a:t>Tables and Matrices</a:t>
             </a:r>
             <a:endParaRPr lang="en-US" sz="2400" dirty="0">
               <a:latin typeface="Segoe UI" panose="020B0502040204020203" pitchFamily="34" charset="0"/>
@@ -5025,7 +5009,7 @@
               </a:tabLst>
             </a:pPr>
             <a:r>
-              <a:rPr lang="en-US" dirty="0">
+              <a:rPr lang="en" dirty="0">
                 <a:latin typeface="Segoe UI" panose="020B0502040204020203" pitchFamily="34" charset="0"/>
                 <a:ea typeface="Calibri" panose="020F0502020204030204" pitchFamily="34" charset="0"/>
                 <a:cs typeface="Times New Roman" panose="02020603050405020304" pitchFamily="18" charset="0"/>
@@ -5033,15 +5017,15 @@
               <a:t>In the </a:t>
             </a:r>
             <a:r>
-              <a:rPr lang="en-US" b="1" dirty="0">
-                <a:latin typeface="Segoe UI" panose="020B0502040204020203" pitchFamily="34" charset="0"/>
-                <a:ea typeface="Calibri" panose="020F0502020204030204" pitchFamily="34" charset="0"/>
-                <a:cs typeface="Times New Roman" panose="02020603050405020304" pitchFamily="18" charset="0"/>
-              </a:rPr>
-              <a:t>Format section </a:t>
-            </a:r>
-            <a:r>
-              <a:rPr lang="en-US" dirty="0">
+              <a:rPr lang="en" b="1" dirty="0">
+                <a:latin typeface="Segoe UI" panose="020B0502040204020203" pitchFamily="34" charset="0"/>
+                <a:ea typeface="Calibri" panose="020F0502020204030204" pitchFamily="34" charset="0"/>
+                <a:cs typeface="Times New Roman" panose="02020603050405020304" pitchFamily="18" charset="0"/>
+              </a:rPr>
+              <a:t>Format section, </a:t>
+            </a:r>
+            <a:r>
+              <a:rPr lang="en" dirty="0">
                 <a:latin typeface="Segoe UI" panose="020B0502040204020203" pitchFamily="34" charset="0"/>
                 <a:ea typeface="Calibri" panose="020F0502020204030204" pitchFamily="34" charset="0"/>
                 <a:cs typeface="Times New Roman" panose="02020603050405020304" pitchFamily="18" charset="0"/>
@@ -5049,7 +5033,7 @@
               <a:t>try typing </a:t>
             </a:r>
             <a:r>
-              <a:rPr lang="en-US" b="1" dirty="0">
+              <a:rPr lang="en" b="1" dirty="0">
                 <a:latin typeface="Segoe UI" panose="020B0502040204020203" pitchFamily="34" charset="0"/>
                 <a:ea typeface="Calibri" panose="020F0502020204030204" pitchFamily="34" charset="0"/>
                 <a:cs typeface="Times New Roman" panose="02020603050405020304" pitchFamily="18" charset="0"/>
@@ -5057,12 +5041,12 @@
               <a:t>Subtotals </a:t>
             </a:r>
             <a:r>
-              <a:rPr lang="en-US" dirty="0">
-                <a:latin typeface="Segoe UI" panose="020B0502040204020203" pitchFamily="34" charset="0"/>
-                <a:ea typeface="Calibri" panose="020F0502020204030204" pitchFamily="34" charset="0"/>
-                <a:cs typeface="Times New Roman" panose="02020603050405020304" pitchFamily="18" charset="0"/>
-              </a:rPr>
-              <a:t>, then try to enable/disable subtotals at the row and/ or column level</a:t>
+              <a:rPr lang="en" dirty="0">
+                <a:latin typeface="Segoe UI" panose="020B0502040204020203" pitchFamily="34" charset="0"/>
+                <a:ea typeface="Calibri" panose="020F0502020204030204" pitchFamily="34" charset="0"/>
+                <a:cs typeface="Times New Roman" panose="02020603050405020304" pitchFamily="18" charset="0"/>
+              </a:rPr>
+              <a:t>, then try turning subtotals on/off at the row and/or column level</a:t>
             </a:r>
             <a:endParaRPr lang="en-US" sz="1400" dirty="0">
               <a:effectLst/>
@@ -5158,7 +5142,7 @@
         </p:nvSpPr>
         <p:spPr>
           <a:xfrm>
-            <a:off x="2916199" y="2162433"/>
+            <a:off x="2599940" y="2444315"/>
             <a:ext cx="6230360" cy="1569660"/>
           </a:xfrm>
           <a:prstGeom prst="rect">
@@ -5202,7 +5186,7 @@
         </p:nvSpPr>
         <p:spPr>
           <a:xfrm>
-            <a:off x="2990336" y="2217861"/>
+            <a:off x="2674077" y="2499743"/>
             <a:ext cx="6230360" cy="1569660"/>
           </a:xfrm>
           <a:prstGeom prst="rect">
@@ -5291,11 +5275,11 @@
           <a:lstStyle/>
           <a:p>
             <a:r>
-              <a:rPr lang="en-US" sz="2400" dirty="0" smtClean="0">
+              <a:rPr lang="en" sz="2400" dirty="0" smtClean="0">
                 <a:latin typeface="Segoe UI" panose="020B0502040204020203" pitchFamily="34" charset="0"/>
                 <a:cs typeface="Segoe UI" panose="020B0502040204020203" pitchFamily="34" charset="0"/>
               </a:rPr>
-              <a:t>The Tables and Matrices</a:t>
+              <a:t>Tables and Matrices</a:t>
             </a:r>
             <a:endParaRPr lang="en-US" sz="2400" dirty="0">
               <a:latin typeface="Segoe UI" panose="020B0502040204020203" pitchFamily="34" charset="0"/>
@@ -5334,7 +5318,7 @@
               </a:spcAft>
             </a:pPr>
             <a:r>
-              <a:rPr lang="en-US" dirty="0">
+              <a:rPr lang="en" dirty="0">
                 <a:latin typeface="Segoe UI" panose="020B0502040204020203" pitchFamily="34" charset="0"/>
                 <a:ea typeface="Calibri" panose="020F0502020204030204" pitchFamily="34" charset="0"/>
                 <a:cs typeface="Times New Roman" panose="02020603050405020304" pitchFamily="18" charset="0"/>
@@ -5342,15 +5326,15 @@
               <a:t>Add a </a:t>
             </a:r>
             <a:r>
-              <a:rPr lang="en-US" b="1" dirty="0">
-                <a:latin typeface="Segoe UI" panose="020B0502040204020203" pitchFamily="34" charset="0"/>
-                <a:ea typeface="Calibri" panose="020F0502020204030204" pitchFamily="34" charset="0"/>
-                <a:cs typeface="Times New Roman" panose="02020603050405020304" pitchFamily="18" charset="0"/>
-              </a:rPr>
-              <a:t>Table visualization </a:t>
-            </a:r>
-            <a:r>
-              <a:rPr lang="en-US" dirty="0">
+              <a:rPr lang="en" b="1" dirty="0">
+                <a:latin typeface="Segoe UI" panose="020B0502040204020203" pitchFamily="34" charset="0"/>
+                <a:ea typeface="Calibri" panose="020F0502020204030204" pitchFamily="34" charset="0"/>
+                <a:cs typeface="Times New Roman" panose="02020603050405020304" pitchFamily="18" charset="0"/>
+              </a:rPr>
+              <a:t>table visualization </a:t>
+            </a:r>
+            <a:r>
+              <a:rPr lang="en" dirty="0">
                 <a:latin typeface="Segoe UI" panose="020B0502040204020203" pitchFamily="34" charset="0"/>
                 <a:ea typeface="Calibri" panose="020F0502020204030204" pitchFamily="34" charset="0"/>
                 <a:cs typeface="Times New Roman" panose="02020603050405020304" pitchFamily="18" charset="0"/>
@@ -5458,11 +5442,11 @@
           <a:lstStyle/>
           <a:p>
             <a:r>
-              <a:rPr lang="en-US" sz="2400" dirty="0" smtClean="0">
+              <a:rPr lang="en" sz="2400" dirty="0" smtClean="0">
                 <a:latin typeface="Segoe UI" panose="020B0502040204020203" pitchFamily="34" charset="0"/>
                 <a:cs typeface="Segoe UI" panose="020B0502040204020203" pitchFamily="34" charset="0"/>
               </a:rPr>
-              <a:t>The Tables and Matrices</a:t>
+              <a:t>Tables and Matrices</a:t>
             </a:r>
             <a:endParaRPr lang="en-US" sz="2400" dirty="0">
               <a:latin typeface="Segoe UI" panose="020B0502040204020203" pitchFamily="34" charset="0"/>
@@ -5501,23 +5485,23 @@
               </a:spcAft>
             </a:pPr>
             <a:r>
-              <a:rPr lang="en-US" dirty="0">
-                <a:latin typeface="Segoe UI" panose="020B0502040204020203" pitchFamily="34" charset="0"/>
-                <a:ea typeface="Calibri" panose="020F0502020204030204" pitchFamily="34" charset="0"/>
-                <a:cs typeface="Times New Roman" panose="02020603050405020304" pitchFamily="18" charset="0"/>
-              </a:rPr>
-              <a:t>Add both fields </a:t>
-            </a:r>
-            <a:r>
-              <a:rPr lang="en-US" b="1" dirty="0" err="1" smtClean="0">
-                <a:latin typeface="Segoe UI" panose="020B0502040204020203" pitchFamily="34" charset="0"/>
-                <a:ea typeface="Calibri" panose="020F0502020204030204" pitchFamily="34" charset="0"/>
-                <a:cs typeface="Times New Roman" panose="02020603050405020304" pitchFamily="18" charset="0"/>
-              </a:rPr>
-              <a:t>ModelName</a:t>
-            </a:r>
-            <a:r>
-              <a:rPr lang="en-US" b="1" dirty="0" smtClean="0">
+              <a:rPr lang="en" dirty="0">
+                <a:latin typeface="Segoe UI" panose="020B0502040204020203" pitchFamily="34" charset="0"/>
+                <a:ea typeface="Calibri" panose="020F0502020204030204" pitchFamily="34" charset="0"/>
+                <a:cs typeface="Times New Roman" panose="02020603050405020304" pitchFamily="18" charset="0"/>
+              </a:rPr>
+              <a:t>Add the two </a:t>
+            </a:r>
+            <a:r>
+              <a:rPr lang="en" b="1" dirty="0" err="1" smtClean="0">
+                <a:latin typeface="Segoe UI" panose="020B0502040204020203" pitchFamily="34" charset="0"/>
+                <a:ea typeface="Calibri" panose="020F0502020204030204" pitchFamily="34" charset="0"/>
+                <a:cs typeface="Times New Roman" panose="02020603050405020304" pitchFamily="18" charset="0"/>
+              </a:rPr>
+              <a:t>ModelName fields</a:t>
+            </a:r>
+            <a:r>
+              <a:rPr lang="en" b="1" dirty="0" smtClean="0">
                 <a:latin typeface="Segoe UI" panose="020B0502040204020203" pitchFamily="34" charset="0"/>
                 <a:ea typeface="Calibri" panose="020F0502020204030204" pitchFamily="34" charset="0"/>
                 <a:cs typeface="Times New Roman" panose="02020603050405020304" pitchFamily="18" charset="0"/>
@@ -5525,7 +5509,7 @@
               <a:t> </a:t>
             </a:r>
             <a:r>
-              <a:rPr lang="en-US" dirty="0" smtClean="0">
+              <a:rPr lang="en" dirty="0" smtClean="0">
                 <a:latin typeface="Segoe UI" panose="020B0502040204020203" pitchFamily="34" charset="0"/>
                 <a:ea typeface="Calibri" panose="020F0502020204030204" pitchFamily="34" charset="0"/>
                 <a:cs typeface="Times New Roman" panose="02020603050405020304" pitchFamily="18" charset="0"/>
@@ -5533,23 +5517,23 @@
               <a:t>from </a:t>
             </a:r>
             <a:r>
-              <a:rPr lang="en-US" b="1" dirty="0" err="1" smtClean="0">
-                <a:latin typeface="Segoe UI" panose="020B0502040204020203" pitchFamily="34" charset="0"/>
-                <a:ea typeface="Calibri" panose="020F0502020204030204" pitchFamily="34" charset="0"/>
-                <a:cs typeface="Times New Roman" panose="02020603050405020304" pitchFamily="18" charset="0"/>
-              </a:rPr>
-              <a:t>DimProduct</a:t>
-            </a:r>
-            <a:r>
-              <a:rPr lang="en-US" dirty="0" smtClean="0">
-                <a:latin typeface="Segoe UI" panose="020B0502040204020203" pitchFamily="34" charset="0"/>
-                <a:ea typeface="Calibri" panose="020F0502020204030204" pitchFamily="34" charset="0"/>
-                <a:cs typeface="Times New Roman" panose="02020603050405020304" pitchFamily="18" charset="0"/>
-              </a:rPr>
-              <a:t> and </a:t>
-            </a:r>
-            <a:r>
-              <a:rPr lang="en-US" b="1" dirty="0" err="1" smtClean="0">
+              <a:rPr lang="en" b="1" dirty="0" err="1" smtClean="0">
+                <a:latin typeface="Segoe UI" panose="020B0502040204020203" pitchFamily="34" charset="0"/>
+                <a:ea typeface="Calibri" panose="020F0502020204030204" pitchFamily="34" charset="0"/>
+                <a:cs typeface="Times New Roman" panose="02020603050405020304" pitchFamily="18" charset="0"/>
+              </a:rPr>
+              <a:t>DimProduct </a:t>
+            </a:r>
+            <a:r>
+              <a:rPr lang="en" dirty="0" smtClean="0">
+                <a:latin typeface="Segoe UI" panose="020B0502040204020203" pitchFamily="34" charset="0"/>
+                <a:ea typeface="Calibri" panose="020F0502020204030204" pitchFamily="34" charset="0"/>
+                <a:cs typeface="Times New Roman" panose="02020603050405020304" pitchFamily="18" charset="0"/>
+              </a:rPr>
+              <a:t>and </a:t>
+            </a:r>
+            <a:r>
+              <a:rPr lang="en" b="1" dirty="0" err="1" smtClean="0">
                 <a:latin typeface="Segoe UI" panose="020B0502040204020203" pitchFamily="34" charset="0"/>
                 <a:ea typeface="Calibri" panose="020F0502020204030204" pitchFamily="34" charset="0"/>
                 <a:cs typeface="Times New Roman" panose="02020603050405020304" pitchFamily="18" charset="0"/>
@@ -5557,7 +5541,7 @@
               <a:t>OrderQuantity</a:t>
             </a:r>
             <a:r>
-              <a:rPr lang="en-US" b="1" dirty="0" smtClean="0">
+              <a:rPr lang="en" b="1" dirty="0" smtClean="0">
                 <a:latin typeface="Segoe UI" panose="020B0502040204020203" pitchFamily="34" charset="0"/>
                 <a:ea typeface="Calibri" panose="020F0502020204030204" pitchFamily="34" charset="0"/>
                 <a:cs typeface="Times New Roman" panose="02020603050405020304" pitchFamily="18" charset="0"/>
@@ -5565,7 +5549,7 @@
               <a:t> </a:t>
             </a:r>
             <a:r>
-              <a:rPr lang="en-US" dirty="0" smtClean="0">
+              <a:rPr lang="en" dirty="0" smtClean="0">
                 <a:latin typeface="Segoe UI" panose="020B0502040204020203" pitchFamily="34" charset="0"/>
                 <a:ea typeface="Calibri" panose="020F0502020204030204" pitchFamily="34" charset="0"/>
                 <a:cs typeface="Times New Roman" panose="02020603050405020304" pitchFamily="18" charset="0"/>
@@ -5573,7 +5557,7 @@
               <a:t>from </a:t>
             </a:r>
             <a:r>
-              <a:rPr lang="en-US" b="1" dirty="0" err="1" smtClean="0">
+              <a:rPr lang="en" b="1" dirty="0" err="1" smtClean="0">
                 <a:latin typeface="Segoe UI" panose="020B0502040204020203" pitchFamily="34" charset="0"/>
                 <a:ea typeface="Calibri" panose="020F0502020204030204" pitchFamily="34" charset="0"/>
                 <a:cs typeface="Times New Roman" panose="02020603050405020304" pitchFamily="18" charset="0"/>
@@ -5581,28 +5565,20 @@
               <a:t>FactInternetSales</a:t>
             </a:r>
             <a:r>
-              <a:rPr lang="en-US" b="1" dirty="0" smtClean="0">
-                <a:latin typeface="Segoe UI" panose="020B0502040204020203" pitchFamily="34" charset="0"/>
-                <a:ea typeface="Calibri" panose="020F0502020204030204" pitchFamily="34" charset="0"/>
-                <a:cs typeface="Times New Roman" panose="02020603050405020304" pitchFamily="18" charset="0"/>
-              </a:rPr>
-              <a:t> </a:t>
-            </a:r>
-            <a:r>
-              <a:rPr lang="en-US" b="1" dirty="0" smtClean="0">
-                <a:latin typeface="Segoe UI" panose="020B0502040204020203" pitchFamily="34" charset="0"/>
-                <a:ea typeface="Calibri" panose="020F0502020204030204" pitchFamily="34" charset="0"/>
-                <a:cs typeface="Times New Roman" panose="02020603050405020304" pitchFamily="18" charset="0"/>
-              </a:rPr>
-              <a:t> </a:t>
-            </a:r>
-            <a:r>
-              <a:rPr lang="en-US" dirty="0">
-                <a:latin typeface="Segoe UI" panose="020B0502040204020203" pitchFamily="34" charset="0"/>
-                <a:ea typeface="Calibri" panose="020F0502020204030204" pitchFamily="34" charset="0"/>
-                <a:cs typeface="Times New Roman" panose="02020603050405020304" pitchFamily="18" charset="0"/>
-              </a:rPr>
-              <a:t>and observe the values represented at table level</a:t>
+              <a:rPr lang="en" b="1" dirty="0" smtClean="0">
+                <a:latin typeface="Segoe UI" panose="020B0502040204020203" pitchFamily="34" charset="0"/>
+                <a:ea typeface="Calibri" panose="020F0502020204030204" pitchFamily="34" charset="0"/>
+                <a:cs typeface="Times New Roman" panose="02020603050405020304" pitchFamily="18" charset="0"/>
+              </a:rPr>
+              <a:t>  </a:t>
+            </a:r>
+            <a:r>
+              <a:rPr lang="en" dirty="0">
+                <a:latin typeface="Segoe UI" panose="020B0502040204020203" pitchFamily="34" charset="0"/>
+                <a:ea typeface="Calibri" panose="020F0502020204030204" pitchFamily="34" charset="0"/>
+                <a:cs typeface="Times New Roman" panose="02020603050405020304" pitchFamily="18" charset="0"/>
+              </a:rPr>
+              <a:t>and observe the values represented at the table level</a:t>
             </a:r>
             <a:endParaRPr lang="en-US" sz="1400" dirty="0">
               <a:effectLst/>
@@ -5643,12 +5619,12 @@
               </a:spcAft>
             </a:pPr>
             <a:r>
-              <a:rPr lang="en-US" dirty="0">
-                <a:latin typeface="Segoe UI" panose="020B0502040204020203" pitchFamily="34" charset="0"/>
-                <a:ea typeface="Calibri" panose="020F0502020204030204" pitchFamily="34" charset="0"/>
-                <a:cs typeface="Times New Roman" panose="02020603050405020304" pitchFamily="18" charset="0"/>
-              </a:rPr>
-              <a:t>Click the small rectangle located at the level of each column header to change the sort order</a:t>
+              <a:rPr lang="en" dirty="0">
+                <a:latin typeface="Segoe UI" panose="020B0502040204020203" pitchFamily="34" charset="0"/>
+                <a:ea typeface="Calibri" panose="020F0502020204030204" pitchFamily="34" charset="0"/>
+                <a:cs typeface="Times New Roman" panose="02020603050405020304" pitchFamily="18" charset="0"/>
+              </a:rPr>
+              <a:t>Click the small rectangle next to each column header to change the sort order.</a:t>
             </a:r>
             <a:endParaRPr lang="en-US" sz="1400" dirty="0">
               <a:effectLst/>
@@ -5746,11 +5722,11 @@
           <a:lstStyle/>
           <a:p>
             <a:r>
-              <a:rPr lang="en-US" sz="2400" dirty="0" smtClean="0">
+              <a:rPr lang="en" sz="2400" dirty="0" smtClean="0">
                 <a:latin typeface="Segoe UI" panose="020B0502040204020203" pitchFamily="34" charset="0"/>
                 <a:cs typeface="Segoe UI" panose="020B0502040204020203" pitchFamily="34" charset="0"/>
               </a:rPr>
-              <a:t>The Tables and Matrices</a:t>
+              <a:t>Tables and Matrices</a:t>
             </a:r>
             <a:endParaRPr lang="en-US" sz="2400" dirty="0">
               <a:latin typeface="Segoe UI" panose="020B0502040204020203" pitchFamily="34" charset="0"/>
@@ -5789,12 +5765,12 @@
               </a:spcAft>
             </a:pPr>
             <a:r>
-              <a:rPr lang="en-US" dirty="0">
-                <a:latin typeface="Segoe UI" panose="020B0502040204020203" pitchFamily="34" charset="0"/>
-                <a:ea typeface="Calibri" panose="020F0502020204030204" pitchFamily="34" charset="0"/>
-                <a:cs typeface="Times New Roman" panose="02020603050405020304" pitchFamily="18" charset="0"/>
-              </a:rPr>
-              <a:t>Click the small rectangle located at the level of each column header to change the sort order</a:t>
+              <a:rPr lang="en" dirty="0">
+                <a:latin typeface="Segoe UI" panose="020B0502040204020203" pitchFamily="34" charset="0"/>
+                <a:ea typeface="Calibri" panose="020F0502020204030204" pitchFamily="34" charset="0"/>
+                <a:cs typeface="Times New Roman" panose="02020603050405020304" pitchFamily="18" charset="0"/>
+              </a:rPr>
+              <a:t>Click the small rectangle next to each column header to change the sort order.</a:t>
             </a:r>
             <a:endParaRPr lang="en-US" sz="1400" dirty="0">
               <a:effectLst/>
@@ -5924,11 +5900,11 @@
           <a:lstStyle/>
           <a:p>
             <a:r>
-              <a:rPr lang="en-US" sz="2400" dirty="0" smtClean="0">
+              <a:rPr lang="en" sz="2400" dirty="0" smtClean="0">
                 <a:latin typeface="Segoe UI" panose="020B0502040204020203" pitchFamily="34" charset="0"/>
                 <a:cs typeface="Segoe UI" panose="020B0502040204020203" pitchFamily="34" charset="0"/>
               </a:rPr>
-              <a:t>The Tables and Matrices</a:t>
+              <a:t>Tables and Matrices</a:t>
             </a:r>
             <a:endParaRPr lang="en-US" sz="2400" dirty="0">
               <a:latin typeface="Segoe UI" panose="020B0502040204020203" pitchFamily="34" charset="0"/>
@@ -5969,7 +5945,7 @@
               <a:buChar char="•"/>
             </a:pPr>
             <a:r>
-              <a:rPr lang="en-US" dirty="0">
+              <a:rPr lang="en" dirty="0">
                 <a:latin typeface="Segoe UI" panose="020B0502040204020203" pitchFamily="34" charset="0"/>
                 <a:ea typeface="Calibri" panose="020F0502020204030204" pitchFamily="34" charset="0"/>
                 <a:cs typeface="Times New Roman" panose="02020603050405020304" pitchFamily="18" charset="0"/>
@@ -5977,15 +5953,15 @@
               <a:t>In the </a:t>
             </a:r>
             <a:r>
-              <a:rPr lang="en-US" b="1" dirty="0">
-                <a:latin typeface="Segoe UI" panose="020B0502040204020203" pitchFamily="34" charset="0"/>
-                <a:ea typeface="Calibri" panose="020F0502020204030204" pitchFamily="34" charset="0"/>
-                <a:cs typeface="Times New Roman" panose="02020603050405020304" pitchFamily="18" charset="0"/>
-              </a:rPr>
-              <a:t>Format section </a:t>
-            </a:r>
-            <a:r>
-              <a:rPr lang="en-US" dirty="0">
+              <a:rPr lang="en" b="1" dirty="0">
+                <a:latin typeface="Segoe UI" panose="020B0502040204020203" pitchFamily="34" charset="0"/>
+                <a:ea typeface="Calibri" panose="020F0502020204030204" pitchFamily="34" charset="0"/>
+                <a:cs typeface="Times New Roman" panose="02020603050405020304" pitchFamily="18" charset="0"/>
+              </a:rPr>
+              <a:t>Format section, </a:t>
+            </a:r>
+            <a:r>
+              <a:rPr lang="en" dirty="0">
                 <a:latin typeface="Segoe UI" panose="020B0502040204020203" pitchFamily="34" charset="0"/>
                 <a:ea typeface="Calibri" panose="020F0502020204030204" pitchFamily="34" charset="0"/>
                 <a:cs typeface="Times New Roman" panose="02020603050405020304" pitchFamily="18" charset="0"/>
@@ -5993,7 +5969,7 @@
               <a:t>change the </a:t>
             </a:r>
             <a:r>
-              <a:rPr lang="en-US" b="1" dirty="0">
+              <a:rPr lang="en" b="1" dirty="0">
                 <a:latin typeface="Segoe UI" panose="020B0502040204020203" pitchFamily="34" charset="0"/>
                 <a:ea typeface="Calibri" panose="020F0502020204030204" pitchFamily="34" charset="0"/>
                 <a:cs typeface="Times New Roman" panose="02020603050405020304" pitchFamily="18" charset="0"/>
@@ -6001,7 +5977,7 @@
               <a:t>Style setting </a:t>
             </a:r>
             <a:r>
-              <a:rPr lang="en-US" dirty="0">
+              <a:rPr lang="en" dirty="0">
                 <a:latin typeface="Segoe UI" panose="020B0502040204020203" pitchFamily="34" charset="0"/>
                 <a:ea typeface="Calibri" panose="020F0502020204030204" pitchFamily="34" charset="0"/>
                 <a:cs typeface="Times New Roman" panose="02020603050405020304" pitchFamily="18" charset="0"/>
@@ -6009,7 +5985,7 @@
               <a:t>to </a:t>
             </a:r>
             <a:r>
-              <a:rPr lang="en-US" b="1" dirty="0">
+              <a:rPr lang="en" b="1" dirty="0">
                 <a:latin typeface="Segoe UI" panose="020B0502040204020203" pitchFamily="34" charset="0"/>
                 <a:ea typeface="Calibri" panose="020F0502020204030204" pitchFamily="34" charset="0"/>
                 <a:cs typeface="Times New Roman" panose="02020603050405020304" pitchFamily="18" charset="0"/>
@@ -6017,12 +5993,12 @@
               <a:t>Bold </a:t>
             </a:r>
             <a:r>
-              <a:rPr lang="en-US" b="1" dirty="0" smtClean="0">
-                <a:latin typeface="Segoe UI" panose="020B0502040204020203" pitchFamily="34" charset="0"/>
-                <a:ea typeface="Calibri" panose="020F0502020204030204" pitchFamily="34" charset="0"/>
-                <a:cs typeface="Times New Roman" panose="02020603050405020304" pitchFamily="18" charset="0"/>
-              </a:rPr>
-              <a:t>Header</a:t>
+              <a:rPr lang="en" b="1" dirty="0" smtClean="0">
+                <a:latin typeface="Segoe UI" panose="020B0502040204020203" pitchFamily="34" charset="0"/>
+                <a:ea typeface="Calibri" panose="020F0502020204030204" pitchFamily="34" charset="0"/>
+                <a:cs typeface="Times New Roman" panose="02020603050405020304" pitchFamily="18" charset="0"/>
+              </a:rPr>
+              <a:t>Heading</a:t>
             </a:r>
             <a:endParaRPr lang="en-US" sz="1400" dirty="0">
               <a:latin typeface="Calibri" panose="020F0502020204030204" pitchFamily="34" charset="0"/>
@@ -6205,11 +6181,11 @@
           <a:lstStyle/>
           <a:p>
             <a:r>
-              <a:rPr lang="en-US" sz="2400" dirty="0" smtClean="0">
+              <a:rPr lang="en" sz="2400" dirty="0" smtClean="0">
                 <a:latin typeface="Segoe UI" panose="020B0502040204020203" pitchFamily="34" charset="0"/>
                 <a:cs typeface="Segoe UI" panose="020B0502040204020203" pitchFamily="34" charset="0"/>
               </a:rPr>
-              <a:t>The Tables and Matrices</a:t>
+              <a:t>Tables and Matrices</a:t>
             </a:r>
             <a:endParaRPr lang="en-US" sz="2400" dirty="0">
               <a:latin typeface="Segoe UI" panose="020B0502040204020203" pitchFamily="34" charset="0"/>
@@ -6248,7 +6224,7 @@
               </a:spcAft>
             </a:pPr>
             <a:r>
-              <a:rPr lang="en-US" dirty="0" smtClean="0">
+              <a:rPr lang="en" dirty="0" smtClean="0">
                 <a:latin typeface="Segoe UI" panose="020B0502040204020203" pitchFamily="34" charset="0"/>
                 <a:ea typeface="Calibri" panose="020F0502020204030204" pitchFamily="34" charset="0"/>
                 <a:cs typeface="Times New Roman" panose="02020603050405020304" pitchFamily="18" charset="0"/>
@@ -6256,7 +6232,7 @@
               <a:t>Still </a:t>
             </a:r>
             <a:r>
-              <a:rPr lang="en-US" dirty="0">
+              <a:rPr lang="en" dirty="0">
                 <a:latin typeface="Segoe UI" panose="020B0502040204020203" pitchFamily="34" charset="0"/>
                 <a:ea typeface="Calibri" panose="020F0502020204030204" pitchFamily="34" charset="0"/>
                 <a:cs typeface="Times New Roman" panose="02020603050405020304" pitchFamily="18" charset="0"/>
@@ -6264,15 +6240,15 @@
               <a:t>at the </a:t>
             </a:r>
             <a:r>
-              <a:rPr lang="en-US" b="1" dirty="0">
-                <a:latin typeface="Segoe UI" panose="020B0502040204020203" pitchFamily="34" charset="0"/>
-                <a:ea typeface="Calibri" panose="020F0502020204030204" pitchFamily="34" charset="0"/>
-                <a:cs typeface="Times New Roman" panose="02020603050405020304" pitchFamily="18" charset="0"/>
-              </a:rPr>
-              <a:t>Format level </a:t>
-            </a:r>
-            <a:r>
-              <a:rPr lang="en-US" dirty="0">
+              <a:rPr lang="en" b="1" dirty="0">
+                <a:latin typeface="Segoe UI" panose="020B0502040204020203" pitchFamily="34" charset="0"/>
+                <a:ea typeface="Calibri" panose="020F0502020204030204" pitchFamily="34" charset="0"/>
+                <a:cs typeface="Times New Roman" panose="02020603050405020304" pitchFamily="18" charset="0"/>
+              </a:rPr>
+              <a:t>Format level, </a:t>
+            </a:r>
+            <a:r>
+              <a:rPr lang="en" dirty="0">
                 <a:latin typeface="Segoe UI" panose="020B0502040204020203" pitchFamily="34" charset="0"/>
                 <a:ea typeface="Calibri" panose="020F0502020204030204" pitchFamily="34" charset="0"/>
                 <a:cs typeface="Times New Roman" panose="02020603050405020304" pitchFamily="18" charset="0"/>
@@ -6280,15 +6256,15 @@
               <a:t>try </a:t>
             </a:r>
             <a:r>
-              <a:rPr lang="en-US" b="1" dirty="0">
-                <a:latin typeface="Segoe UI" panose="020B0502040204020203" pitchFamily="34" charset="0"/>
-                <a:ea typeface="Calibri" panose="020F0502020204030204" pitchFamily="34" charset="0"/>
-                <a:cs typeface="Times New Roman" panose="02020603050405020304" pitchFamily="18" charset="0"/>
-              </a:rPr>
-              <a:t>to activate/deactivate </a:t>
-            </a:r>
-            <a:r>
-              <a:rPr lang="en-US" dirty="0">
+              <a:rPr lang="en" b="1" dirty="0">
+                <a:latin typeface="Segoe UI" panose="020B0502040204020203" pitchFamily="34" charset="0"/>
+                <a:ea typeface="Calibri" panose="020F0502020204030204" pitchFamily="34" charset="0"/>
+                <a:cs typeface="Times New Roman" panose="02020603050405020304" pitchFamily="18" charset="0"/>
+              </a:rPr>
+              <a:t>to enable/disable </a:t>
+            </a:r>
+            <a:r>
+              <a:rPr lang="en" dirty="0">
                 <a:latin typeface="Segoe UI" panose="020B0502040204020203" pitchFamily="34" charset="0"/>
                 <a:ea typeface="Calibri" panose="020F0502020204030204" pitchFamily="34" charset="0"/>
                 <a:cs typeface="Times New Roman" panose="02020603050405020304" pitchFamily="18" charset="0"/>
@@ -6296,7 +6272,7 @@
               <a:t>the value of the </a:t>
             </a:r>
             <a:r>
-              <a:rPr lang="en-US" b="1" dirty="0">
+              <a:rPr lang="en" b="1" dirty="0">
                 <a:latin typeface="Segoe UI" panose="020B0502040204020203" pitchFamily="34" charset="0"/>
                 <a:ea typeface="Calibri" panose="020F0502020204030204" pitchFamily="34" charset="0"/>
                 <a:cs typeface="Times New Roman" panose="02020603050405020304" pitchFamily="18" charset="0"/>
@@ -6304,7 +6280,7 @@
               <a:t>Totals parameter</a:t>
             </a:r>
             <a:r>
-              <a:rPr lang="en-US" dirty="0">
+              <a:rPr lang="en" dirty="0">
                 <a:latin typeface="Segoe UI" panose="020B0502040204020203" pitchFamily="34" charset="0"/>
                 <a:ea typeface="Calibri" panose="020F0502020204030204" pitchFamily="34" charset="0"/>
                 <a:cs typeface="Times New Roman" panose="02020603050405020304" pitchFamily="18" charset="0"/>
@@ -6444,11 +6420,11 @@
           <a:lstStyle/>
           <a:p>
             <a:r>
-              <a:rPr lang="en-US" sz="2400" dirty="0" smtClean="0">
+              <a:rPr lang="en" sz="2400" dirty="0" smtClean="0">
                 <a:latin typeface="Segoe UI" panose="020B0502040204020203" pitchFamily="34" charset="0"/>
                 <a:cs typeface="Segoe UI" panose="020B0502040204020203" pitchFamily="34" charset="0"/>
               </a:rPr>
-              <a:t>The Tables and Matrices</a:t>
+              <a:t>Tables and Matrices</a:t>
             </a:r>
             <a:endParaRPr lang="en-US" sz="2400" dirty="0">
               <a:latin typeface="Segoe UI" panose="020B0502040204020203" pitchFamily="34" charset="0"/>
@@ -6487,7 +6463,7 @@
               </a:spcAft>
             </a:pPr>
             <a:r>
-              <a:rPr lang="en-US" dirty="0" smtClean="0">
+              <a:rPr lang="en" dirty="0" smtClean="0">
                 <a:latin typeface="Segoe UI" panose="020B0502040204020203" pitchFamily="34" charset="0"/>
                 <a:ea typeface="Calibri" panose="020F0502020204030204" pitchFamily="34" charset="0"/>
                 <a:cs typeface="Times New Roman" panose="02020603050405020304" pitchFamily="18" charset="0"/>
@@ -6495,7 +6471,7 @@
               <a:t>Try changing the value of the </a:t>
             </a:r>
             <a:r>
-              <a:rPr lang="en-US" b="1" dirty="0" smtClean="0">
+              <a:rPr lang="en" b="1" dirty="0" smtClean="0">
                 <a:latin typeface="Segoe UI" panose="020B0502040204020203" pitchFamily="34" charset="0"/>
                 <a:ea typeface="Calibri" panose="020F0502020204030204" pitchFamily="34" charset="0"/>
                 <a:cs typeface="Times New Roman" panose="02020603050405020304" pitchFamily="18" charset="0"/>
@@ -6503,7 +6479,7 @@
               <a:t>Grid parameter</a:t>
             </a:r>
             <a:r>
-              <a:rPr lang="en-US" dirty="0" smtClean="0">
+              <a:rPr lang="en" dirty="0" smtClean="0">
                 <a:latin typeface="Segoe UI" panose="020B0502040204020203" pitchFamily="34" charset="0"/>
                 <a:ea typeface="Calibri" panose="020F0502020204030204" pitchFamily="34" charset="0"/>
                 <a:cs typeface="Times New Roman" panose="02020603050405020304" pitchFamily="18" charset="0"/>
@@ -6595,11 +6571,11 @@
           <a:lstStyle/>
           <a:p>
             <a:r>
-              <a:rPr lang="en-US" sz="2400" dirty="0" smtClean="0">
+              <a:rPr lang="en" sz="2400" dirty="0" smtClean="0">
                 <a:latin typeface="Segoe UI" panose="020B0502040204020203" pitchFamily="34" charset="0"/>
                 <a:cs typeface="Segoe UI" panose="020B0502040204020203" pitchFamily="34" charset="0"/>
               </a:rPr>
-              <a:t>The Tables and Matrices</a:t>
+              <a:t>Tables and Matrices</a:t>
             </a:r>
             <a:endParaRPr lang="en-US" sz="2400" dirty="0">
               <a:latin typeface="Segoe UI" panose="020B0502040204020203" pitchFamily="34" charset="0"/>
@@ -6638,47 +6614,47 @@
               </a:spcAft>
             </a:pPr>
             <a:r>
-              <a:rPr lang="en-US" dirty="0" smtClean="0">
-                <a:latin typeface="Segoe UI" panose="020B0502040204020203" pitchFamily="34" charset="0"/>
-                <a:ea typeface="Calibri" panose="020F0502020204030204" pitchFamily="34" charset="0"/>
-                <a:cs typeface="Times New Roman" panose="02020603050405020304" pitchFamily="18" charset="0"/>
-              </a:rPr>
-              <a:t>Always on </a:t>
-            </a:r>
-            <a:r>
-              <a:rPr lang="en-US" b="1" dirty="0" smtClean="0">
-                <a:latin typeface="Segoe UI" panose="020B0502040204020203" pitchFamily="34" charset="0"/>
-                <a:ea typeface="Calibri" panose="020F0502020204030204" pitchFamily="34" charset="0"/>
-                <a:cs typeface="Times New Roman" panose="02020603050405020304" pitchFamily="18" charset="0"/>
-              </a:rPr>
-              <a:t>Formatting </a:t>
-            </a:r>
-            <a:r>
-              <a:rPr lang="en-US" dirty="0" smtClean="0">
-                <a:latin typeface="Segoe UI" panose="020B0502040204020203" pitchFamily="34" charset="0"/>
-                <a:ea typeface="Calibri" panose="020F0502020204030204" pitchFamily="34" charset="0"/>
-                <a:cs typeface="Times New Roman" panose="02020603050405020304" pitchFamily="18" charset="0"/>
-              </a:rPr>
-              <a:t>section try to navigate to </a:t>
-            </a:r>
-            <a:r>
-              <a:rPr lang="en-US" b="1" dirty="0" smtClean="0">
-                <a:latin typeface="Segoe UI" panose="020B0502040204020203" pitchFamily="34" charset="0"/>
-                <a:ea typeface="Calibri" panose="020F0502020204030204" pitchFamily="34" charset="0"/>
-                <a:cs typeface="Times New Roman" panose="02020603050405020304" pitchFamily="18" charset="0"/>
-              </a:rPr>
-              <a:t>Cell elements </a:t>
-            </a:r>
-            <a:r>
-              <a:rPr lang="en-US" dirty="0" smtClean="0">
-                <a:latin typeface="Segoe UI" panose="020B0502040204020203" pitchFamily="34" charset="0"/>
-                <a:ea typeface="Calibri" panose="020F0502020204030204" pitchFamily="34" charset="0"/>
-                <a:cs typeface="Times New Roman" panose="02020603050405020304" pitchFamily="18" charset="0"/>
-              </a:rPr>
-              <a:t>section and select </a:t>
-            </a:r>
-            <a:r>
-              <a:rPr lang="en-US" b="1" dirty="0" err="1" smtClean="0">
+              <a:rPr lang="en" dirty="0" smtClean="0">
+                <a:latin typeface="Segoe UI" panose="020B0502040204020203" pitchFamily="34" charset="0"/>
+                <a:ea typeface="Calibri" panose="020F0502020204030204" pitchFamily="34" charset="0"/>
+                <a:cs typeface="Times New Roman" panose="02020603050405020304" pitchFamily="18" charset="0"/>
+              </a:rPr>
+              <a:t>Still in the </a:t>
+            </a:r>
+            <a:r>
+              <a:rPr lang="en" b="1" dirty="0" smtClean="0">
+                <a:latin typeface="Segoe UI" panose="020B0502040204020203" pitchFamily="34" charset="0"/>
+                <a:ea typeface="Calibri" panose="020F0502020204030204" pitchFamily="34" charset="0"/>
+                <a:cs typeface="Times New Roman" panose="02020603050405020304" pitchFamily="18" charset="0"/>
+              </a:rPr>
+              <a:t>Formatting section </a:t>
+            </a:r>
+            <a:r>
+              <a:rPr lang="en" dirty="0" smtClean="0">
+                <a:latin typeface="Segoe UI" panose="020B0502040204020203" pitchFamily="34" charset="0"/>
+                <a:ea typeface="Calibri" panose="020F0502020204030204" pitchFamily="34" charset="0"/>
+                <a:cs typeface="Times New Roman" panose="02020603050405020304" pitchFamily="18" charset="0"/>
+              </a:rPr>
+              <a:t>, try to go to the </a:t>
+            </a:r>
+            <a:r>
+              <a:rPr lang="en" b="1" dirty="0" smtClean="0">
+                <a:latin typeface="Segoe UI" panose="020B0502040204020203" pitchFamily="34" charset="0"/>
+                <a:ea typeface="Calibri" panose="020F0502020204030204" pitchFamily="34" charset="0"/>
+                <a:cs typeface="Times New Roman" panose="02020603050405020304" pitchFamily="18" charset="0"/>
+              </a:rPr>
+              <a:t>Cell Elements section </a:t>
+            </a:r>
+            <a:r>
+              <a:rPr lang="en" dirty="0" smtClean="0">
+                <a:latin typeface="Segoe UI" panose="020B0502040204020203" pitchFamily="34" charset="0"/>
+                <a:ea typeface="Calibri" panose="020F0502020204030204" pitchFamily="34" charset="0"/>
+                <a:cs typeface="Times New Roman" panose="02020603050405020304" pitchFamily="18" charset="0"/>
+              </a:rPr>
+              <a:t>and select </a:t>
+            </a:r>
+            <a:r>
+              <a:rPr lang="en" b="1" dirty="0" err="1" smtClean="0">
                 <a:latin typeface="Segoe UI" panose="020B0502040204020203" pitchFamily="34" charset="0"/>
                 <a:ea typeface="Calibri" panose="020F0502020204030204" pitchFamily="34" charset="0"/>
                 <a:cs typeface="Times New Roman" panose="02020603050405020304" pitchFamily="18" charset="0"/>
@@ -6686,7 +6662,7 @@
               <a:t>OrderQuantity</a:t>
             </a:r>
             <a:r>
-              <a:rPr lang="en-US" dirty="0" smtClean="0">
+              <a:rPr lang="en" dirty="0" smtClean="0">
                 <a:latin typeface="Segoe UI" panose="020B0502040204020203" pitchFamily="34" charset="0"/>
                 <a:ea typeface="Calibri" panose="020F0502020204030204" pitchFamily="34" charset="0"/>
                 <a:cs typeface="Times New Roman" panose="02020603050405020304" pitchFamily="18" charset="0"/>
@@ -6764,7 +6740,7 @@
           <a:p>
             <a:pPr algn="ctr"/>
             <a:r>
-              <a:rPr lang="fr-FR" sz="2400" b="1" dirty="0" smtClean="0"/>
+              <a:rPr lang="en" sz="2400" b="1" dirty="0" smtClean="0"/>
               <a:t>1</a:t>
             </a:r>
             <a:endParaRPr lang="en-US" sz="2400" b="1" dirty="0"/>
@@ -6809,7 +6785,7 @@
           <a:p>
             <a:pPr algn="ctr"/>
             <a:r>
-              <a:rPr lang="fr-FR" sz="2400" b="1" dirty="0" smtClean="0"/>
+              <a:rPr lang="en" sz="2400" b="1" dirty="0" smtClean="0"/>
               <a:t>2</a:t>
             </a:r>
             <a:endParaRPr lang="en-US" sz="2400" b="1" dirty="0"/>
@@ -6854,7 +6830,7 @@
           <a:p>
             <a:pPr algn="ctr"/>
             <a:r>
-              <a:rPr lang="fr-FR" sz="2400" b="1" dirty="0" smtClean="0"/>
+              <a:rPr lang="en" sz="2400" b="1" dirty="0" smtClean="0"/>
               <a:t>3</a:t>
             </a:r>
             <a:endParaRPr lang="en-US" sz="2400" b="1" dirty="0"/>
@@ -6914,11 +6890,11 @@
           <a:lstStyle/>
           <a:p>
             <a:r>
-              <a:rPr lang="en-US" sz="2400" dirty="0" smtClean="0">
+              <a:rPr lang="en" sz="2400" dirty="0" smtClean="0">
                 <a:latin typeface="Segoe UI" panose="020B0502040204020203" pitchFamily="34" charset="0"/>
                 <a:cs typeface="Segoe UI" panose="020B0502040204020203" pitchFamily="34" charset="0"/>
               </a:rPr>
-              <a:t>The Tables and Matrices</a:t>
+              <a:t>Tables and Matrices</a:t>
             </a:r>
             <a:endParaRPr lang="en-US" sz="2400" dirty="0">
               <a:latin typeface="Segoe UI" panose="020B0502040204020203" pitchFamily="34" charset="0"/>
@@ -6957,15 +6933,15 @@
               </a:spcAft>
             </a:pPr>
             <a:r>
-              <a:rPr lang="en-US" dirty="0" smtClean="0">
-                <a:latin typeface="Segoe UI" panose="020B0502040204020203" pitchFamily="34" charset="0"/>
-                <a:ea typeface="Calibri" panose="020F0502020204030204" pitchFamily="34" charset="0"/>
-                <a:cs typeface="Times New Roman" panose="02020603050405020304" pitchFamily="18" charset="0"/>
-              </a:rPr>
-              <a:t>Activate </a:t>
-            </a:r>
-            <a:r>
-              <a:rPr lang="en-US" b="1" dirty="0" err="1" smtClean="0">
+              <a:rPr lang="en" dirty="0" smtClean="0">
+                <a:latin typeface="Segoe UI" panose="020B0502040204020203" pitchFamily="34" charset="0"/>
+                <a:ea typeface="Calibri" panose="020F0502020204030204" pitchFamily="34" charset="0"/>
+                <a:cs typeface="Times New Roman" panose="02020603050405020304" pitchFamily="18" charset="0"/>
+              </a:rPr>
+              <a:t>Enable </a:t>
+            </a:r>
+            <a:r>
+              <a:rPr lang="en" b="1" dirty="0" err="1" smtClean="0">
                 <a:latin typeface="Segoe UI" panose="020B0502040204020203" pitchFamily="34" charset="0"/>
                 <a:ea typeface="Calibri" panose="020F0502020204030204" pitchFamily="34" charset="0"/>
                 <a:cs typeface="Times New Roman" panose="02020603050405020304" pitchFamily="18" charset="0"/>

--- a/English/6.Visuals/11.The Tables and Matrices.pptx
+++ b/English/6.Visuals/11.The Tables and Matrices.pptx
@@ -5,25 +5,26 @@
     <p:sldMasterId id="2147483648" r:id="rId1"/>
   </p:sldMasterIdLst>
   <p:notesMasterIdLst>
-    <p:notesMasterId r:id="rId18"/>
+    <p:notesMasterId r:id="rId19"/>
   </p:notesMasterIdLst>
   <p:sldIdLst>
     <p:sldId id="256" r:id="rId2"/>
     <p:sldId id="257" r:id="rId3"/>
     <p:sldId id="259" r:id="rId4"/>
-    <p:sldId id="266" r:id="rId5"/>
-    <p:sldId id="260" r:id="rId6"/>
-    <p:sldId id="268" r:id="rId7"/>
-    <p:sldId id="269" r:id="rId8"/>
-    <p:sldId id="261" r:id="rId9"/>
-    <p:sldId id="270" r:id="rId10"/>
-    <p:sldId id="271" r:id="rId11"/>
-    <p:sldId id="272" r:id="rId12"/>
-    <p:sldId id="262" r:id="rId13"/>
-    <p:sldId id="263" r:id="rId14"/>
-    <p:sldId id="264" r:id="rId15"/>
-    <p:sldId id="265" r:id="rId16"/>
-    <p:sldId id="258" r:id="rId17"/>
+    <p:sldId id="273" r:id="rId5"/>
+    <p:sldId id="266" r:id="rId6"/>
+    <p:sldId id="260" r:id="rId7"/>
+    <p:sldId id="268" r:id="rId8"/>
+    <p:sldId id="269" r:id="rId9"/>
+    <p:sldId id="261" r:id="rId10"/>
+    <p:sldId id="270" r:id="rId11"/>
+    <p:sldId id="271" r:id="rId12"/>
+    <p:sldId id="272" r:id="rId13"/>
+    <p:sldId id="262" r:id="rId14"/>
+    <p:sldId id="263" r:id="rId15"/>
+    <p:sldId id="264" r:id="rId16"/>
+    <p:sldId id="265" r:id="rId17"/>
+    <p:sldId id="258" r:id="rId18"/>
   </p:sldIdLst>
   <p:sldSz cx="12192000" cy="6858000"/>
   <p:notesSz cx="6858000" cy="9144000"/>
@@ -212,7 +213,7 @@
           <a:p>
             <a:fld id="{056BA3B8-9F76-4D81-B71D-76CB85363062}" type="datetimeFigureOut">
               <a:rPr lang="en-US" smtClean="0"/>
-              <a:t>4/3/2025</a:t>
+              <a:t>4/5/2025</a:t>
             </a:fld>
             <a:endParaRPr lang="en-US"/>
           </a:p>
@@ -611,7 +612,7 @@
           <a:p>
             <a:fld id="{6F01DA4D-20EA-48D2-973C-0311EC3005D6}" type="datetimeFigureOut">
               <a:rPr lang="en-US" smtClean="0"/>
-              <a:t>4/3/2025</a:t>
+              <a:t>4/5/2025</a:t>
             </a:fld>
             <a:endParaRPr lang="en-US"/>
           </a:p>
@@ -781,7 +782,7 @@
           <a:p>
             <a:fld id="{6F01DA4D-20EA-48D2-973C-0311EC3005D6}" type="datetimeFigureOut">
               <a:rPr lang="en-US" smtClean="0"/>
-              <a:t>4/3/2025</a:t>
+              <a:t>4/5/2025</a:t>
             </a:fld>
             <a:endParaRPr lang="en-US"/>
           </a:p>
@@ -961,7 +962,7 @@
           <a:p>
             <a:fld id="{6F01DA4D-20EA-48D2-973C-0311EC3005D6}" type="datetimeFigureOut">
               <a:rPr lang="en-US" smtClean="0"/>
-              <a:t>4/3/2025</a:t>
+              <a:t>4/5/2025</a:t>
             </a:fld>
             <a:endParaRPr lang="en-US"/>
           </a:p>
@@ -1131,7 +1132,7 @@
           <a:p>
             <a:fld id="{6F01DA4D-20EA-48D2-973C-0311EC3005D6}" type="datetimeFigureOut">
               <a:rPr lang="en-US" smtClean="0"/>
-              <a:t>4/3/2025</a:t>
+              <a:t>4/5/2025</a:t>
             </a:fld>
             <a:endParaRPr lang="en-US"/>
           </a:p>
@@ -1377,7 +1378,7 @@
           <a:p>
             <a:fld id="{6F01DA4D-20EA-48D2-973C-0311EC3005D6}" type="datetimeFigureOut">
               <a:rPr lang="en-US" smtClean="0"/>
-              <a:t>4/3/2025</a:t>
+              <a:t>4/5/2025</a:t>
             </a:fld>
             <a:endParaRPr lang="en-US"/>
           </a:p>
@@ -1609,7 +1610,7 @@
           <a:p>
             <a:fld id="{6F01DA4D-20EA-48D2-973C-0311EC3005D6}" type="datetimeFigureOut">
               <a:rPr lang="en-US" smtClean="0"/>
-              <a:t>4/3/2025</a:t>
+              <a:t>4/5/2025</a:t>
             </a:fld>
             <a:endParaRPr lang="en-US"/>
           </a:p>
@@ -1976,7 +1977,7 @@
           <a:p>
             <a:fld id="{6F01DA4D-20EA-48D2-973C-0311EC3005D6}" type="datetimeFigureOut">
               <a:rPr lang="en-US" smtClean="0"/>
-              <a:t>4/3/2025</a:t>
+              <a:t>4/5/2025</a:t>
             </a:fld>
             <a:endParaRPr lang="en-US"/>
           </a:p>
@@ -2094,7 +2095,7 @@
           <a:p>
             <a:fld id="{6F01DA4D-20EA-48D2-973C-0311EC3005D6}" type="datetimeFigureOut">
               <a:rPr lang="en-US" smtClean="0"/>
-              <a:t>4/3/2025</a:t>
+              <a:t>4/5/2025</a:t>
             </a:fld>
             <a:endParaRPr lang="en-US"/>
           </a:p>
@@ -2189,7 +2190,7 @@
           <a:p>
             <a:fld id="{6F01DA4D-20EA-48D2-973C-0311EC3005D6}" type="datetimeFigureOut">
               <a:rPr lang="en-US" smtClean="0"/>
-              <a:t>4/3/2025</a:t>
+              <a:t>4/5/2025</a:t>
             </a:fld>
             <a:endParaRPr lang="en-US"/>
           </a:p>
@@ -2466,7 +2467,7 @@
           <a:p>
             <a:fld id="{6F01DA4D-20EA-48D2-973C-0311EC3005D6}" type="datetimeFigureOut">
               <a:rPr lang="en-US" smtClean="0"/>
-              <a:t>4/3/2025</a:t>
+              <a:t>4/5/2025</a:t>
             </a:fld>
             <a:endParaRPr lang="en-US"/>
           </a:p>
@@ -2719,7 +2720,7 @@
           <a:p>
             <a:fld id="{6F01DA4D-20EA-48D2-973C-0311EC3005D6}" type="datetimeFigureOut">
               <a:rPr lang="en-US" smtClean="0"/>
-              <a:t>4/3/2025</a:t>
+              <a:t>4/5/2025</a:t>
             </a:fld>
             <a:endParaRPr lang="en-US"/>
           </a:p>
@@ -2932,7 +2933,7 @@
           <a:p>
             <a:fld id="{6F01DA4D-20EA-48D2-973C-0311EC3005D6}" type="datetimeFigureOut">
               <a:rPr lang="en-US" smtClean="0"/>
-              <a:t>4/3/2025</a:t>
+              <a:t>4/5/2025</a:t>
             </a:fld>
             <a:endParaRPr lang="en-US"/>
           </a:p>
@@ -3510,7 +3511,7 @@
         <p:spPr>
           <a:xfrm>
             <a:off x="387302" y="714530"/>
-            <a:ext cx="9286087" cy="373692"/>
+            <a:ext cx="2383399" cy="388696"/>
           </a:xfrm>
           <a:prstGeom prst="rect">
             <a:avLst/>
@@ -3536,7 +3537,15 @@
                 <a:ea typeface="Calibri" panose="020F0502020204030204" pitchFamily="34" charset="0"/>
                 <a:cs typeface="Times New Roman" panose="02020603050405020304" pitchFamily="18" charset="0"/>
               </a:rPr>
-              <a:t>Then configure conditional formatting based on the </a:t>
+              <a:t>Enable </a:t>
+            </a:r>
+            <a:r>
+              <a:rPr lang="en" b="1" dirty="0" err="1" smtClean="0">
+                <a:latin typeface="Segoe UI" panose="020B0502040204020203" pitchFamily="34" charset="0"/>
+                <a:ea typeface="Calibri" panose="020F0502020204030204" pitchFamily="34" charset="0"/>
+                <a:cs typeface="Times New Roman" panose="02020603050405020304" pitchFamily="18" charset="0"/>
+              </a:rPr>
+              <a:t>FontColor</a:t>
             </a:r>
             <a:endParaRPr lang="en-US" sz="1400" b="1" dirty="0">
               <a:effectLst/>
@@ -3549,7 +3558,7 @@
       </p:sp>
       <p:pic>
         <p:nvPicPr>
-          <p:cNvPr id="4" name="Picture 3"/>
+          <p:cNvPr id="6" name="Picture 5"/>
           <p:cNvPicPr>
             <a:picLocks noChangeAspect="1"/>
           </p:cNvPicPr>
@@ -3563,28 +3572,66 @@
         </p:blipFill>
         <p:spPr>
           <a:xfrm>
-            <a:off x="1959429" y="1173733"/>
-            <a:ext cx="7198179" cy="5031537"/>
+            <a:off x="416383" y="1223737"/>
+            <a:ext cx="3248478" cy="2705478"/>
           </a:xfrm>
           <a:prstGeom prst="rect">
             <a:avLst/>
           </a:prstGeom>
+        </p:spPr>
+      </p:pic>
+      <p:sp>
+        <p:nvSpPr>
+          <p:cNvPr id="7" name="Rectangle 6"/>
+          <p:cNvSpPr/>
+          <p:nvPr/>
+        </p:nvSpPr>
+        <p:spPr>
+          <a:xfrm>
+            <a:off x="2904331" y="3128210"/>
+            <a:ext cx="760530" cy="446887"/>
+          </a:xfrm>
+          <a:prstGeom prst="rect">
+            <a:avLst/>
+          </a:prstGeom>
+          <a:solidFill>
+            <a:srgbClr val="FF0000">
+              <a:alpha val="26000"/>
+            </a:srgbClr>
+          </a:solidFill>
           <a:ln>
             <a:noFill/>
           </a:ln>
-          <a:effectLst>
-            <a:outerShdw blurRad="292100" dist="139700" dir="2700000" algn="tl" rotWithShape="0">
-              <a:srgbClr val="333333">
-                <a:alpha val="65000"/>
-              </a:srgbClr>
-            </a:outerShdw>
-          </a:effectLst>
-        </p:spPr>
-      </p:pic>
+        </p:spPr>
+        <p:style>
+          <a:lnRef idx="2">
+            <a:schemeClr val="accent1">
+              <a:shade val="50000"/>
+            </a:schemeClr>
+          </a:lnRef>
+          <a:fillRef idx="1">
+            <a:schemeClr val="accent1"/>
+          </a:fillRef>
+          <a:effectRef idx="0">
+            <a:schemeClr val="accent1"/>
+          </a:effectRef>
+          <a:fontRef idx="minor">
+            <a:schemeClr val="lt1"/>
+          </a:fontRef>
+        </p:style>
+        <p:txBody>
+          <a:bodyPr rtlCol="0" anchor="ctr"/>
+          <a:lstStyle/>
+          <a:p>
+            <a:pPr algn="ctr"/>
+            <a:endParaRPr lang="en-US"/>
+          </a:p>
+        </p:txBody>
+      </p:sp>
     </p:spTree>
     <p:extLst>
       <p:ext uri="{BB962C8B-B14F-4D97-AF65-F5344CB8AC3E}">
-        <p14:creationId xmlns:p14="http://schemas.microsoft.com/office/powerpoint/2010/main" val="1767984535"/>
+        <p14:creationId xmlns:p14="http://schemas.microsoft.com/office/powerpoint/2010/main" val="266003220"/>
       </p:ext>
     </p:extLst>
   </p:cSld>
@@ -3682,6 +3729,152 @@
                 <a:ea typeface="Calibri" panose="020F0502020204030204" pitchFamily="34" charset="0"/>
                 <a:cs typeface="Times New Roman" panose="02020603050405020304" pitchFamily="18" charset="0"/>
               </a:rPr>
+              <a:t>Then configure conditional formatting based on the </a:t>
+            </a:r>
+            <a:endParaRPr lang="en-US" sz="1400" b="1" dirty="0">
+              <a:effectLst/>
+              <a:latin typeface="Calibri" panose="020F0502020204030204" pitchFamily="34" charset="0"/>
+              <a:ea typeface="Calibri" panose="020F0502020204030204" pitchFamily="34" charset="0"/>
+              <a:cs typeface="Times New Roman" panose="02020603050405020304" pitchFamily="18" charset="0"/>
+            </a:endParaRPr>
+          </a:p>
+        </p:txBody>
+      </p:sp>
+      <p:pic>
+        <p:nvPicPr>
+          <p:cNvPr id="4" name="Picture 3"/>
+          <p:cNvPicPr>
+            <a:picLocks noChangeAspect="1"/>
+          </p:cNvPicPr>
+          <p:nvPr/>
+        </p:nvPicPr>
+        <p:blipFill>
+          <a:blip r:embed="rId2"/>
+          <a:stretch>
+            <a:fillRect/>
+          </a:stretch>
+        </p:blipFill>
+        <p:spPr>
+          <a:xfrm>
+            <a:off x="1959429" y="1173733"/>
+            <a:ext cx="7198179" cy="5031537"/>
+          </a:xfrm>
+          <a:prstGeom prst="rect">
+            <a:avLst/>
+          </a:prstGeom>
+          <a:ln>
+            <a:noFill/>
+          </a:ln>
+          <a:effectLst>
+            <a:outerShdw blurRad="292100" dist="139700" dir="2700000" algn="tl" rotWithShape="0">
+              <a:srgbClr val="333333">
+                <a:alpha val="65000"/>
+              </a:srgbClr>
+            </a:outerShdw>
+          </a:effectLst>
+        </p:spPr>
+      </p:pic>
+    </p:spTree>
+    <p:extLst>
+      <p:ext uri="{BB962C8B-B14F-4D97-AF65-F5344CB8AC3E}">
+        <p14:creationId xmlns:p14="http://schemas.microsoft.com/office/powerpoint/2010/main" val="1767984535"/>
+      </p:ext>
+    </p:extLst>
+  </p:cSld>
+  <p:clrMapOvr>
+    <a:masterClrMapping/>
+  </p:clrMapOvr>
+</p:sld>
+</file>
+
+<file path=ppt/slides/slide12.xml><?xml version="1.0" encoding="utf-8"?>
+<p:sld xmlns:a="http://schemas.openxmlformats.org/drawingml/2006/main" xmlns:r="http://schemas.openxmlformats.org/officeDocument/2006/relationships" xmlns:p="http://schemas.openxmlformats.org/presentationml/2006/main">
+  <p:cSld>
+    <p:spTree>
+      <p:nvGrpSpPr>
+        <p:cNvPr id="1" name=""/>
+        <p:cNvGrpSpPr/>
+        <p:nvPr/>
+      </p:nvGrpSpPr>
+      <p:grpSpPr>
+        <a:xfrm>
+          <a:off x="0" y="0"/>
+          <a:ext cx="0" cy="0"/>
+          <a:chOff x="0" y="0"/>
+          <a:chExt cx="0" cy="0"/>
+        </a:xfrm>
+      </p:grpSpPr>
+      <p:sp>
+        <p:nvSpPr>
+          <p:cNvPr id="2" name="TextBox 1"/>
+          <p:cNvSpPr txBox="1"/>
+          <p:nvPr/>
+        </p:nvSpPr>
+        <p:spPr>
+          <a:xfrm>
+            <a:off x="323133" y="192505"/>
+            <a:ext cx="3434979" cy="461665"/>
+          </a:xfrm>
+          <a:prstGeom prst="rect">
+            <a:avLst/>
+          </a:prstGeom>
+          <a:noFill/>
+        </p:spPr>
+        <p:txBody>
+          <a:bodyPr wrap="none" rtlCol="0">
+            <a:spAutoFit/>
+          </a:bodyPr>
+          <a:lstStyle/>
+          <a:p>
+            <a:r>
+              <a:rPr lang="en" sz="2400" dirty="0" smtClean="0">
+                <a:latin typeface="Segoe UI" panose="020B0502040204020203" pitchFamily="34" charset="0"/>
+                <a:cs typeface="Segoe UI" panose="020B0502040204020203" pitchFamily="34" charset="0"/>
+              </a:rPr>
+              <a:t>Tables and Matrices</a:t>
+            </a:r>
+            <a:endParaRPr lang="en-US" sz="2400" dirty="0">
+              <a:latin typeface="Segoe UI" panose="020B0502040204020203" pitchFamily="34" charset="0"/>
+              <a:cs typeface="Segoe UI" panose="020B0502040204020203" pitchFamily="34" charset="0"/>
+            </a:endParaRPr>
+          </a:p>
+        </p:txBody>
+      </p:sp>
+      <p:sp>
+        <p:nvSpPr>
+          <p:cNvPr id="3" name="Rectangle 2"/>
+          <p:cNvSpPr/>
+          <p:nvPr/>
+        </p:nvSpPr>
+        <p:spPr>
+          <a:xfrm>
+            <a:off x="387302" y="714530"/>
+            <a:ext cx="9286087" cy="373692"/>
+          </a:xfrm>
+          <a:prstGeom prst="rect">
+            <a:avLst/>
+          </a:prstGeom>
+        </p:spPr>
+        <p:txBody>
+          <a:bodyPr wrap="square">
+            <a:spAutoFit/>
+          </a:bodyPr>
+          <a:lstStyle/>
+          <a:p>
+            <a:pPr lvl="0">
+              <a:lnSpc>
+                <a:spcPct val="107000"/>
+              </a:lnSpc>
+              <a:spcAft>
+                <a:spcPts val="800"/>
+              </a:spcAft>
+            </a:pPr>
+            <a:r>
+              <a:rPr lang="en" dirty="0" smtClean="0">
+                <a:latin typeface="Segoe UI" panose="020B0502040204020203" pitchFamily="34" charset="0"/>
+                <a:ea typeface="Calibri" panose="020F0502020204030204" pitchFamily="34" charset="0"/>
+                <a:cs typeface="Times New Roman" panose="02020603050405020304" pitchFamily="18" charset="0"/>
+              </a:rPr>
               <a:t>Observe the </a:t>
             </a:r>
             <a:r>
@@ -3738,7 +3931,7 @@
 </p:sld>
 </file>
 
-<file path=ppt/slides/slide12.xml><?xml version="1.0" encoding="utf-8"?>
+<file path=ppt/slides/slide13.xml><?xml version="1.0" encoding="utf-8"?>
 <p:sld xmlns:a="http://schemas.openxmlformats.org/drawingml/2006/main" xmlns:r="http://schemas.openxmlformats.org/officeDocument/2006/relationships" xmlns:p="http://schemas.openxmlformats.org/presentationml/2006/main">
   <p:cSld>
     <p:spTree>
@@ -4342,156 +4535,6 @@
 </p:sld>
 </file>
 
-<file path=ppt/slides/slide13.xml><?xml version="1.0" encoding="utf-8"?>
-<p:sld xmlns:a="http://schemas.openxmlformats.org/drawingml/2006/main" xmlns:r="http://schemas.openxmlformats.org/officeDocument/2006/relationships" xmlns:p="http://schemas.openxmlformats.org/presentationml/2006/main">
-  <p:cSld>
-    <p:spTree>
-      <p:nvGrpSpPr>
-        <p:cNvPr id="1" name=""/>
-        <p:cNvGrpSpPr/>
-        <p:nvPr/>
-      </p:nvGrpSpPr>
-      <p:grpSpPr>
-        <a:xfrm>
-          <a:off x="0" y="0"/>
-          <a:ext cx="0" cy="0"/>
-          <a:chOff x="0" y="0"/>
-          <a:chExt cx="0" cy="0"/>
-        </a:xfrm>
-      </p:grpSpPr>
-      <p:sp>
-        <p:nvSpPr>
-          <p:cNvPr id="2" name="TextBox 1"/>
-          <p:cNvSpPr txBox="1"/>
-          <p:nvPr/>
-        </p:nvSpPr>
-        <p:spPr>
-          <a:xfrm>
-            <a:off x="323133" y="192505"/>
-            <a:ext cx="3434979" cy="461665"/>
-          </a:xfrm>
-          <a:prstGeom prst="rect">
-            <a:avLst/>
-          </a:prstGeom>
-          <a:noFill/>
-        </p:spPr>
-        <p:txBody>
-          <a:bodyPr wrap="none" rtlCol="0">
-            <a:spAutoFit/>
-          </a:bodyPr>
-          <a:lstStyle/>
-          <a:p>
-            <a:r>
-              <a:rPr lang="en" sz="2400" dirty="0" smtClean="0">
-                <a:latin typeface="Segoe UI" panose="020B0502040204020203" pitchFamily="34" charset="0"/>
-                <a:cs typeface="Segoe UI" panose="020B0502040204020203" pitchFamily="34" charset="0"/>
-              </a:rPr>
-              <a:t>Tables and Matrices</a:t>
-            </a:r>
-            <a:endParaRPr lang="en-US" sz="2400" dirty="0">
-              <a:latin typeface="Segoe UI" panose="020B0502040204020203" pitchFamily="34" charset="0"/>
-              <a:cs typeface="Segoe UI" panose="020B0502040204020203" pitchFamily="34" charset="0"/>
-            </a:endParaRPr>
-          </a:p>
-        </p:txBody>
-      </p:sp>
-      <p:sp>
-        <p:nvSpPr>
-          <p:cNvPr id="3" name="Rectangle 2"/>
-          <p:cNvSpPr/>
-          <p:nvPr/>
-        </p:nvSpPr>
-        <p:spPr>
-          <a:xfrm>
-            <a:off x="388712" y="793960"/>
-            <a:ext cx="2130583" cy="373692"/>
-          </a:xfrm>
-          <a:prstGeom prst="rect">
-            <a:avLst/>
-          </a:prstGeom>
-        </p:spPr>
-        <p:txBody>
-          <a:bodyPr wrap="none">
-            <a:spAutoFit/>
-          </a:bodyPr>
-          <a:lstStyle/>
-          <a:p>
-            <a:pPr lvl="0">
-              <a:lnSpc>
-                <a:spcPct val="107000"/>
-              </a:lnSpc>
-              <a:spcAft>
-                <a:spcPts val="800"/>
-              </a:spcAft>
-              <a:tabLst>
-                <a:tab pos="457200" algn="l"/>
-                <a:tab pos="571500" algn="l"/>
-              </a:tabLst>
-            </a:pPr>
-            <a:r>
-              <a:rPr lang="en" dirty="0">
-                <a:latin typeface="Segoe UI" panose="020B0502040204020203" pitchFamily="34" charset="0"/>
-                <a:ea typeface="Calibri" panose="020F0502020204030204" pitchFamily="34" charset="0"/>
-                <a:cs typeface="Times New Roman" panose="02020603050405020304" pitchFamily="18" charset="0"/>
-              </a:rPr>
-              <a:t>Observe the matrix</a:t>
-            </a:r>
-            <a:endParaRPr lang="en-US" sz="1400" dirty="0">
-              <a:effectLst/>
-              <a:latin typeface="Calibri" panose="020F0502020204030204" pitchFamily="34" charset="0"/>
-              <a:ea typeface="Calibri" panose="020F0502020204030204" pitchFamily="34" charset="0"/>
-              <a:cs typeface="Times New Roman" panose="02020603050405020304" pitchFamily="18" charset="0"/>
-            </a:endParaRPr>
-          </a:p>
-        </p:txBody>
-      </p:sp>
-      <p:pic>
-        <p:nvPicPr>
-          <p:cNvPr id="4" name="Picture 3"/>
-          <p:cNvPicPr>
-            <a:picLocks noChangeAspect="1"/>
-          </p:cNvPicPr>
-          <p:nvPr/>
-        </p:nvPicPr>
-        <p:blipFill>
-          <a:blip r:embed="rId2"/>
-          <a:stretch>
-            <a:fillRect/>
-          </a:stretch>
-        </p:blipFill>
-        <p:spPr>
-          <a:xfrm>
-            <a:off x="444946" y="1307442"/>
-            <a:ext cx="9335803" cy="1943371"/>
-          </a:xfrm>
-          <a:prstGeom prst="rect">
-            <a:avLst/>
-          </a:prstGeom>
-          <a:ln>
-            <a:noFill/>
-          </a:ln>
-          <a:effectLst>
-            <a:outerShdw blurRad="292100" dist="139700" dir="2700000" algn="tl" rotWithShape="0">
-              <a:srgbClr val="333333">
-                <a:alpha val="65000"/>
-              </a:srgbClr>
-            </a:outerShdw>
-          </a:effectLst>
-        </p:spPr>
-      </p:pic>
-    </p:spTree>
-    <p:extLst>
-      <p:ext uri="{BB962C8B-B14F-4D97-AF65-F5344CB8AC3E}">
-        <p14:creationId xmlns:p14="http://schemas.microsoft.com/office/powerpoint/2010/main" val="211243489"/>
-      </p:ext>
-    </p:extLst>
-  </p:cSld>
-  <p:clrMapOvr>
-    <a:masterClrMapping/>
-  </p:clrMapOvr>
-</p:sld>
-</file>
-
 <file path=ppt/slides/slide14.xml><?xml version="1.0" encoding="utf-8"?>
 <p:sld xmlns:a="http://schemas.openxmlformats.org/drawingml/2006/main" xmlns:r="http://schemas.openxmlformats.org/officeDocument/2006/relationships" xmlns:p="http://schemas.openxmlformats.org/presentationml/2006/main">
   <p:cSld>
@@ -4547,21 +4590,21 @@
       </p:sp>
       <p:sp>
         <p:nvSpPr>
-          <p:cNvPr id="4" name="Rectangle 3"/>
+          <p:cNvPr id="3" name="Rectangle 2"/>
           <p:cNvSpPr/>
           <p:nvPr/>
         </p:nvSpPr>
         <p:spPr>
           <a:xfrm>
-            <a:off x="428552" y="806251"/>
-            <a:ext cx="11424271" cy="373692"/>
+            <a:off x="388712" y="793960"/>
+            <a:ext cx="2130583" cy="373692"/>
           </a:xfrm>
           <a:prstGeom prst="rect">
             <a:avLst/>
           </a:prstGeom>
         </p:spPr>
         <p:txBody>
-          <a:bodyPr wrap="square">
+          <a:bodyPr wrap="none">
             <a:spAutoFit/>
           </a:bodyPr>
           <a:lstStyle/>
@@ -4579,110 +4622,14 @@
               </a:tabLst>
             </a:pPr>
             <a:r>
-              <a:rPr lang="en" dirty="0" err="1" smtClean="0">
-                <a:latin typeface="Segoe UI" panose="020B0502040204020203" pitchFamily="34" charset="0"/>
-                <a:ea typeface="Calibri" panose="020F0502020204030204" pitchFamily="34" charset="0"/>
-                <a:cs typeface="Times New Roman" panose="02020603050405020304" pitchFamily="18" charset="0"/>
-              </a:rPr>
-              <a:t>Add</a:t>
-            </a:r>
-            <a:r>
-              <a:rPr lang="en" dirty="0" smtClean="0">
-                <a:latin typeface="Segoe UI" panose="020B0502040204020203" pitchFamily="34" charset="0"/>
-                <a:ea typeface="Calibri" panose="020F0502020204030204" pitchFamily="34" charset="0"/>
-                <a:cs typeface="Times New Roman" panose="02020603050405020304" pitchFamily="18" charset="0"/>
-              </a:rPr>
-              <a:t> </a:t>
-            </a:r>
-            <a:r>
-              <a:rPr lang="en" b="1" dirty="0" err="1" smtClean="0">
-                <a:latin typeface="Segoe UI" panose="020B0502040204020203" pitchFamily="34" charset="0"/>
-                <a:ea typeface="Calibri" panose="020F0502020204030204" pitchFamily="34" charset="0"/>
-                <a:cs typeface="Times New Roman" panose="02020603050405020304" pitchFamily="18" charset="0"/>
-              </a:rPr>
-              <a:t>CalendarMonths </a:t>
-            </a:r>
-            <a:r>
-              <a:rPr lang="en" dirty="0" smtClean="0">
-                <a:latin typeface="Segoe UI" panose="020B0502040204020203" pitchFamily="34" charset="0"/>
-                <a:ea typeface="Calibri" panose="020F0502020204030204" pitchFamily="34" charset="0"/>
-                <a:cs typeface="Times New Roman" panose="02020603050405020304" pitchFamily="18" charset="0"/>
-              </a:rPr>
-              <a:t>on </a:t>
-            </a:r>
-            <a:r>
-              <a:rPr lang="en" dirty="0" err="1" smtClean="0">
-                <a:latin typeface="Segoe UI" panose="020B0502040204020203" pitchFamily="34" charset="0"/>
-                <a:ea typeface="Calibri" panose="020F0502020204030204" pitchFamily="34" charset="0"/>
-                <a:cs typeface="Times New Roman" panose="02020603050405020304" pitchFamily="18" charset="0"/>
-              </a:rPr>
-              <a:t>lines</a:t>
-            </a:r>
-            <a:r>
-              <a:rPr lang="en" dirty="0" smtClean="0">
-                <a:latin typeface="Segoe UI" panose="020B0502040204020203" pitchFamily="34" charset="0"/>
-                <a:ea typeface="Calibri" panose="020F0502020204030204" pitchFamily="34" charset="0"/>
-                <a:cs typeface="Times New Roman" panose="02020603050405020304" pitchFamily="18" charset="0"/>
-              </a:rPr>
-              <a:t> </a:t>
-            </a:r>
-            <a:r>
-              <a:rPr lang="en" dirty="0" err="1" smtClean="0">
-                <a:latin typeface="Segoe UI" panose="020B0502040204020203" pitchFamily="34" charset="0"/>
-                <a:ea typeface="Calibri" panose="020F0502020204030204" pitchFamily="34" charset="0"/>
-                <a:cs typeface="Times New Roman" panose="02020603050405020304" pitchFamily="18" charset="0"/>
-              </a:rPr>
-              <a:t>level </a:t>
-            </a:r>
-            <a:r>
-              <a:rPr lang="en" dirty="0" smtClean="0">
-                <a:latin typeface="Segoe UI" panose="020B0502040204020203" pitchFamily="34" charset="0"/>
-                <a:ea typeface="Calibri" panose="020F0502020204030204" pitchFamily="34" charset="0"/>
-                <a:cs typeface="Times New Roman" panose="02020603050405020304" pitchFamily="18" charset="0"/>
-              </a:rPr>
-              <a:t>in addition to the </a:t>
-            </a:r>
-            <a:r>
-              <a:rPr lang="en" b="1" dirty="0" err="1" smtClean="0">
-                <a:latin typeface="Segoe UI" panose="020B0502040204020203" pitchFamily="34" charset="0"/>
-                <a:ea typeface="Calibri" panose="020F0502020204030204" pitchFamily="34" charset="0"/>
-                <a:cs typeface="Times New Roman" panose="02020603050405020304" pitchFamily="18" charset="0"/>
-              </a:rPr>
-              <a:t>calendar year</a:t>
-            </a:r>
-            <a:r>
-              <a:rPr lang="en" b="1" dirty="0" smtClean="0">
-                <a:latin typeface="Segoe UI" panose="020B0502040204020203" pitchFamily="34" charset="0"/>
-                <a:ea typeface="Calibri" panose="020F0502020204030204" pitchFamily="34" charset="0"/>
-                <a:cs typeface="Times New Roman" panose="02020603050405020304" pitchFamily="18" charset="0"/>
-              </a:rPr>
-              <a:t> </a:t>
-            </a:r>
-            <a:r>
-              <a:rPr lang="en" dirty="0" smtClean="0">
-                <a:latin typeface="Segoe UI" panose="020B0502040204020203" pitchFamily="34" charset="0"/>
-                <a:ea typeface="Calibri" panose="020F0502020204030204" pitchFamily="34" charset="0"/>
-                <a:cs typeface="Times New Roman" panose="02020603050405020304" pitchFamily="18" charset="0"/>
-              </a:rPr>
-              <a:t>and note the </a:t>
-            </a:r>
-            <a:r>
-              <a:rPr lang="en" dirty="0" err="1" smtClean="0">
-                <a:latin typeface="Segoe UI" panose="020B0502040204020203" pitchFamily="34" charset="0"/>
-                <a:ea typeface="Calibri" panose="020F0502020204030204" pitchFamily="34" charset="0"/>
-                <a:cs typeface="Times New Roman" panose="02020603050405020304" pitchFamily="18" charset="0"/>
-              </a:rPr>
-              <a:t>sign</a:t>
-            </a:r>
-            <a:r>
-              <a:rPr lang="en" dirty="0" smtClean="0">
-                <a:latin typeface="Segoe UI" panose="020B0502040204020203" pitchFamily="34" charset="0"/>
-                <a:ea typeface="Calibri" panose="020F0502020204030204" pitchFamily="34" charset="0"/>
-                <a:cs typeface="Times New Roman" panose="02020603050405020304" pitchFamily="18" charset="0"/>
-              </a:rPr>
-              <a:t> </a:t>
-            </a:r>
-            <a:endParaRPr lang="en-US" sz="1400" b="1" dirty="0">
+              <a:rPr lang="en" dirty="0">
+                <a:latin typeface="Segoe UI" panose="020B0502040204020203" pitchFamily="34" charset="0"/>
+                <a:ea typeface="Calibri" panose="020F0502020204030204" pitchFamily="34" charset="0"/>
+                <a:cs typeface="Times New Roman" panose="02020603050405020304" pitchFamily="18" charset="0"/>
+              </a:rPr>
+              <a:t>Observe the matrix</a:t>
+            </a:r>
+            <a:endParaRPr lang="en-US" sz="1400" dirty="0">
               <a:effectLst/>
               <a:latin typeface="Calibri" panose="020F0502020204030204" pitchFamily="34" charset="0"/>
               <a:ea typeface="Calibri" panose="020F0502020204030204" pitchFamily="34" charset="0"/>
@@ -4693,7 +4640,7 @@
       </p:sp>
       <p:pic>
         <p:nvPicPr>
-          <p:cNvPr id="3" name="Picture 2"/>
+          <p:cNvPr id="4" name="Picture 3"/>
           <p:cNvPicPr>
             <a:picLocks noChangeAspect="1"/>
           </p:cNvPicPr>
@@ -4707,212 +4654,28 @@
         </p:blipFill>
         <p:spPr>
           <a:xfrm>
-            <a:off x="528438" y="1332024"/>
-            <a:ext cx="9526329" cy="2181529"/>
+            <a:off x="444946" y="1307442"/>
+            <a:ext cx="9335803" cy="1943371"/>
           </a:xfrm>
           <a:prstGeom prst="rect">
             <a:avLst/>
           </a:prstGeom>
-        </p:spPr>
-      </p:pic>
-      <p:pic>
-        <p:nvPicPr>
-          <p:cNvPr id="5" name="Picture 4"/>
-          <p:cNvPicPr>
-            <a:picLocks noChangeAspect="1"/>
-          </p:cNvPicPr>
-          <p:nvPr/>
-        </p:nvPicPr>
-        <p:blipFill>
-          <a:blip r:embed="rId3"/>
-          <a:stretch>
-            <a:fillRect/>
-          </a:stretch>
-        </p:blipFill>
-        <p:spPr>
-          <a:xfrm>
-            <a:off x="9007845" y="876932"/>
-            <a:ext cx="239402" cy="252701"/>
-          </a:xfrm>
-          <a:prstGeom prst="rect">
-            <a:avLst/>
-          </a:prstGeom>
-        </p:spPr>
-      </p:pic>
-      <p:sp>
-        <p:nvSpPr>
-          <p:cNvPr id="7" name="Rectangle 6"/>
-          <p:cNvSpPr/>
-          <p:nvPr/>
-        </p:nvSpPr>
-        <p:spPr>
-          <a:xfrm>
-            <a:off x="428552" y="3665634"/>
-            <a:ext cx="4913470" cy="388696"/>
-          </a:xfrm>
-          <a:prstGeom prst="rect">
-            <a:avLst/>
-          </a:prstGeom>
-        </p:spPr>
-        <p:txBody>
-          <a:bodyPr wrap="square">
-            <a:spAutoFit/>
-          </a:bodyPr>
-          <a:lstStyle/>
-          <a:p>
-            <a:pPr lvl="0">
-              <a:lnSpc>
-                <a:spcPct val="107000"/>
-              </a:lnSpc>
-              <a:spcAft>
-                <a:spcPts val="800"/>
-              </a:spcAft>
-              <a:tabLst>
-                <a:tab pos="457200" algn="l"/>
-                <a:tab pos="571500" algn="l"/>
-              </a:tabLst>
-            </a:pPr>
-            <a:r>
-              <a:rPr lang="en" dirty="0" err="1" smtClean="0">
-                <a:latin typeface="Segoe UI" panose="020B0502040204020203" pitchFamily="34" charset="0"/>
-                <a:ea typeface="Calibri" panose="020F0502020204030204" pitchFamily="34" charset="0"/>
-                <a:cs typeface="Times New Roman" panose="02020603050405020304" pitchFamily="18" charset="0"/>
-              </a:rPr>
-              <a:t>Try </a:t>
-            </a:r>
-            <a:r>
-              <a:rPr lang="en" dirty="0" smtClean="0">
-                <a:latin typeface="Segoe UI" panose="020B0502040204020203" pitchFamily="34" charset="0"/>
-                <a:ea typeface="Calibri" panose="020F0502020204030204" pitchFamily="34" charset="0"/>
-                <a:cs typeface="Times New Roman" panose="02020603050405020304" pitchFamily="18" charset="0"/>
-              </a:rPr>
-              <a:t>to </a:t>
-            </a:r>
-            <a:r>
-              <a:rPr lang="en" dirty="0" err="1" smtClean="0">
-                <a:latin typeface="Segoe UI" panose="020B0502040204020203" pitchFamily="34" charset="0"/>
-                <a:ea typeface="Calibri" panose="020F0502020204030204" pitchFamily="34" charset="0"/>
-                <a:cs typeface="Times New Roman" panose="02020603050405020304" pitchFamily="18" charset="0"/>
-              </a:rPr>
-              <a:t>enlarge </a:t>
-            </a:r>
-            <a:r>
-              <a:rPr lang="en" dirty="0" smtClean="0">
-                <a:latin typeface="Segoe UI" panose="020B0502040204020203" pitchFamily="34" charset="0"/>
-                <a:ea typeface="Calibri" panose="020F0502020204030204" pitchFamily="34" charset="0"/>
-                <a:cs typeface="Times New Roman" panose="02020603050405020304" pitchFamily="18" charset="0"/>
-              </a:rPr>
-              <a:t>the </a:t>
-            </a:r>
-            <a:r>
-              <a:rPr lang="en" dirty="0" err="1" smtClean="0">
-                <a:latin typeface="Segoe UI" panose="020B0502040204020203" pitchFamily="34" charset="0"/>
-                <a:ea typeface="Calibri" panose="020F0502020204030204" pitchFamily="34" charset="0"/>
-                <a:cs typeface="Times New Roman" panose="02020603050405020304" pitchFamily="18" charset="0"/>
-              </a:rPr>
-              <a:t>view </a:t>
-            </a:r>
-            <a:r>
-              <a:rPr lang="en" dirty="0" smtClean="0">
-                <a:latin typeface="Segoe UI" panose="020B0502040204020203" pitchFamily="34" charset="0"/>
-                <a:ea typeface="Calibri" panose="020F0502020204030204" pitchFamily="34" charset="0"/>
-                <a:cs typeface="Times New Roman" panose="02020603050405020304" pitchFamily="18" charset="0"/>
-              </a:rPr>
-              <a:t>by </a:t>
-            </a:r>
-            <a:r>
-              <a:rPr lang="en" dirty="0" err="1" smtClean="0">
-                <a:latin typeface="Segoe UI" panose="020B0502040204020203" pitchFamily="34" charset="0"/>
-                <a:ea typeface="Calibri" panose="020F0502020204030204" pitchFamily="34" charset="0"/>
-                <a:cs typeface="Times New Roman" panose="02020603050405020304" pitchFamily="18" charset="0"/>
-              </a:rPr>
-              <a:t>clicking on </a:t>
-            </a:r>
-            <a:r>
-              <a:rPr lang="en" dirty="0" smtClean="0">
-                <a:latin typeface="Segoe UI" panose="020B0502040204020203" pitchFamily="34" charset="0"/>
-                <a:ea typeface="Calibri" panose="020F0502020204030204" pitchFamily="34" charset="0"/>
-                <a:cs typeface="Times New Roman" panose="02020603050405020304" pitchFamily="18" charset="0"/>
-              </a:rPr>
-              <a:t>the </a:t>
-            </a:r>
-            <a:r>
-              <a:rPr lang="en" dirty="0" err="1" smtClean="0">
-                <a:latin typeface="Segoe UI" panose="020B0502040204020203" pitchFamily="34" charset="0"/>
-                <a:ea typeface="Calibri" panose="020F0502020204030204" pitchFamily="34" charset="0"/>
-                <a:cs typeface="Times New Roman" panose="02020603050405020304" pitchFamily="18" charset="0"/>
-              </a:rPr>
-              <a:t>sign</a:t>
-            </a:r>
-            <a:r>
-              <a:rPr lang="en" dirty="0" smtClean="0">
-                <a:latin typeface="Segoe UI" panose="020B0502040204020203" pitchFamily="34" charset="0"/>
-                <a:ea typeface="Calibri" panose="020F0502020204030204" pitchFamily="34" charset="0"/>
-                <a:cs typeface="Times New Roman" panose="02020603050405020304" pitchFamily="18" charset="0"/>
-              </a:rPr>
-              <a:t> </a:t>
-            </a:r>
-            <a:endParaRPr lang="en-US" sz="1400" b="1" dirty="0">
-              <a:effectLst/>
-              <a:latin typeface="Calibri" panose="020F0502020204030204" pitchFamily="34" charset="0"/>
-              <a:ea typeface="Calibri" panose="020F0502020204030204" pitchFamily="34" charset="0"/>
-              <a:cs typeface="Times New Roman" panose="02020603050405020304" pitchFamily="18" charset="0"/>
-            </a:endParaRPr>
-          </a:p>
-        </p:txBody>
-      </p:sp>
-      <p:pic>
-        <p:nvPicPr>
-          <p:cNvPr id="8" name="Picture 7"/>
-          <p:cNvPicPr>
-            <a:picLocks noChangeAspect="1"/>
-          </p:cNvPicPr>
-          <p:nvPr/>
-        </p:nvPicPr>
-        <p:blipFill>
-          <a:blip r:embed="rId3"/>
-          <a:stretch>
-            <a:fillRect/>
-          </a:stretch>
-        </p:blipFill>
-        <p:spPr>
-          <a:xfrm>
-            <a:off x="4340738" y="3726129"/>
-            <a:ext cx="239402" cy="252701"/>
-          </a:xfrm>
-          <a:prstGeom prst="rect">
-            <a:avLst/>
-          </a:prstGeom>
-        </p:spPr>
-      </p:pic>
-      <p:pic>
-        <p:nvPicPr>
-          <p:cNvPr id="9" name="Picture 8"/>
-          <p:cNvPicPr>
-            <a:picLocks noChangeAspect="1"/>
-          </p:cNvPicPr>
-          <p:nvPr/>
-        </p:nvPicPr>
-        <p:blipFill>
-          <a:blip r:embed="rId4"/>
-          <a:stretch>
-            <a:fillRect/>
-          </a:stretch>
-        </p:blipFill>
-        <p:spPr>
-          <a:xfrm>
-            <a:off x="528438" y="4054330"/>
-            <a:ext cx="7445926" cy="2511523"/>
-          </a:xfrm>
-          <a:prstGeom prst="rect">
-            <a:avLst/>
-          </a:prstGeom>
+          <a:ln>
+            <a:noFill/>
+          </a:ln>
+          <a:effectLst>
+            <a:outerShdw blurRad="292100" dist="139700" dir="2700000" algn="tl" rotWithShape="0">
+              <a:srgbClr val="333333">
+                <a:alpha val="65000"/>
+              </a:srgbClr>
+            </a:outerShdw>
+          </a:effectLst>
         </p:spPr>
       </p:pic>
     </p:spTree>
     <p:extLst>
       <p:ext uri="{BB962C8B-B14F-4D97-AF65-F5344CB8AC3E}">
-        <p14:creationId xmlns:p14="http://schemas.microsoft.com/office/powerpoint/2010/main" val="1886393903"/>
+        <p14:creationId xmlns:p14="http://schemas.microsoft.com/office/powerpoint/2010/main" val="211243489"/>
       </p:ext>
     </p:extLst>
   </p:cSld>
@@ -4977,6 +4740,436 @@
       </p:sp>
       <p:sp>
         <p:nvSpPr>
+          <p:cNvPr id="4" name="Rectangle 3"/>
+          <p:cNvSpPr/>
+          <p:nvPr/>
+        </p:nvSpPr>
+        <p:spPr>
+          <a:xfrm>
+            <a:off x="428552" y="806251"/>
+            <a:ext cx="11424271" cy="373692"/>
+          </a:xfrm>
+          <a:prstGeom prst="rect">
+            <a:avLst/>
+          </a:prstGeom>
+        </p:spPr>
+        <p:txBody>
+          <a:bodyPr wrap="square">
+            <a:spAutoFit/>
+          </a:bodyPr>
+          <a:lstStyle/>
+          <a:p>
+            <a:pPr lvl="0">
+              <a:lnSpc>
+                <a:spcPct val="107000"/>
+              </a:lnSpc>
+              <a:spcAft>
+                <a:spcPts val="800"/>
+              </a:spcAft>
+              <a:tabLst>
+                <a:tab pos="457200" algn="l"/>
+                <a:tab pos="571500" algn="l"/>
+              </a:tabLst>
+            </a:pPr>
+            <a:r>
+              <a:rPr lang="en" dirty="0" err="1" smtClean="0">
+                <a:latin typeface="Segoe UI" panose="020B0502040204020203" pitchFamily="34" charset="0"/>
+                <a:ea typeface="Calibri" panose="020F0502020204030204" pitchFamily="34" charset="0"/>
+                <a:cs typeface="Times New Roman" panose="02020603050405020304" pitchFamily="18" charset="0"/>
+              </a:rPr>
+              <a:t>Add</a:t>
+            </a:r>
+            <a:r>
+              <a:rPr lang="en" dirty="0" smtClean="0">
+                <a:latin typeface="Segoe UI" panose="020B0502040204020203" pitchFamily="34" charset="0"/>
+                <a:ea typeface="Calibri" panose="020F0502020204030204" pitchFamily="34" charset="0"/>
+                <a:cs typeface="Times New Roman" panose="02020603050405020304" pitchFamily="18" charset="0"/>
+              </a:rPr>
+              <a:t> </a:t>
+            </a:r>
+            <a:r>
+              <a:rPr lang="en" b="1" dirty="0" err="1" smtClean="0">
+                <a:latin typeface="Segoe UI" panose="020B0502040204020203" pitchFamily="34" charset="0"/>
+                <a:ea typeface="Calibri" panose="020F0502020204030204" pitchFamily="34" charset="0"/>
+                <a:cs typeface="Times New Roman" panose="02020603050405020304" pitchFamily="18" charset="0"/>
+              </a:rPr>
+              <a:t>CalendarMonths </a:t>
+            </a:r>
+            <a:r>
+              <a:rPr lang="en" dirty="0" smtClean="0">
+                <a:latin typeface="Segoe UI" panose="020B0502040204020203" pitchFamily="34" charset="0"/>
+                <a:ea typeface="Calibri" panose="020F0502020204030204" pitchFamily="34" charset="0"/>
+                <a:cs typeface="Times New Roman" panose="02020603050405020304" pitchFamily="18" charset="0"/>
+              </a:rPr>
+              <a:t>on </a:t>
+            </a:r>
+            <a:r>
+              <a:rPr lang="en" dirty="0" err="1" smtClean="0">
+                <a:latin typeface="Segoe UI" panose="020B0502040204020203" pitchFamily="34" charset="0"/>
+                <a:ea typeface="Calibri" panose="020F0502020204030204" pitchFamily="34" charset="0"/>
+                <a:cs typeface="Times New Roman" panose="02020603050405020304" pitchFamily="18" charset="0"/>
+              </a:rPr>
+              <a:t>lines</a:t>
+            </a:r>
+            <a:r>
+              <a:rPr lang="en" dirty="0" smtClean="0">
+                <a:latin typeface="Segoe UI" panose="020B0502040204020203" pitchFamily="34" charset="0"/>
+                <a:ea typeface="Calibri" panose="020F0502020204030204" pitchFamily="34" charset="0"/>
+                <a:cs typeface="Times New Roman" panose="02020603050405020304" pitchFamily="18" charset="0"/>
+              </a:rPr>
+              <a:t> </a:t>
+            </a:r>
+            <a:r>
+              <a:rPr lang="en" dirty="0" err="1" smtClean="0">
+                <a:latin typeface="Segoe UI" panose="020B0502040204020203" pitchFamily="34" charset="0"/>
+                <a:ea typeface="Calibri" panose="020F0502020204030204" pitchFamily="34" charset="0"/>
+                <a:cs typeface="Times New Roman" panose="02020603050405020304" pitchFamily="18" charset="0"/>
+              </a:rPr>
+              <a:t>level </a:t>
+            </a:r>
+            <a:r>
+              <a:rPr lang="en" dirty="0" smtClean="0">
+                <a:latin typeface="Segoe UI" panose="020B0502040204020203" pitchFamily="34" charset="0"/>
+                <a:ea typeface="Calibri" panose="020F0502020204030204" pitchFamily="34" charset="0"/>
+                <a:cs typeface="Times New Roman" panose="02020603050405020304" pitchFamily="18" charset="0"/>
+              </a:rPr>
+              <a:t>in addition to the </a:t>
+            </a:r>
+            <a:r>
+              <a:rPr lang="en" b="1" dirty="0" err="1" smtClean="0">
+                <a:latin typeface="Segoe UI" panose="020B0502040204020203" pitchFamily="34" charset="0"/>
+                <a:ea typeface="Calibri" panose="020F0502020204030204" pitchFamily="34" charset="0"/>
+                <a:cs typeface="Times New Roman" panose="02020603050405020304" pitchFamily="18" charset="0"/>
+              </a:rPr>
+              <a:t>calendar year</a:t>
+            </a:r>
+            <a:r>
+              <a:rPr lang="en" b="1" dirty="0" smtClean="0">
+                <a:latin typeface="Segoe UI" panose="020B0502040204020203" pitchFamily="34" charset="0"/>
+                <a:ea typeface="Calibri" panose="020F0502020204030204" pitchFamily="34" charset="0"/>
+                <a:cs typeface="Times New Roman" panose="02020603050405020304" pitchFamily="18" charset="0"/>
+              </a:rPr>
+              <a:t> </a:t>
+            </a:r>
+            <a:r>
+              <a:rPr lang="en" dirty="0" smtClean="0">
+                <a:latin typeface="Segoe UI" panose="020B0502040204020203" pitchFamily="34" charset="0"/>
+                <a:ea typeface="Calibri" panose="020F0502020204030204" pitchFamily="34" charset="0"/>
+                <a:cs typeface="Times New Roman" panose="02020603050405020304" pitchFamily="18" charset="0"/>
+              </a:rPr>
+              <a:t>and note the </a:t>
+            </a:r>
+            <a:r>
+              <a:rPr lang="en" dirty="0" err="1" smtClean="0">
+                <a:latin typeface="Segoe UI" panose="020B0502040204020203" pitchFamily="34" charset="0"/>
+                <a:ea typeface="Calibri" panose="020F0502020204030204" pitchFamily="34" charset="0"/>
+                <a:cs typeface="Times New Roman" panose="02020603050405020304" pitchFamily="18" charset="0"/>
+              </a:rPr>
+              <a:t>sign</a:t>
+            </a:r>
+            <a:r>
+              <a:rPr lang="en" dirty="0" smtClean="0">
+                <a:latin typeface="Segoe UI" panose="020B0502040204020203" pitchFamily="34" charset="0"/>
+                <a:ea typeface="Calibri" panose="020F0502020204030204" pitchFamily="34" charset="0"/>
+                <a:cs typeface="Times New Roman" panose="02020603050405020304" pitchFamily="18" charset="0"/>
+              </a:rPr>
+              <a:t> </a:t>
+            </a:r>
+            <a:endParaRPr lang="en-US" sz="1400" b="1" dirty="0">
+              <a:effectLst/>
+              <a:latin typeface="Calibri" panose="020F0502020204030204" pitchFamily="34" charset="0"/>
+              <a:ea typeface="Calibri" panose="020F0502020204030204" pitchFamily="34" charset="0"/>
+              <a:cs typeface="Times New Roman" panose="02020603050405020304" pitchFamily="18" charset="0"/>
+            </a:endParaRPr>
+          </a:p>
+        </p:txBody>
+      </p:sp>
+      <p:pic>
+        <p:nvPicPr>
+          <p:cNvPr id="3" name="Picture 2"/>
+          <p:cNvPicPr>
+            <a:picLocks noChangeAspect="1"/>
+          </p:cNvPicPr>
+          <p:nvPr/>
+        </p:nvPicPr>
+        <p:blipFill>
+          <a:blip r:embed="rId2"/>
+          <a:stretch>
+            <a:fillRect/>
+          </a:stretch>
+        </p:blipFill>
+        <p:spPr>
+          <a:xfrm>
+            <a:off x="528438" y="1332024"/>
+            <a:ext cx="9526329" cy="2181529"/>
+          </a:xfrm>
+          <a:prstGeom prst="rect">
+            <a:avLst/>
+          </a:prstGeom>
+        </p:spPr>
+      </p:pic>
+      <p:pic>
+        <p:nvPicPr>
+          <p:cNvPr id="5" name="Picture 4"/>
+          <p:cNvPicPr>
+            <a:picLocks noChangeAspect="1"/>
+          </p:cNvPicPr>
+          <p:nvPr/>
+        </p:nvPicPr>
+        <p:blipFill>
+          <a:blip r:embed="rId3"/>
+          <a:stretch>
+            <a:fillRect/>
+          </a:stretch>
+        </p:blipFill>
+        <p:spPr>
+          <a:xfrm>
+            <a:off x="9007845" y="876932"/>
+            <a:ext cx="239402" cy="252701"/>
+          </a:xfrm>
+          <a:prstGeom prst="rect">
+            <a:avLst/>
+          </a:prstGeom>
+        </p:spPr>
+      </p:pic>
+      <p:sp>
+        <p:nvSpPr>
+          <p:cNvPr id="7" name="Rectangle 6"/>
+          <p:cNvSpPr/>
+          <p:nvPr/>
+        </p:nvSpPr>
+        <p:spPr>
+          <a:xfrm>
+            <a:off x="428552" y="3665634"/>
+            <a:ext cx="4913470" cy="388696"/>
+          </a:xfrm>
+          <a:prstGeom prst="rect">
+            <a:avLst/>
+          </a:prstGeom>
+        </p:spPr>
+        <p:txBody>
+          <a:bodyPr wrap="square">
+            <a:spAutoFit/>
+          </a:bodyPr>
+          <a:lstStyle/>
+          <a:p>
+            <a:pPr lvl="0">
+              <a:lnSpc>
+                <a:spcPct val="107000"/>
+              </a:lnSpc>
+              <a:spcAft>
+                <a:spcPts val="800"/>
+              </a:spcAft>
+              <a:tabLst>
+                <a:tab pos="457200" algn="l"/>
+                <a:tab pos="571500" algn="l"/>
+              </a:tabLst>
+            </a:pPr>
+            <a:r>
+              <a:rPr lang="en" dirty="0" err="1" smtClean="0">
+                <a:latin typeface="Segoe UI" panose="020B0502040204020203" pitchFamily="34" charset="0"/>
+                <a:ea typeface="Calibri" panose="020F0502020204030204" pitchFamily="34" charset="0"/>
+                <a:cs typeface="Times New Roman" panose="02020603050405020304" pitchFamily="18" charset="0"/>
+              </a:rPr>
+              <a:t>Try </a:t>
+            </a:r>
+            <a:r>
+              <a:rPr lang="en" dirty="0" smtClean="0">
+                <a:latin typeface="Segoe UI" panose="020B0502040204020203" pitchFamily="34" charset="0"/>
+                <a:ea typeface="Calibri" panose="020F0502020204030204" pitchFamily="34" charset="0"/>
+                <a:cs typeface="Times New Roman" panose="02020603050405020304" pitchFamily="18" charset="0"/>
+              </a:rPr>
+              <a:t>to </a:t>
+            </a:r>
+            <a:r>
+              <a:rPr lang="en" dirty="0" err="1" smtClean="0">
+                <a:latin typeface="Segoe UI" panose="020B0502040204020203" pitchFamily="34" charset="0"/>
+                <a:ea typeface="Calibri" panose="020F0502020204030204" pitchFamily="34" charset="0"/>
+                <a:cs typeface="Times New Roman" panose="02020603050405020304" pitchFamily="18" charset="0"/>
+              </a:rPr>
+              <a:t>enlarge </a:t>
+            </a:r>
+            <a:r>
+              <a:rPr lang="en" dirty="0" smtClean="0">
+                <a:latin typeface="Segoe UI" panose="020B0502040204020203" pitchFamily="34" charset="0"/>
+                <a:ea typeface="Calibri" panose="020F0502020204030204" pitchFamily="34" charset="0"/>
+                <a:cs typeface="Times New Roman" panose="02020603050405020304" pitchFamily="18" charset="0"/>
+              </a:rPr>
+              <a:t>the </a:t>
+            </a:r>
+            <a:r>
+              <a:rPr lang="en" dirty="0" err="1" smtClean="0">
+                <a:latin typeface="Segoe UI" panose="020B0502040204020203" pitchFamily="34" charset="0"/>
+                <a:ea typeface="Calibri" panose="020F0502020204030204" pitchFamily="34" charset="0"/>
+                <a:cs typeface="Times New Roman" panose="02020603050405020304" pitchFamily="18" charset="0"/>
+              </a:rPr>
+              <a:t>view </a:t>
+            </a:r>
+            <a:r>
+              <a:rPr lang="en" dirty="0" smtClean="0">
+                <a:latin typeface="Segoe UI" panose="020B0502040204020203" pitchFamily="34" charset="0"/>
+                <a:ea typeface="Calibri" panose="020F0502020204030204" pitchFamily="34" charset="0"/>
+                <a:cs typeface="Times New Roman" panose="02020603050405020304" pitchFamily="18" charset="0"/>
+              </a:rPr>
+              <a:t>by </a:t>
+            </a:r>
+            <a:r>
+              <a:rPr lang="en" dirty="0" err="1" smtClean="0">
+                <a:latin typeface="Segoe UI" panose="020B0502040204020203" pitchFamily="34" charset="0"/>
+                <a:ea typeface="Calibri" panose="020F0502020204030204" pitchFamily="34" charset="0"/>
+                <a:cs typeface="Times New Roman" panose="02020603050405020304" pitchFamily="18" charset="0"/>
+              </a:rPr>
+              <a:t>clicking on </a:t>
+            </a:r>
+            <a:r>
+              <a:rPr lang="en" dirty="0" smtClean="0">
+                <a:latin typeface="Segoe UI" panose="020B0502040204020203" pitchFamily="34" charset="0"/>
+                <a:ea typeface="Calibri" panose="020F0502020204030204" pitchFamily="34" charset="0"/>
+                <a:cs typeface="Times New Roman" panose="02020603050405020304" pitchFamily="18" charset="0"/>
+              </a:rPr>
+              <a:t>the </a:t>
+            </a:r>
+            <a:r>
+              <a:rPr lang="en" dirty="0" err="1" smtClean="0">
+                <a:latin typeface="Segoe UI" panose="020B0502040204020203" pitchFamily="34" charset="0"/>
+                <a:ea typeface="Calibri" panose="020F0502020204030204" pitchFamily="34" charset="0"/>
+                <a:cs typeface="Times New Roman" panose="02020603050405020304" pitchFamily="18" charset="0"/>
+              </a:rPr>
+              <a:t>sign</a:t>
+            </a:r>
+            <a:r>
+              <a:rPr lang="en" dirty="0" smtClean="0">
+                <a:latin typeface="Segoe UI" panose="020B0502040204020203" pitchFamily="34" charset="0"/>
+                <a:ea typeface="Calibri" panose="020F0502020204030204" pitchFamily="34" charset="0"/>
+                <a:cs typeface="Times New Roman" panose="02020603050405020304" pitchFamily="18" charset="0"/>
+              </a:rPr>
+              <a:t> </a:t>
+            </a:r>
+            <a:endParaRPr lang="en-US" sz="1400" b="1" dirty="0">
+              <a:effectLst/>
+              <a:latin typeface="Calibri" panose="020F0502020204030204" pitchFamily="34" charset="0"/>
+              <a:ea typeface="Calibri" panose="020F0502020204030204" pitchFamily="34" charset="0"/>
+              <a:cs typeface="Times New Roman" panose="02020603050405020304" pitchFamily="18" charset="0"/>
+            </a:endParaRPr>
+          </a:p>
+        </p:txBody>
+      </p:sp>
+      <p:pic>
+        <p:nvPicPr>
+          <p:cNvPr id="8" name="Picture 7"/>
+          <p:cNvPicPr>
+            <a:picLocks noChangeAspect="1"/>
+          </p:cNvPicPr>
+          <p:nvPr/>
+        </p:nvPicPr>
+        <p:blipFill>
+          <a:blip r:embed="rId3"/>
+          <a:stretch>
+            <a:fillRect/>
+          </a:stretch>
+        </p:blipFill>
+        <p:spPr>
+          <a:xfrm>
+            <a:off x="4340738" y="3726129"/>
+            <a:ext cx="239402" cy="252701"/>
+          </a:xfrm>
+          <a:prstGeom prst="rect">
+            <a:avLst/>
+          </a:prstGeom>
+        </p:spPr>
+      </p:pic>
+      <p:pic>
+        <p:nvPicPr>
+          <p:cNvPr id="9" name="Picture 8"/>
+          <p:cNvPicPr>
+            <a:picLocks noChangeAspect="1"/>
+          </p:cNvPicPr>
+          <p:nvPr/>
+        </p:nvPicPr>
+        <p:blipFill>
+          <a:blip r:embed="rId4"/>
+          <a:stretch>
+            <a:fillRect/>
+          </a:stretch>
+        </p:blipFill>
+        <p:spPr>
+          <a:xfrm>
+            <a:off x="528438" y="4054330"/>
+            <a:ext cx="7445926" cy="2511523"/>
+          </a:xfrm>
+          <a:prstGeom prst="rect">
+            <a:avLst/>
+          </a:prstGeom>
+        </p:spPr>
+      </p:pic>
+    </p:spTree>
+    <p:extLst>
+      <p:ext uri="{BB962C8B-B14F-4D97-AF65-F5344CB8AC3E}">
+        <p14:creationId xmlns:p14="http://schemas.microsoft.com/office/powerpoint/2010/main" val="1886393903"/>
+      </p:ext>
+    </p:extLst>
+  </p:cSld>
+  <p:clrMapOvr>
+    <a:masterClrMapping/>
+  </p:clrMapOvr>
+</p:sld>
+</file>
+
+<file path=ppt/slides/slide16.xml><?xml version="1.0" encoding="utf-8"?>
+<p:sld xmlns:a="http://schemas.openxmlformats.org/drawingml/2006/main" xmlns:r="http://schemas.openxmlformats.org/officeDocument/2006/relationships" xmlns:p="http://schemas.openxmlformats.org/presentationml/2006/main">
+  <p:cSld>
+    <p:spTree>
+      <p:nvGrpSpPr>
+        <p:cNvPr id="1" name=""/>
+        <p:cNvGrpSpPr/>
+        <p:nvPr/>
+      </p:nvGrpSpPr>
+      <p:grpSpPr>
+        <a:xfrm>
+          <a:off x="0" y="0"/>
+          <a:ext cx="0" cy="0"/>
+          <a:chOff x="0" y="0"/>
+          <a:chExt cx="0" cy="0"/>
+        </a:xfrm>
+      </p:grpSpPr>
+      <p:sp>
+        <p:nvSpPr>
+          <p:cNvPr id="2" name="TextBox 1"/>
+          <p:cNvSpPr txBox="1"/>
+          <p:nvPr/>
+        </p:nvSpPr>
+        <p:spPr>
+          <a:xfrm>
+            <a:off x="323133" y="192505"/>
+            <a:ext cx="3434979" cy="461665"/>
+          </a:xfrm>
+          <a:prstGeom prst="rect">
+            <a:avLst/>
+          </a:prstGeom>
+          <a:noFill/>
+        </p:spPr>
+        <p:txBody>
+          <a:bodyPr wrap="none" rtlCol="0">
+            <a:spAutoFit/>
+          </a:bodyPr>
+          <a:lstStyle/>
+          <a:p>
+            <a:r>
+              <a:rPr lang="en" sz="2400" dirty="0" smtClean="0">
+                <a:latin typeface="Segoe UI" panose="020B0502040204020203" pitchFamily="34" charset="0"/>
+                <a:cs typeface="Segoe UI" panose="020B0502040204020203" pitchFamily="34" charset="0"/>
+              </a:rPr>
+              <a:t>Tables and Matrices</a:t>
+            </a:r>
+            <a:endParaRPr lang="en-US" sz="2400" dirty="0">
+              <a:latin typeface="Segoe UI" panose="020B0502040204020203" pitchFamily="34" charset="0"/>
+              <a:cs typeface="Segoe UI" panose="020B0502040204020203" pitchFamily="34" charset="0"/>
+            </a:endParaRPr>
+          </a:p>
+        </p:txBody>
+      </p:sp>
+      <p:sp>
+        <p:nvSpPr>
           <p:cNvPr id="3" name="Rectangle 2"/>
           <p:cNvSpPr/>
           <p:nvPr/>
@@ -5070,7 +5263,7 @@
 </p:sld>
 </file>
 
-<file path=ppt/slides/slide16.xml><?xml version="1.0" encoding="utf-8"?>
+<file path=ppt/slides/slide17.xml><?xml version="1.0" encoding="utf-8"?>
 <p:sld xmlns:a="http://schemas.openxmlformats.org/drawingml/2006/main" xmlns:r="http://schemas.openxmlformats.org/officeDocument/2006/relationships" xmlns:p="http://schemas.openxmlformats.org/presentationml/2006/main">
   <p:cSld>
     <p:bg>
@@ -5296,7 +5489,7 @@
         </p:nvSpPr>
         <p:spPr>
           <a:xfrm>
-            <a:off x="323133" y="807710"/>
+            <a:off x="323133" y="1409289"/>
             <a:ext cx="4145109" cy="373692"/>
           </a:xfrm>
           <a:prstGeom prst="rect">
@@ -5371,7 +5564,7 @@
         </p:blipFill>
         <p:spPr bwMode="auto">
           <a:xfrm>
-            <a:off x="372148" y="1397096"/>
+            <a:off x="372148" y="1998675"/>
             <a:ext cx="4366260" cy="3733800"/>
           </a:xfrm>
           <a:prstGeom prst="rect">
@@ -5389,6 +5582,108 @@
           </a:effectLst>
         </p:spPr>
       </p:pic>
+      <p:sp>
+        <p:nvSpPr>
+          <p:cNvPr id="5" name="Rectangle 4"/>
+          <p:cNvSpPr/>
+          <p:nvPr/>
+        </p:nvSpPr>
+        <p:spPr>
+          <a:xfrm>
+            <a:off x="323132" y="819903"/>
+            <a:ext cx="8461034" cy="373692"/>
+          </a:xfrm>
+          <a:prstGeom prst="rect">
+            <a:avLst/>
+          </a:prstGeom>
+        </p:spPr>
+        <p:txBody>
+          <a:bodyPr wrap="none">
+            <a:spAutoFit/>
+          </a:bodyPr>
+          <a:lstStyle/>
+          <a:p>
+            <a:pPr lvl="0">
+              <a:lnSpc>
+                <a:spcPct val="107000"/>
+              </a:lnSpc>
+              <a:spcAft>
+                <a:spcPts val="800"/>
+              </a:spcAft>
+            </a:pPr>
+            <a:r>
+              <a:rPr lang="en" dirty="0" smtClean="0">
+                <a:latin typeface="Segoe UI" panose="020B0502040204020203" pitchFamily="34" charset="0"/>
+                <a:ea typeface="Calibri" panose="020F0502020204030204" pitchFamily="34" charset="0"/>
+                <a:cs typeface="Times New Roman" panose="02020603050405020304" pitchFamily="18" charset="0"/>
+              </a:rPr>
+              <a:t>This workshop is using </a:t>
+            </a:r>
+            <a:r>
+              <a:rPr lang="en" b="1" dirty="0" smtClean="0">
+                <a:latin typeface="Segoe UI" panose="020B0502040204020203" pitchFamily="34" charset="0"/>
+                <a:ea typeface="Calibri" panose="020F0502020204030204" pitchFamily="34" charset="0"/>
+                <a:cs typeface="Times New Roman" panose="02020603050405020304" pitchFamily="18" charset="0"/>
+              </a:rPr>
+              <a:t>DimProduct </a:t>
+            </a:r>
+            <a:r>
+              <a:rPr lang="en" dirty="0" smtClean="0">
+                <a:latin typeface="Segoe UI" panose="020B0502040204020203" pitchFamily="34" charset="0"/>
+                <a:ea typeface="Calibri" panose="020F0502020204030204" pitchFamily="34" charset="0"/>
+                <a:cs typeface="Times New Roman" panose="02020603050405020304" pitchFamily="18" charset="0"/>
+              </a:rPr>
+              <a:t>and </a:t>
+            </a:r>
+            <a:r>
+              <a:rPr lang="en" b="1" dirty="0" smtClean="0">
+                <a:latin typeface="Segoe UI" panose="020B0502040204020203" pitchFamily="34" charset="0"/>
+                <a:ea typeface="Calibri" panose="020F0502020204030204" pitchFamily="34" charset="0"/>
+                <a:cs typeface="Times New Roman" panose="02020603050405020304" pitchFamily="18" charset="0"/>
+              </a:rPr>
+              <a:t>FactInternetSales </a:t>
+            </a:r>
+            <a:r>
+              <a:rPr lang="en" dirty="0" smtClean="0">
+                <a:latin typeface="Segoe UI" panose="020B0502040204020203" pitchFamily="34" charset="0"/>
+                <a:ea typeface="Calibri" panose="020F0502020204030204" pitchFamily="34" charset="0"/>
+                <a:cs typeface="Times New Roman" panose="02020603050405020304" pitchFamily="18" charset="0"/>
+              </a:rPr>
+              <a:t>of</a:t>
+            </a:r>
+            <a:r>
+              <a:rPr lang="en" b="1" dirty="0" smtClean="0">
+                <a:latin typeface="Segoe UI" panose="020B0502040204020203" pitchFamily="34" charset="0"/>
+                <a:ea typeface="Calibri" panose="020F0502020204030204" pitchFamily="34" charset="0"/>
+                <a:cs typeface="Times New Roman" panose="02020603050405020304" pitchFamily="18" charset="0"/>
+              </a:rPr>
+              <a:t> </a:t>
+            </a:r>
+            <a:r>
+              <a:rPr lang="en" b="1" dirty="0" smtClean="0">
+                <a:latin typeface="Segoe UI" panose="020B0502040204020203" pitchFamily="34" charset="0"/>
+                <a:ea typeface="Calibri" panose="020F0502020204030204" pitchFamily="34" charset="0"/>
+                <a:cs typeface="Times New Roman" panose="02020603050405020304" pitchFamily="18" charset="0"/>
+              </a:rPr>
+              <a:t>CSVSources</a:t>
+            </a:r>
+            <a:r>
+              <a:rPr lang="en" dirty="0" smtClean="0">
+                <a:latin typeface="Segoe UI" panose="020B0502040204020203" pitchFamily="34" charset="0"/>
+                <a:ea typeface="Calibri" panose="020F0502020204030204" pitchFamily="34" charset="0"/>
+                <a:cs typeface="Times New Roman" panose="02020603050405020304" pitchFamily="18" charset="0"/>
+              </a:rPr>
+              <a:t> folder</a:t>
+            </a:r>
+            <a:endParaRPr lang="en-US" sz="1400" dirty="0">
+              <a:effectLst/>
+              <a:latin typeface="Calibri" panose="020F0502020204030204" pitchFamily="34" charset="0"/>
+              <a:ea typeface="Calibri" panose="020F0502020204030204" pitchFamily="34" charset="0"/>
+              <a:cs typeface="Times New Roman" panose="02020603050405020304" pitchFamily="18" charset="0"/>
+            </a:endParaRPr>
+          </a:p>
+        </p:txBody>
+      </p:sp>
     </p:spTree>
     <p:extLst>
       <p:ext uri="{BB962C8B-B14F-4D97-AF65-F5344CB8AC3E}">
@@ -5493,20 +5788,12 @@
               <a:t>Add the two </a:t>
             </a:r>
             <a:r>
-              <a:rPr lang="en" b="1" dirty="0" err="1" smtClean="0">
-                <a:latin typeface="Segoe UI" panose="020B0502040204020203" pitchFamily="34" charset="0"/>
-                <a:ea typeface="Calibri" panose="020F0502020204030204" pitchFamily="34" charset="0"/>
-                <a:cs typeface="Times New Roman" panose="02020603050405020304" pitchFamily="18" charset="0"/>
-              </a:rPr>
-              <a:t>ModelName fields</a:t>
-            </a:r>
-            <a:r>
               <a:rPr lang="en" b="1" dirty="0" smtClean="0">
                 <a:latin typeface="Segoe UI" panose="020B0502040204020203" pitchFamily="34" charset="0"/>
                 <a:ea typeface="Calibri" panose="020F0502020204030204" pitchFamily="34" charset="0"/>
                 <a:cs typeface="Times New Roman" panose="02020603050405020304" pitchFamily="18" charset="0"/>
               </a:rPr>
-              <a:t> </a:t>
+              <a:t>ModelName fields </a:t>
             </a:r>
             <a:r>
               <a:rPr lang="en" dirty="0" smtClean="0">
@@ -5517,7 +5804,7 @@
               <a:t>from </a:t>
             </a:r>
             <a:r>
-              <a:rPr lang="en" b="1" dirty="0" err="1" smtClean="0">
+              <a:rPr lang="en" b="1" dirty="0" smtClean="0">
                 <a:latin typeface="Segoe UI" panose="020B0502040204020203" pitchFamily="34" charset="0"/>
                 <a:ea typeface="Calibri" panose="020F0502020204030204" pitchFamily="34" charset="0"/>
                 <a:cs typeface="Times New Roman" panose="02020603050405020304" pitchFamily="18" charset="0"/>
@@ -5533,20 +5820,20 @@
               <a:t>and </a:t>
             </a:r>
             <a:r>
-              <a:rPr lang="en" b="1" dirty="0" err="1" smtClean="0">
-                <a:latin typeface="Segoe UI" panose="020B0502040204020203" pitchFamily="34" charset="0"/>
-                <a:ea typeface="Calibri" panose="020F0502020204030204" pitchFamily="34" charset="0"/>
-                <a:cs typeface="Times New Roman" panose="02020603050405020304" pitchFamily="18" charset="0"/>
-              </a:rPr>
-              <a:t>OrderQuantity</a:t>
-            </a:r>
-            <a:r>
               <a:rPr lang="en" b="1" dirty="0" smtClean="0">
                 <a:latin typeface="Segoe UI" panose="020B0502040204020203" pitchFamily="34" charset="0"/>
                 <a:ea typeface="Calibri" panose="020F0502020204030204" pitchFamily="34" charset="0"/>
                 <a:cs typeface="Times New Roman" panose="02020603050405020304" pitchFamily="18" charset="0"/>
               </a:rPr>
-              <a:t> </a:t>
+              <a:t>Sales</a:t>
+            </a:r>
+            <a:r>
+              <a:rPr lang="en" b="1" dirty="0" smtClean="0">
+                <a:latin typeface="Segoe UI" panose="020B0502040204020203" pitchFamily="34" charset="0"/>
+                <a:ea typeface="Calibri" panose="020F0502020204030204" pitchFamily="34" charset="0"/>
+                <a:cs typeface="Times New Roman" panose="02020603050405020304" pitchFamily="18" charset="0"/>
+              </a:rPr>
+              <a:t>Quantity </a:t>
             </a:r>
             <a:r>
               <a:rPr lang="en" dirty="0" smtClean="0">
@@ -5557,20 +5844,12 @@
               <a:t>from </a:t>
             </a:r>
             <a:r>
-              <a:rPr lang="en" b="1" dirty="0" err="1" smtClean="0">
-                <a:latin typeface="Segoe UI" panose="020B0502040204020203" pitchFamily="34" charset="0"/>
-                <a:ea typeface="Calibri" panose="020F0502020204030204" pitchFamily="34" charset="0"/>
-                <a:cs typeface="Times New Roman" panose="02020603050405020304" pitchFamily="18" charset="0"/>
-              </a:rPr>
-              <a:t>FactInternetSales</a:t>
-            </a:r>
-            <a:r>
               <a:rPr lang="en" b="1" dirty="0" smtClean="0">
                 <a:latin typeface="Segoe UI" panose="020B0502040204020203" pitchFamily="34" charset="0"/>
                 <a:ea typeface="Calibri" panose="020F0502020204030204" pitchFamily="34" charset="0"/>
                 <a:cs typeface="Times New Roman" panose="02020603050405020304" pitchFamily="18" charset="0"/>
               </a:rPr>
-              <a:t>  </a:t>
+              <a:t>FactInternetSales  </a:t>
             </a:r>
             <a:r>
               <a:rPr lang="en" dirty="0">
@@ -5637,7 +5916,7 @@
       </p:sp>
       <p:pic>
         <p:nvPicPr>
-          <p:cNvPr id="4" name="Picture 3"/>
+          <p:cNvPr id="6" name="Picture 5"/>
           <p:cNvPicPr>
             <a:picLocks noChangeAspect="1"/>
           </p:cNvPicPr>
@@ -5651,22 +5930,12 @@
         </p:blipFill>
         <p:spPr>
           <a:xfrm>
-            <a:off x="773632" y="1598971"/>
-            <a:ext cx="4182059" cy="4848902"/>
+            <a:off x="465861" y="1825962"/>
+            <a:ext cx="3682757" cy="2326652"/>
           </a:xfrm>
           <a:prstGeom prst="rect">
             <a:avLst/>
           </a:prstGeom>
-          <a:ln>
-            <a:noFill/>
-          </a:ln>
-          <a:effectLst>
-            <a:outerShdw blurRad="292100" dist="139700" dir="2700000" algn="tl" rotWithShape="0">
-              <a:srgbClr val="333333">
-                <a:alpha val="65000"/>
-              </a:srgbClr>
-            </a:outerShdw>
-          </a:effectLst>
         </p:spPr>
       </p:pic>
     </p:spTree>
@@ -5735,52 +6004,6 @@
           </a:p>
         </p:txBody>
       </p:sp>
-      <p:sp>
-        <p:nvSpPr>
-          <p:cNvPr id="5" name="Rectangle 4"/>
-          <p:cNvSpPr/>
-          <p:nvPr/>
-        </p:nvSpPr>
-        <p:spPr>
-          <a:xfrm>
-            <a:off x="428552" y="776407"/>
-            <a:ext cx="9952980" cy="388696"/>
-          </a:xfrm>
-          <a:prstGeom prst="rect">
-            <a:avLst/>
-          </a:prstGeom>
-        </p:spPr>
-        <p:txBody>
-          <a:bodyPr wrap="square">
-            <a:spAutoFit/>
-          </a:bodyPr>
-          <a:lstStyle/>
-          <a:p>
-            <a:pPr lvl="0">
-              <a:lnSpc>
-                <a:spcPct val="107000"/>
-              </a:lnSpc>
-              <a:spcAft>
-                <a:spcPts val="800"/>
-              </a:spcAft>
-            </a:pPr>
-            <a:r>
-              <a:rPr lang="en" dirty="0">
-                <a:latin typeface="Segoe UI" panose="020B0502040204020203" pitchFamily="34" charset="0"/>
-                <a:ea typeface="Calibri" panose="020F0502020204030204" pitchFamily="34" charset="0"/>
-                <a:cs typeface="Times New Roman" panose="02020603050405020304" pitchFamily="18" charset="0"/>
-              </a:rPr>
-              <a:t>Click the small rectangle next to each column header to change the sort order.</a:t>
-            </a:r>
-            <a:endParaRPr lang="en-US" sz="1400" dirty="0">
-              <a:effectLst/>
-              <a:latin typeface="Calibri" panose="020F0502020204030204" pitchFamily="34" charset="0"/>
-              <a:ea typeface="Calibri" panose="020F0502020204030204" pitchFamily="34" charset="0"/>
-              <a:cs typeface="Times New Roman" panose="02020603050405020304" pitchFamily="18" charset="0"/>
-            </a:endParaRPr>
-          </a:p>
-        </p:txBody>
-      </p:sp>
       <p:pic>
         <p:nvPicPr>
           <p:cNvPr id="6" name="Picture 5"/>
@@ -5789,68 +6012,151 @@
           </p:cNvPicPr>
           <p:nvPr/>
         </p:nvPicPr>
-        <p:blipFill rotWithShape="1">
+        <p:blipFill>
           <a:blip r:embed="rId2"/>
-          <a:srcRect l="472" t="144" r="-472" b="-144"/>
-          <a:stretch/>
+          <a:stretch>
+            <a:fillRect/>
+          </a:stretch>
         </p:blipFill>
         <p:spPr>
           <a:xfrm>
-            <a:off x="499613" y="1165103"/>
-            <a:ext cx="4372585" cy="4772691"/>
+            <a:off x="507112" y="2083481"/>
+            <a:ext cx="3682757" cy="2326652"/>
           </a:xfrm>
           <a:prstGeom prst="rect">
             <a:avLst/>
           </a:prstGeom>
-          <a:ln>
-            <a:noFill/>
-          </a:ln>
-          <a:effectLst>
-            <a:outerShdw blurRad="292100" dist="139700" dir="2700000" algn="tl" rotWithShape="0">
-              <a:srgbClr val="333333">
-                <a:alpha val="65000"/>
-              </a:srgbClr>
-            </a:outerShdw>
-          </a:effectLst>
         </p:spPr>
       </p:pic>
-      <p:pic>
-        <p:nvPicPr>
-          <p:cNvPr id="7" name="Picture 6"/>
-          <p:cNvPicPr>
-            <a:picLocks noChangeAspect="1"/>
-          </p:cNvPicPr>
+      <p:sp>
+        <p:nvSpPr>
+          <p:cNvPr id="4" name="Rectangle 3"/>
+          <p:cNvSpPr/>
           <p:nvPr/>
-        </p:nvPicPr>
-        <p:blipFill rotWithShape="1">
-          <a:blip r:embed="rId2"/>
-          <a:srcRect l="472" t="5042" r="70858" b="89628"/>
-          <a:stretch/>
-        </p:blipFill>
-        <p:spPr>
-          <a:xfrm>
-            <a:off x="3297782" y="1395662"/>
-            <a:ext cx="3421964" cy="694395"/>
+        </p:nvSpPr>
+        <p:spPr>
+          <a:xfrm>
+            <a:off x="424909" y="833707"/>
+            <a:ext cx="6620338" cy="369332"/>
           </a:xfrm>
           <a:prstGeom prst="rect">
             <a:avLst/>
           </a:prstGeom>
-          <a:ln>
-            <a:noFill/>
-          </a:ln>
-          <a:effectLst>
-            <a:outerShdw blurRad="292100" dist="139700" dir="2700000" algn="tl" rotWithShape="0">
-              <a:srgbClr val="333333">
-                <a:alpha val="65000"/>
-              </a:srgbClr>
-            </a:outerShdw>
-          </a:effectLst>
-        </p:spPr>
-      </p:pic>
+        </p:spPr>
+        <p:txBody>
+          <a:bodyPr wrap="none">
+            <a:spAutoFit/>
+          </a:bodyPr>
+          <a:lstStyle/>
+          <a:p>
+            <a:r>
+              <a:rPr lang="en-US" b="1" dirty="0" smtClean="0"/>
+              <a:t>Tip:</a:t>
+            </a:r>
+            <a:r>
+              <a:rPr lang="en-US" dirty="0" smtClean="0"/>
+              <a:t> To </a:t>
+            </a:r>
+            <a:r>
+              <a:rPr lang="en-US" dirty="0"/>
+              <a:t>remove aggregation terms like </a:t>
+            </a:r>
+            <a:r>
+              <a:rPr lang="en-US" b="1" dirty="0"/>
+              <a:t>"Sum </a:t>
+            </a:r>
+            <a:r>
+              <a:rPr lang="en-US" b="1" dirty="0" smtClean="0"/>
+              <a:t>of“</a:t>
+            </a:r>
+            <a:r>
+              <a:rPr lang="en-US" dirty="0"/>
+              <a:t>, Use a </a:t>
+            </a:r>
+            <a:r>
+              <a:rPr lang="en-US" b="1" dirty="0"/>
+              <a:t>measure</a:t>
+            </a:r>
+            <a:r>
+              <a:rPr lang="en-US" dirty="0"/>
+              <a:t> like:</a:t>
+            </a:r>
+            <a:r>
+              <a:rPr lang="en-US" b="1" dirty="0" smtClean="0"/>
+              <a:t> </a:t>
+            </a:r>
+            <a:endParaRPr lang="en-US" b="1" dirty="0"/>
+          </a:p>
+        </p:txBody>
+      </p:sp>
+      <p:sp>
+        <p:nvSpPr>
+          <p:cNvPr id="7" name="Rectangle 6"/>
+          <p:cNvSpPr/>
+          <p:nvPr/>
+        </p:nvSpPr>
+        <p:spPr>
+          <a:xfrm>
+            <a:off x="424909" y="1349946"/>
+            <a:ext cx="4228722" cy="369332"/>
+          </a:xfrm>
+          <a:prstGeom prst="rect">
+            <a:avLst/>
+          </a:prstGeom>
+        </p:spPr>
+        <p:txBody>
+          <a:bodyPr wrap="none">
+            <a:spAutoFit/>
+          </a:bodyPr>
+          <a:lstStyle/>
+          <a:p>
+            <a:r>
+              <a:rPr lang="en-US" dirty="0"/>
+              <a:t>Total Quantity = SUM(Sales[</a:t>
+            </a:r>
+            <a:r>
+              <a:rPr lang="en-US" dirty="0" err="1"/>
+              <a:t>SalesQuantity</a:t>
+            </a:r>
+            <a:r>
+              <a:rPr lang="en-US" dirty="0"/>
+              <a:t>])</a:t>
+            </a:r>
+          </a:p>
+        </p:txBody>
+      </p:sp>
+      <p:sp>
+        <p:nvSpPr>
+          <p:cNvPr id="8" name="Rectangle 7"/>
+          <p:cNvSpPr/>
+          <p:nvPr/>
+        </p:nvSpPr>
+        <p:spPr>
+          <a:xfrm>
+            <a:off x="507112" y="4451170"/>
+            <a:ext cx="8685014" cy="369332"/>
+          </a:xfrm>
+          <a:prstGeom prst="rect">
+            <a:avLst/>
+          </a:prstGeom>
+        </p:spPr>
+        <p:txBody>
+          <a:bodyPr wrap="square">
+            <a:spAutoFit/>
+          </a:bodyPr>
+          <a:lstStyle/>
+          <a:p>
+            <a:r>
+              <a:rPr lang="en-US" dirty="0"/>
+              <a:t>Then rename the measure however you want — no "Sum of" will appear</a:t>
+            </a:r>
+          </a:p>
+        </p:txBody>
+      </p:sp>
     </p:spTree>
     <p:extLst>
       <p:ext uri="{BB962C8B-B14F-4D97-AF65-F5344CB8AC3E}">
-        <p14:creationId xmlns:p14="http://schemas.microsoft.com/office/powerpoint/2010/main" val="2205523556"/>
+        <p14:creationId xmlns:p14="http://schemas.microsoft.com/office/powerpoint/2010/main" val="324466215"/>
       </p:ext>
     </p:extLst>
   </p:cSld>
@@ -5915,14 +6221,14 @@
       </p:sp>
       <p:sp>
         <p:nvSpPr>
-          <p:cNvPr id="4" name="Rectangle 3"/>
+          <p:cNvPr id="5" name="Rectangle 4"/>
           <p:cNvSpPr/>
           <p:nvPr/>
         </p:nvSpPr>
         <p:spPr>
           <a:xfrm>
-            <a:off x="552306" y="881148"/>
-            <a:ext cx="11176765" cy="373692"/>
+            <a:off x="428552" y="776407"/>
+            <a:ext cx="9952980" cy="388696"/>
           </a:xfrm>
           <a:prstGeom prst="rect">
             <a:avLst/>
@@ -5934,15 +6240,13 @@
           </a:bodyPr>
           <a:lstStyle/>
           <a:p>
-            <a:pPr marL="342900" lvl="0" indent="-342900">
+            <a:pPr lvl="0">
               <a:lnSpc>
                 <a:spcPct val="107000"/>
               </a:lnSpc>
               <a:spcAft>
-                <a:spcPts val="0"/>
+                <a:spcPts val="800"/>
               </a:spcAft>
-              <a:buFont typeface="Arial" panose="020B0604020202020204" pitchFamily="34" charset="0"/>
-              <a:buChar char="•"/>
             </a:pPr>
             <a:r>
               <a:rPr lang="en" dirty="0">
@@ -5950,57 +6254,10 @@
                 <a:ea typeface="Calibri" panose="020F0502020204030204" pitchFamily="34" charset="0"/>
                 <a:cs typeface="Times New Roman" panose="02020603050405020304" pitchFamily="18" charset="0"/>
               </a:rPr>
-              <a:t>In the </a:t>
-            </a:r>
-            <a:r>
-              <a:rPr lang="en" b="1" dirty="0">
-                <a:latin typeface="Segoe UI" panose="020B0502040204020203" pitchFamily="34" charset="0"/>
-                <a:ea typeface="Calibri" panose="020F0502020204030204" pitchFamily="34" charset="0"/>
-                <a:cs typeface="Times New Roman" panose="02020603050405020304" pitchFamily="18" charset="0"/>
-              </a:rPr>
-              <a:t>Format section, </a:t>
-            </a:r>
-            <a:r>
-              <a:rPr lang="en" dirty="0">
-                <a:latin typeface="Segoe UI" panose="020B0502040204020203" pitchFamily="34" charset="0"/>
-                <a:ea typeface="Calibri" panose="020F0502020204030204" pitchFamily="34" charset="0"/>
-                <a:cs typeface="Times New Roman" panose="02020603050405020304" pitchFamily="18" charset="0"/>
-              </a:rPr>
-              <a:t>change the </a:t>
-            </a:r>
-            <a:r>
-              <a:rPr lang="en" b="1" dirty="0">
-                <a:latin typeface="Segoe UI" panose="020B0502040204020203" pitchFamily="34" charset="0"/>
-                <a:ea typeface="Calibri" panose="020F0502020204030204" pitchFamily="34" charset="0"/>
-                <a:cs typeface="Times New Roman" panose="02020603050405020304" pitchFamily="18" charset="0"/>
-              </a:rPr>
-              <a:t>Style setting </a:t>
-            </a:r>
-            <a:r>
-              <a:rPr lang="en" dirty="0">
-                <a:latin typeface="Segoe UI" panose="020B0502040204020203" pitchFamily="34" charset="0"/>
-                <a:ea typeface="Calibri" panose="020F0502020204030204" pitchFamily="34" charset="0"/>
-                <a:cs typeface="Times New Roman" panose="02020603050405020304" pitchFamily="18" charset="0"/>
-              </a:rPr>
-              <a:t>to </a:t>
-            </a:r>
-            <a:r>
-              <a:rPr lang="en" b="1" dirty="0">
-                <a:latin typeface="Segoe UI" panose="020B0502040204020203" pitchFamily="34" charset="0"/>
-                <a:ea typeface="Calibri" panose="020F0502020204030204" pitchFamily="34" charset="0"/>
-                <a:cs typeface="Times New Roman" panose="02020603050405020304" pitchFamily="18" charset="0"/>
-              </a:rPr>
-              <a:t>Bold </a:t>
-            </a:r>
-            <a:r>
-              <a:rPr lang="en" b="1" dirty="0" smtClean="0">
-                <a:latin typeface="Segoe UI" panose="020B0502040204020203" pitchFamily="34" charset="0"/>
-                <a:ea typeface="Calibri" panose="020F0502020204030204" pitchFamily="34" charset="0"/>
-                <a:cs typeface="Times New Roman" panose="02020603050405020304" pitchFamily="18" charset="0"/>
-              </a:rPr>
-              <a:t>Heading</a:t>
+              <a:t>Click the small rectangle next to each column header to change the sort order.</a:t>
             </a:r>
             <a:endParaRPr lang="en-US" sz="1400" dirty="0">
+              <a:effectLst/>
               <a:latin typeface="Calibri" panose="020F0502020204030204" pitchFamily="34" charset="0"/>
               <a:ea typeface="Calibri" panose="020F0502020204030204" pitchFamily="34" charset="0"/>
               <a:cs typeface="Times New Roman" panose="02020603050405020304" pitchFamily="18" charset="0"/>
@@ -6010,128 +6267,74 @@
       </p:sp>
       <p:pic>
         <p:nvPicPr>
-          <p:cNvPr id="3" name="Picture 2"/>
+          <p:cNvPr id="6" name="Picture 5"/>
           <p:cNvPicPr>
             <a:picLocks noChangeAspect="1"/>
           </p:cNvPicPr>
           <p:nvPr/>
         </p:nvPicPr>
-        <p:blipFill>
+        <p:blipFill rotWithShape="1">
           <a:blip r:embed="rId2"/>
-          <a:stretch>
-            <a:fillRect/>
-          </a:stretch>
+          <a:srcRect l="472" t="144" r="-472" b="-144"/>
+          <a:stretch/>
         </p:blipFill>
         <p:spPr>
           <a:xfrm>
-            <a:off x="950091" y="1481818"/>
-            <a:ext cx="3210373" cy="4496427"/>
+            <a:off x="499613" y="1165103"/>
+            <a:ext cx="4372585" cy="4772691"/>
           </a:xfrm>
           <a:prstGeom prst="rect">
             <a:avLst/>
           </a:prstGeom>
+          <a:ln>
+            <a:noFill/>
+          </a:ln>
+          <a:effectLst>
+            <a:outerShdw blurRad="292100" dist="139700" dir="2700000" algn="tl" rotWithShape="0">
+              <a:srgbClr val="333333">
+                <a:alpha val="65000"/>
+              </a:srgbClr>
+            </a:outerShdw>
+          </a:effectLst>
         </p:spPr>
       </p:pic>
-      <p:sp>
-        <p:nvSpPr>
-          <p:cNvPr id="5" name="Rectangle 4"/>
-          <p:cNvSpPr/>
+      <p:pic>
+        <p:nvPicPr>
+          <p:cNvPr id="7" name="Picture 6"/>
+          <p:cNvPicPr>
+            <a:picLocks noChangeAspect="1"/>
+          </p:cNvPicPr>
           <p:nvPr/>
-        </p:nvSpPr>
-        <p:spPr>
-          <a:xfrm>
-            <a:off x="1045029" y="4489498"/>
-            <a:ext cx="3093834" cy="900649"/>
+        </p:nvPicPr>
+        <p:blipFill rotWithShape="1">
+          <a:blip r:embed="rId2"/>
+          <a:srcRect l="472" t="5042" r="70858" b="89628"/>
+          <a:stretch/>
+        </p:blipFill>
+        <p:spPr>
+          <a:xfrm>
+            <a:off x="3297782" y="1395662"/>
+            <a:ext cx="3421964" cy="694395"/>
           </a:xfrm>
           <a:prstGeom prst="rect">
             <a:avLst/>
           </a:prstGeom>
-          <a:solidFill>
-            <a:srgbClr val="FF0000">
-              <a:alpha val="15000"/>
-            </a:srgbClr>
-          </a:solidFill>
           <a:ln>
             <a:noFill/>
           </a:ln>
-        </p:spPr>
-        <p:style>
-          <a:lnRef idx="2">
-            <a:schemeClr val="accent1">
-              <a:shade val="50000"/>
-            </a:schemeClr>
-          </a:lnRef>
-          <a:fillRef idx="1">
-            <a:schemeClr val="accent1"/>
-          </a:fillRef>
-          <a:effectRef idx="0">
-            <a:schemeClr val="accent1"/>
-          </a:effectRef>
-          <a:fontRef idx="minor">
-            <a:schemeClr val="lt1"/>
-          </a:fontRef>
-        </p:style>
-        <p:txBody>
-          <a:bodyPr rtlCol="0" anchor="ctr"/>
-          <a:lstStyle/>
-          <a:p>
-            <a:pPr algn="ctr"/>
-            <a:endParaRPr lang="en-US"/>
-          </a:p>
-        </p:txBody>
-      </p:sp>
-      <p:sp>
-        <p:nvSpPr>
-          <p:cNvPr id="7" name="Rectangle 6"/>
-          <p:cNvSpPr/>
-          <p:nvPr/>
-        </p:nvSpPr>
-        <p:spPr>
-          <a:xfrm>
-            <a:off x="1809321" y="1835675"/>
-            <a:ext cx="734499" cy="699659"/>
-          </a:xfrm>
-          <a:prstGeom prst="rect">
-            <a:avLst/>
-          </a:prstGeom>
-          <a:solidFill>
-            <a:srgbClr val="FF0000">
-              <a:alpha val="15000"/>
-            </a:srgbClr>
-          </a:solidFill>
-          <a:ln>
-            <a:noFill/>
-          </a:ln>
-        </p:spPr>
-        <p:style>
-          <a:lnRef idx="2">
-            <a:schemeClr val="accent1">
-              <a:shade val="50000"/>
-            </a:schemeClr>
-          </a:lnRef>
-          <a:fillRef idx="1">
-            <a:schemeClr val="accent1"/>
-          </a:fillRef>
-          <a:effectRef idx="0">
-            <a:schemeClr val="accent1"/>
-          </a:effectRef>
-          <a:fontRef idx="minor">
-            <a:schemeClr val="lt1"/>
-          </a:fontRef>
-        </p:style>
-        <p:txBody>
-          <a:bodyPr rtlCol="0" anchor="ctr"/>
-          <a:lstStyle/>
-          <a:p>
-            <a:pPr algn="ctr"/>
-            <a:endParaRPr lang="en-US"/>
-          </a:p>
-        </p:txBody>
-      </p:sp>
+          <a:effectLst>
+            <a:outerShdw blurRad="292100" dist="139700" dir="2700000" algn="tl" rotWithShape="0">
+              <a:srgbClr val="333333">
+                <a:alpha val="65000"/>
+              </a:srgbClr>
+            </a:outerShdw>
+          </a:effectLst>
+        </p:spPr>
+      </p:pic>
     </p:spTree>
     <p:extLst>
       <p:ext uri="{BB962C8B-B14F-4D97-AF65-F5344CB8AC3E}">
-        <p14:creationId xmlns:p14="http://schemas.microsoft.com/office/powerpoint/2010/main" val="1488396581"/>
+        <p14:creationId xmlns:p14="http://schemas.microsoft.com/office/powerpoint/2010/main" val="2205523556"/>
       </p:ext>
     </p:extLst>
   </p:cSld>
@@ -6215,29 +6418,23 @@
           </a:bodyPr>
           <a:lstStyle/>
           <a:p>
-            <a:pPr lvl="0">
+            <a:pPr marL="342900" lvl="0" indent="-342900">
               <a:lnSpc>
                 <a:spcPct val="107000"/>
               </a:lnSpc>
               <a:spcAft>
                 <a:spcPts val="0"/>
               </a:spcAft>
+              <a:buFont typeface="Arial" panose="020B0604020202020204" pitchFamily="34" charset="0"/>
+              <a:buChar char="•"/>
             </a:pPr>
             <a:r>
-              <a:rPr lang="en" dirty="0" smtClean="0">
-                <a:latin typeface="Segoe UI" panose="020B0502040204020203" pitchFamily="34" charset="0"/>
-                <a:ea typeface="Calibri" panose="020F0502020204030204" pitchFamily="34" charset="0"/>
-                <a:cs typeface="Times New Roman" panose="02020603050405020304" pitchFamily="18" charset="0"/>
-              </a:rPr>
-              <a:t>Still </a:t>
-            </a:r>
-            <a:r>
               <a:rPr lang="en" dirty="0">
                 <a:latin typeface="Segoe UI" panose="020B0502040204020203" pitchFamily="34" charset="0"/>
                 <a:ea typeface="Calibri" panose="020F0502020204030204" pitchFamily="34" charset="0"/>
                 <a:cs typeface="Times New Roman" panose="02020603050405020304" pitchFamily="18" charset="0"/>
               </a:rPr>
-              <a:t>at the </a:t>
+              <a:t>In the </a:t>
             </a:r>
             <a:r>
               <a:rPr lang="en" b="1" dirty="0">
@@ -6245,7 +6442,7 @@
                 <a:ea typeface="Calibri" panose="020F0502020204030204" pitchFamily="34" charset="0"/>
                 <a:cs typeface="Times New Roman" panose="02020603050405020304" pitchFamily="18" charset="0"/>
               </a:rPr>
-              <a:t>Format level, </a:t>
+              <a:t>Format section, </a:t>
             </a:r>
             <a:r>
               <a:rPr lang="en" dirty="0">
@@ -6253,7 +6450,7 @@
                 <a:ea typeface="Calibri" panose="020F0502020204030204" pitchFamily="34" charset="0"/>
                 <a:cs typeface="Times New Roman" panose="02020603050405020304" pitchFamily="18" charset="0"/>
               </a:rPr>
-              <a:t>try </a:t>
+              <a:t>change the </a:t>
             </a:r>
             <a:r>
               <a:rPr lang="en" b="1" dirty="0">
@@ -6261,7 +6458,7 @@
                 <a:ea typeface="Calibri" panose="020F0502020204030204" pitchFamily="34" charset="0"/>
                 <a:cs typeface="Times New Roman" panose="02020603050405020304" pitchFamily="18" charset="0"/>
               </a:rPr>
-              <a:t>to enable/disable </a:t>
+              <a:t>Style setting </a:t>
             </a:r>
             <a:r>
               <a:rPr lang="en" dirty="0">
@@ -6269,7 +6466,7 @@
                 <a:ea typeface="Calibri" panose="020F0502020204030204" pitchFamily="34" charset="0"/>
                 <a:cs typeface="Times New Roman" panose="02020603050405020304" pitchFamily="18" charset="0"/>
               </a:rPr>
-              <a:t>the value of the </a:t>
+              <a:t>to </a:t>
             </a:r>
             <a:r>
               <a:rPr lang="en" b="1" dirty="0">
@@ -6277,15 +6474,15 @@
                 <a:ea typeface="Calibri" panose="020F0502020204030204" pitchFamily="34" charset="0"/>
                 <a:cs typeface="Times New Roman" panose="02020603050405020304" pitchFamily="18" charset="0"/>
               </a:rPr>
-              <a:t>Totals parameter</a:t>
-            </a:r>
-            <a:r>
-              <a:rPr lang="en" dirty="0">
-                <a:latin typeface="Segoe UI" panose="020B0502040204020203" pitchFamily="34" charset="0"/>
-                <a:ea typeface="Calibri" panose="020F0502020204030204" pitchFamily="34" charset="0"/>
-                <a:cs typeface="Times New Roman" panose="02020603050405020304" pitchFamily="18" charset="0"/>
-              </a:rPr>
-              <a:t> </a:t>
+              <a:t>Bold </a:t>
+            </a:r>
+            <a:r>
+              <a:rPr lang="en" b="1" dirty="0" smtClean="0">
+                <a:latin typeface="Segoe UI" panose="020B0502040204020203" pitchFamily="34" charset="0"/>
+                <a:ea typeface="Calibri" panose="020F0502020204030204" pitchFamily="34" charset="0"/>
+                <a:cs typeface="Times New Roman" panose="02020603050405020304" pitchFamily="18" charset="0"/>
+              </a:rPr>
+              <a:t>Heading</a:t>
             </a:r>
             <a:endParaRPr lang="en-US" sz="1400" dirty="0">
               <a:latin typeface="Calibri" panose="020F0502020204030204" pitchFamily="34" charset="0"/>
@@ -6311,8 +6508,8 @@
         </p:blipFill>
         <p:spPr>
           <a:xfrm>
-            <a:off x="617922" y="1481818"/>
-            <a:ext cx="2507299" cy="4597892"/>
+            <a:off x="950091" y="1481818"/>
+            <a:ext cx="3210373" cy="4496427"/>
           </a:xfrm>
           <a:prstGeom prst="rect">
             <a:avLst/>
@@ -6321,14 +6518,14 @@
       </p:pic>
       <p:sp>
         <p:nvSpPr>
-          <p:cNvPr id="6" name="Rectangle 5"/>
+          <p:cNvPr id="5" name="Rectangle 4"/>
           <p:cNvSpPr/>
           <p:nvPr/>
         </p:nvSpPr>
         <p:spPr>
           <a:xfrm>
-            <a:off x="617922" y="5637654"/>
-            <a:ext cx="2507299" cy="442056"/>
+            <a:off x="1045029" y="4489498"/>
+            <a:ext cx="3093834" cy="900649"/>
           </a:xfrm>
           <a:prstGeom prst="rect">
             <a:avLst/>
@@ -6367,10 +6564,58 @@
           </a:p>
         </p:txBody>
       </p:sp>
+      <p:sp>
+        <p:nvSpPr>
+          <p:cNvPr id="7" name="Rectangle 6"/>
+          <p:cNvSpPr/>
+          <p:nvPr/>
+        </p:nvSpPr>
+        <p:spPr>
+          <a:xfrm>
+            <a:off x="1809321" y="1835675"/>
+            <a:ext cx="734499" cy="699659"/>
+          </a:xfrm>
+          <a:prstGeom prst="rect">
+            <a:avLst/>
+          </a:prstGeom>
+          <a:solidFill>
+            <a:srgbClr val="FF0000">
+              <a:alpha val="15000"/>
+            </a:srgbClr>
+          </a:solidFill>
+          <a:ln>
+            <a:noFill/>
+          </a:ln>
+        </p:spPr>
+        <p:style>
+          <a:lnRef idx="2">
+            <a:schemeClr val="accent1">
+              <a:shade val="50000"/>
+            </a:schemeClr>
+          </a:lnRef>
+          <a:fillRef idx="1">
+            <a:schemeClr val="accent1"/>
+          </a:fillRef>
+          <a:effectRef idx="0">
+            <a:schemeClr val="accent1"/>
+          </a:effectRef>
+          <a:fontRef idx="minor">
+            <a:schemeClr val="lt1"/>
+          </a:fontRef>
+        </p:style>
+        <p:txBody>
+          <a:bodyPr rtlCol="0" anchor="ctr"/>
+          <a:lstStyle/>
+          <a:p>
+            <a:pPr algn="ctr"/>
+            <a:endParaRPr lang="en-US"/>
+          </a:p>
+        </p:txBody>
+      </p:sp>
     </p:spTree>
     <p:extLst>
       <p:ext uri="{BB962C8B-B14F-4D97-AF65-F5344CB8AC3E}">
-        <p14:creationId xmlns:p14="http://schemas.microsoft.com/office/powerpoint/2010/main" val="1164430710"/>
+        <p14:creationId xmlns:p14="http://schemas.microsoft.com/office/powerpoint/2010/main" val="1488396581"/>
       </p:ext>
     </p:extLst>
   </p:cSld>
@@ -6441,8 +6686,8 @@
         </p:nvSpPr>
         <p:spPr>
           <a:xfrm>
-            <a:off x="380426" y="654170"/>
-            <a:ext cx="5133475" cy="388696"/>
+            <a:off x="552306" y="881148"/>
+            <a:ext cx="11176765" cy="373692"/>
           </a:xfrm>
           <a:prstGeom prst="rect">
             <a:avLst/>
@@ -6468,25 +6713,65 @@
                 <a:ea typeface="Calibri" panose="020F0502020204030204" pitchFamily="34" charset="0"/>
                 <a:cs typeface="Times New Roman" panose="02020603050405020304" pitchFamily="18" charset="0"/>
               </a:rPr>
-              <a:t>Try changing the value of the </a:t>
-            </a:r>
-            <a:r>
-              <a:rPr lang="en" b="1" dirty="0" smtClean="0">
-                <a:latin typeface="Segoe UI" panose="020B0502040204020203" pitchFamily="34" charset="0"/>
-                <a:ea typeface="Calibri" panose="020F0502020204030204" pitchFamily="34" charset="0"/>
-                <a:cs typeface="Times New Roman" panose="02020603050405020304" pitchFamily="18" charset="0"/>
-              </a:rPr>
-              <a:t>Grid parameter</a:t>
-            </a:r>
-            <a:r>
-              <a:rPr lang="en" dirty="0" smtClean="0">
-                <a:latin typeface="Segoe UI" panose="020B0502040204020203" pitchFamily="34" charset="0"/>
-                <a:ea typeface="Calibri" panose="020F0502020204030204" pitchFamily="34" charset="0"/>
-                <a:cs typeface="Times New Roman" panose="02020603050405020304" pitchFamily="18" charset="0"/>
-              </a:rPr>
-              <a:t>   </a:t>
-            </a:r>
-            <a:endParaRPr lang="en-US" sz="1400" dirty="0" smtClean="0">
+              <a:t>Still </a:t>
+            </a:r>
+            <a:r>
+              <a:rPr lang="en" dirty="0">
+                <a:latin typeface="Segoe UI" panose="020B0502040204020203" pitchFamily="34" charset="0"/>
+                <a:ea typeface="Calibri" panose="020F0502020204030204" pitchFamily="34" charset="0"/>
+                <a:cs typeface="Times New Roman" panose="02020603050405020304" pitchFamily="18" charset="0"/>
+              </a:rPr>
+              <a:t>at the </a:t>
+            </a:r>
+            <a:r>
+              <a:rPr lang="en" b="1" dirty="0">
+                <a:latin typeface="Segoe UI" panose="020B0502040204020203" pitchFamily="34" charset="0"/>
+                <a:ea typeface="Calibri" panose="020F0502020204030204" pitchFamily="34" charset="0"/>
+                <a:cs typeface="Times New Roman" panose="02020603050405020304" pitchFamily="18" charset="0"/>
+              </a:rPr>
+              <a:t>Format level, </a:t>
+            </a:r>
+            <a:r>
+              <a:rPr lang="en" dirty="0">
+                <a:latin typeface="Segoe UI" panose="020B0502040204020203" pitchFamily="34" charset="0"/>
+                <a:ea typeface="Calibri" panose="020F0502020204030204" pitchFamily="34" charset="0"/>
+                <a:cs typeface="Times New Roman" panose="02020603050405020304" pitchFamily="18" charset="0"/>
+              </a:rPr>
+              <a:t>try </a:t>
+            </a:r>
+            <a:r>
+              <a:rPr lang="en" b="1" dirty="0">
+                <a:latin typeface="Segoe UI" panose="020B0502040204020203" pitchFamily="34" charset="0"/>
+                <a:ea typeface="Calibri" panose="020F0502020204030204" pitchFamily="34" charset="0"/>
+                <a:cs typeface="Times New Roman" panose="02020603050405020304" pitchFamily="18" charset="0"/>
+              </a:rPr>
+              <a:t>to enable/disable </a:t>
+            </a:r>
+            <a:r>
+              <a:rPr lang="en" dirty="0">
+                <a:latin typeface="Segoe UI" panose="020B0502040204020203" pitchFamily="34" charset="0"/>
+                <a:ea typeface="Calibri" panose="020F0502020204030204" pitchFamily="34" charset="0"/>
+                <a:cs typeface="Times New Roman" panose="02020603050405020304" pitchFamily="18" charset="0"/>
+              </a:rPr>
+              <a:t>the value of the </a:t>
+            </a:r>
+            <a:r>
+              <a:rPr lang="en" b="1" dirty="0">
+                <a:latin typeface="Segoe UI" panose="020B0502040204020203" pitchFamily="34" charset="0"/>
+                <a:ea typeface="Calibri" panose="020F0502020204030204" pitchFamily="34" charset="0"/>
+                <a:cs typeface="Times New Roman" panose="02020603050405020304" pitchFamily="18" charset="0"/>
+              </a:rPr>
+              <a:t>Totals parameter</a:t>
+            </a:r>
+            <a:r>
+              <a:rPr lang="en" dirty="0">
+                <a:latin typeface="Segoe UI" panose="020B0502040204020203" pitchFamily="34" charset="0"/>
+                <a:ea typeface="Calibri" panose="020F0502020204030204" pitchFamily="34" charset="0"/>
+                <a:cs typeface="Times New Roman" panose="02020603050405020304" pitchFamily="18" charset="0"/>
+              </a:rPr>
+              <a:t> </a:t>
+            </a:r>
+            <a:endParaRPr lang="en-US" sz="1400" dirty="0">
               <a:latin typeface="Calibri" panose="020F0502020204030204" pitchFamily="34" charset="0"/>
               <a:ea typeface="Calibri" panose="020F0502020204030204" pitchFamily="34" charset="0"/>
               <a:cs typeface="Times New Roman" panose="02020603050405020304" pitchFamily="18" charset="0"/>
@@ -6496,7 +6781,7 @@
       </p:sp>
       <p:pic>
         <p:nvPicPr>
-          <p:cNvPr id="6" name="Picture 5"/>
+          <p:cNvPr id="3" name="Picture 2"/>
           <p:cNvPicPr>
             <a:picLocks noChangeAspect="1"/>
           </p:cNvPicPr>
@@ -6510,18 +6795,66 @@
         </p:blipFill>
         <p:spPr>
           <a:xfrm>
-            <a:off x="578924" y="1237534"/>
-            <a:ext cx="2580413" cy="4506208"/>
+            <a:off x="617922" y="1481818"/>
+            <a:ext cx="2507299" cy="4597892"/>
           </a:xfrm>
           <a:prstGeom prst="rect">
             <a:avLst/>
           </a:prstGeom>
         </p:spPr>
       </p:pic>
+      <p:sp>
+        <p:nvSpPr>
+          <p:cNvPr id="6" name="Rectangle 5"/>
+          <p:cNvSpPr/>
+          <p:nvPr/>
+        </p:nvSpPr>
+        <p:spPr>
+          <a:xfrm>
+            <a:off x="617922" y="5637654"/>
+            <a:ext cx="2507299" cy="442056"/>
+          </a:xfrm>
+          <a:prstGeom prst="rect">
+            <a:avLst/>
+          </a:prstGeom>
+          <a:solidFill>
+            <a:srgbClr val="FF0000">
+              <a:alpha val="15000"/>
+            </a:srgbClr>
+          </a:solidFill>
+          <a:ln>
+            <a:noFill/>
+          </a:ln>
+        </p:spPr>
+        <p:style>
+          <a:lnRef idx="2">
+            <a:schemeClr val="accent1">
+              <a:shade val="50000"/>
+            </a:schemeClr>
+          </a:lnRef>
+          <a:fillRef idx="1">
+            <a:schemeClr val="accent1"/>
+          </a:fillRef>
+          <a:effectRef idx="0">
+            <a:schemeClr val="accent1"/>
+          </a:effectRef>
+          <a:fontRef idx="minor">
+            <a:schemeClr val="lt1"/>
+          </a:fontRef>
+        </p:style>
+        <p:txBody>
+          <a:bodyPr rtlCol="0" anchor="ctr"/>
+          <a:lstStyle/>
+          <a:p>
+            <a:pPr algn="ctr"/>
+            <a:endParaRPr lang="en-US"/>
+          </a:p>
+        </p:txBody>
+      </p:sp>
     </p:spTree>
     <p:extLst>
       <p:ext uri="{BB962C8B-B14F-4D97-AF65-F5344CB8AC3E}">
-        <p14:creationId xmlns:p14="http://schemas.microsoft.com/office/powerpoint/2010/main" val="218057207"/>
+        <p14:creationId xmlns:p14="http://schemas.microsoft.com/office/powerpoint/2010/main" val="1164430710"/>
       </p:ext>
     </p:extLst>
   </p:cSld>
@@ -6586,14 +6919,14 @@
       </p:sp>
       <p:sp>
         <p:nvSpPr>
-          <p:cNvPr id="3" name="Rectangle 2"/>
+          <p:cNvPr id="4" name="Rectangle 3"/>
           <p:cNvSpPr/>
           <p:nvPr/>
         </p:nvSpPr>
         <p:spPr>
           <a:xfrm>
-            <a:off x="387302" y="714530"/>
-            <a:ext cx="10104234" cy="373692"/>
+            <a:off x="380426" y="654170"/>
+            <a:ext cx="5133475" cy="388696"/>
           </a:xfrm>
           <a:prstGeom prst="rect">
             <a:avLst/>
@@ -6610,7 +6943,7 @@
                 <a:spcPct val="107000"/>
               </a:lnSpc>
               <a:spcAft>
-                <a:spcPts val="800"/>
+                <a:spcPts val="0"/>
               </a:spcAft>
             </a:pPr>
             <a:r>
@@ -6619,7 +6952,7 @@
                 <a:ea typeface="Calibri" panose="020F0502020204030204" pitchFamily="34" charset="0"/>
                 <a:cs typeface="Times New Roman" panose="02020603050405020304" pitchFamily="18" charset="0"/>
               </a:rPr>
-              <a:t>Still in the </a:t>
+              <a:t>Try changing the value of the </a:t>
             </a:r>
             <a:r>
               <a:rPr lang="en" b="1" dirty="0" smtClean="0">
@@ -6627,7 +6960,7 @@
                 <a:ea typeface="Calibri" panose="020F0502020204030204" pitchFamily="34" charset="0"/>
                 <a:cs typeface="Times New Roman" panose="02020603050405020304" pitchFamily="18" charset="0"/>
               </a:rPr>
-              <a:t>Formatting section </a:t>
+              <a:t>Grid parameter</a:t>
             </a:r>
             <a:r>
               <a:rPr lang="en" dirty="0" smtClean="0">
@@ -6635,42 +6968,9 @@
                 <a:ea typeface="Calibri" panose="020F0502020204030204" pitchFamily="34" charset="0"/>
                 <a:cs typeface="Times New Roman" panose="02020603050405020304" pitchFamily="18" charset="0"/>
               </a:rPr>
-              <a:t>, try to go to the </a:t>
-            </a:r>
-            <a:r>
-              <a:rPr lang="en" b="1" dirty="0" smtClean="0">
-                <a:latin typeface="Segoe UI" panose="020B0502040204020203" pitchFamily="34" charset="0"/>
-                <a:ea typeface="Calibri" panose="020F0502020204030204" pitchFamily="34" charset="0"/>
-                <a:cs typeface="Times New Roman" panose="02020603050405020304" pitchFamily="18" charset="0"/>
-              </a:rPr>
-              <a:t>Cell Elements section </a:t>
-            </a:r>
-            <a:r>
-              <a:rPr lang="en" dirty="0" smtClean="0">
-                <a:latin typeface="Segoe UI" panose="020B0502040204020203" pitchFamily="34" charset="0"/>
-                <a:ea typeface="Calibri" panose="020F0502020204030204" pitchFamily="34" charset="0"/>
-                <a:cs typeface="Times New Roman" panose="02020603050405020304" pitchFamily="18" charset="0"/>
-              </a:rPr>
-              <a:t>and select </a:t>
-            </a:r>
-            <a:r>
-              <a:rPr lang="en" b="1" dirty="0" err="1" smtClean="0">
-                <a:latin typeface="Segoe UI" panose="020B0502040204020203" pitchFamily="34" charset="0"/>
-                <a:ea typeface="Calibri" panose="020F0502020204030204" pitchFamily="34" charset="0"/>
-                <a:cs typeface="Times New Roman" panose="02020603050405020304" pitchFamily="18" charset="0"/>
-              </a:rPr>
-              <a:t>OrderQuantity</a:t>
-            </a:r>
-            <a:r>
-              <a:rPr lang="en" dirty="0" smtClean="0">
-                <a:latin typeface="Segoe UI" panose="020B0502040204020203" pitchFamily="34" charset="0"/>
-                <a:ea typeface="Calibri" panose="020F0502020204030204" pitchFamily="34" charset="0"/>
-                <a:cs typeface="Times New Roman" panose="02020603050405020304" pitchFamily="18" charset="0"/>
-              </a:rPr>
-              <a:t> </a:t>
-            </a:r>
-            <a:endParaRPr lang="en-US" sz="1400" dirty="0">
-              <a:effectLst/>
+              <a:t>   </a:t>
+            </a:r>
+            <a:endParaRPr lang="en-US" sz="1400" dirty="0" smtClean="0">
               <a:latin typeface="Calibri" panose="020F0502020204030204" pitchFamily="34" charset="0"/>
               <a:ea typeface="Calibri" panose="020F0502020204030204" pitchFamily="34" charset="0"/>
               <a:cs typeface="Times New Roman" panose="02020603050405020304" pitchFamily="18" charset="0"/>
@@ -6680,7 +6980,7 @@
       </p:sp>
       <p:pic>
         <p:nvPicPr>
-          <p:cNvPr id="4" name="Picture 3"/>
+          <p:cNvPr id="6" name="Picture 5"/>
           <p:cNvPicPr>
             <a:picLocks noChangeAspect="1"/>
           </p:cNvPicPr>
@@ -6694,153 +6994,18 @@
         </p:blipFill>
         <p:spPr>
           <a:xfrm>
-            <a:off x="453763" y="1344316"/>
-            <a:ext cx="2598269" cy="4880928"/>
+            <a:off x="578924" y="1237534"/>
+            <a:ext cx="2580413" cy="4506208"/>
           </a:xfrm>
           <a:prstGeom prst="rect">
             <a:avLst/>
           </a:prstGeom>
         </p:spPr>
       </p:pic>
-      <p:sp>
-        <p:nvSpPr>
-          <p:cNvPr id="5" name="Oval 4"/>
-          <p:cNvSpPr/>
-          <p:nvPr/>
-        </p:nvSpPr>
-        <p:spPr>
-          <a:xfrm>
-            <a:off x="1684421" y="1732547"/>
-            <a:ext cx="481263" cy="440012"/>
-          </a:xfrm>
-          <a:prstGeom prst="ellipse">
-            <a:avLst/>
-          </a:prstGeom>
-          <a:solidFill>
-            <a:srgbClr val="FF0000"/>
-          </a:solidFill>
-        </p:spPr>
-        <p:style>
-          <a:lnRef idx="0">
-            <a:schemeClr val="accent2"/>
-          </a:lnRef>
-          <a:fillRef idx="3">
-            <a:schemeClr val="accent2"/>
-          </a:fillRef>
-          <a:effectRef idx="3">
-            <a:schemeClr val="accent2"/>
-          </a:effectRef>
-          <a:fontRef idx="minor">
-            <a:schemeClr val="lt1"/>
-          </a:fontRef>
-        </p:style>
-        <p:txBody>
-          <a:bodyPr rtlCol="0" anchor="ctr"/>
-          <a:lstStyle/>
-          <a:p>
-            <a:pPr algn="ctr"/>
-            <a:r>
-              <a:rPr lang="en" sz="2400" b="1" dirty="0" smtClean="0"/>
-              <a:t>1</a:t>
-            </a:r>
-            <a:endParaRPr lang="en-US" sz="2400" b="1" dirty="0"/>
-          </a:p>
-        </p:txBody>
-      </p:sp>
-      <p:sp>
-        <p:nvSpPr>
-          <p:cNvPr id="8" name="Oval 7"/>
-          <p:cNvSpPr/>
-          <p:nvPr/>
-        </p:nvSpPr>
-        <p:spPr>
-          <a:xfrm>
-            <a:off x="1559359" y="4250013"/>
-            <a:ext cx="481263" cy="440012"/>
-          </a:xfrm>
-          <a:prstGeom prst="ellipse">
-            <a:avLst/>
-          </a:prstGeom>
-          <a:solidFill>
-            <a:srgbClr val="FF0000"/>
-          </a:solidFill>
-        </p:spPr>
-        <p:style>
-          <a:lnRef idx="0">
-            <a:schemeClr val="accent2"/>
-          </a:lnRef>
-          <a:fillRef idx="3">
-            <a:schemeClr val="accent2"/>
-          </a:fillRef>
-          <a:effectRef idx="3">
-            <a:schemeClr val="accent2"/>
-          </a:effectRef>
-          <a:fontRef idx="minor">
-            <a:schemeClr val="lt1"/>
-          </a:fontRef>
-        </p:style>
-        <p:txBody>
-          <a:bodyPr rtlCol="0" anchor="ctr"/>
-          <a:lstStyle/>
-          <a:p>
-            <a:pPr algn="ctr"/>
-            <a:r>
-              <a:rPr lang="en" sz="2400" b="1" dirty="0" smtClean="0"/>
-              <a:t>2</a:t>
-            </a:r>
-            <a:endParaRPr lang="en-US" sz="2400" b="1" dirty="0"/>
-          </a:p>
-        </p:txBody>
-      </p:sp>
-      <p:sp>
-        <p:nvSpPr>
-          <p:cNvPr id="9" name="Oval 8"/>
-          <p:cNvSpPr/>
-          <p:nvPr/>
-        </p:nvSpPr>
-        <p:spPr>
-          <a:xfrm>
-            <a:off x="2110520" y="5309938"/>
-            <a:ext cx="481263" cy="440012"/>
-          </a:xfrm>
-          <a:prstGeom prst="ellipse">
-            <a:avLst/>
-          </a:prstGeom>
-          <a:solidFill>
-            <a:srgbClr val="FF0000"/>
-          </a:solidFill>
-        </p:spPr>
-        <p:style>
-          <a:lnRef idx="0">
-            <a:schemeClr val="accent2"/>
-          </a:lnRef>
-          <a:fillRef idx="3">
-            <a:schemeClr val="accent2"/>
-          </a:fillRef>
-          <a:effectRef idx="3">
-            <a:schemeClr val="accent2"/>
-          </a:effectRef>
-          <a:fontRef idx="minor">
-            <a:schemeClr val="lt1"/>
-          </a:fontRef>
-        </p:style>
-        <p:txBody>
-          <a:bodyPr rtlCol="0" anchor="ctr"/>
-          <a:lstStyle/>
-          <a:p>
-            <a:pPr algn="ctr"/>
-            <a:r>
-              <a:rPr lang="en" sz="2400" b="1" dirty="0" smtClean="0"/>
-              <a:t>3</a:t>
-            </a:r>
-            <a:endParaRPr lang="en-US" sz="2400" b="1" dirty="0"/>
-          </a:p>
-        </p:txBody>
-      </p:sp>
     </p:spTree>
     <p:extLst>
       <p:ext uri="{BB962C8B-B14F-4D97-AF65-F5344CB8AC3E}">
-        <p14:creationId xmlns:p14="http://schemas.microsoft.com/office/powerpoint/2010/main" val="3527761643"/>
+        <p14:creationId xmlns:p14="http://schemas.microsoft.com/office/powerpoint/2010/main" val="218057207"/>
       </p:ext>
     </p:extLst>
   </p:cSld>
@@ -6912,7 +7077,7 @@
         <p:spPr>
           <a:xfrm>
             <a:off x="387302" y="714530"/>
-            <a:ext cx="2383399" cy="388696"/>
+            <a:ext cx="10104234" cy="373692"/>
           </a:xfrm>
           <a:prstGeom prst="rect">
             <a:avLst/>
@@ -6938,7 +7103,39 @@
                 <a:ea typeface="Calibri" panose="020F0502020204030204" pitchFamily="34" charset="0"/>
                 <a:cs typeface="Times New Roman" panose="02020603050405020304" pitchFamily="18" charset="0"/>
               </a:rPr>
-              <a:t>Enable </a:t>
+              <a:t>Still in the </a:t>
+            </a:r>
+            <a:r>
+              <a:rPr lang="en" b="1" dirty="0" smtClean="0">
+                <a:latin typeface="Segoe UI" panose="020B0502040204020203" pitchFamily="34" charset="0"/>
+                <a:ea typeface="Calibri" panose="020F0502020204030204" pitchFamily="34" charset="0"/>
+                <a:cs typeface="Times New Roman" panose="02020603050405020304" pitchFamily="18" charset="0"/>
+              </a:rPr>
+              <a:t>Formatting section </a:t>
+            </a:r>
+            <a:r>
+              <a:rPr lang="en" dirty="0" smtClean="0">
+                <a:latin typeface="Segoe UI" panose="020B0502040204020203" pitchFamily="34" charset="0"/>
+                <a:ea typeface="Calibri" panose="020F0502020204030204" pitchFamily="34" charset="0"/>
+                <a:cs typeface="Times New Roman" panose="02020603050405020304" pitchFamily="18" charset="0"/>
+              </a:rPr>
+              <a:t>, try to go to the </a:t>
+            </a:r>
+            <a:r>
+              <a:rPr lang="en" b="1" dirty="0" smtClean="0">
+                <a:latin typeface="Segoe UI" panose="020B0502040204020203" pitchFamily="34" charset="0"/>
+                <a:ea typeface="Calibri" panose="020F0502020204030204" pitchFamily="34" charset="0"/>
+                <a:cs typeface="Times New Roman" panose="02020603050405020304" pitchFamily="18" charset="0"/>
+              </a:rPr>
+              <a:t>Cell Elements section </a:t>
+            </a:r>
+            <a:r>
+              <a:rPr lang="en" dirty="0" smtClean="0">
+                <a:latin typeface="Segoe UI" panose="020B0502040204020203" pitchFamily="34" charset="0"/>
+                <a:ea typeface="Calibri" panose="020F0502020204030204" pitchFamily="34" charset="0"/>
+                <a:cs typeface="Times New Roman" panose="02020603050405020304" pitchFamily="18" charset="0"/>
+              </a:rPr>
+              <a:t>and select </a:t>
             </a:r>
             <a:r>
               <a:rPr lang="en" b="1" dirty="0" err="1" smtClean="0">
@@ -6946,9 +7143,17 @@
                 <a:ea typeface="Calibri" panose="020F0502020204030204" pitchFamily="34" charset="0"/>
                 <a:cs typeface="Times New Roman" panose="02020603050405020304" pitchFamily="18" charset="0"/>
               </a:rPr>
-              <a:t>FontColor</a:t>
-            </a:r>
-            <a:endParaRPr lang="en-US" sz="1400" b="1" dirty="0">
+              <a:t>OrderQuantity</a:t>
+            </a:r>
+            <a:r>
+              <a:rPr lang="en" dirty="0" smtClean="0">
+                <a:latin typeface="Segoe UI" panose="020B0502040204020203" pitchFamily="34" charset="0"/>
+                <a:ea typeface="Calibri" panose="020F0502020204030204" pitchFamily="34" charset="0"/>
+                <a:cs typeface="Times New Roman" panose="02020603050405020304" pitchFamily="18" charset="0"/>
+              </a:rPr>
+              <a:t> </a:t>
+            </a:r>
+            <a:endParaRPr lang="en-US" sz="1400" dirty="0">
               <a:effectLst/>
               <a:latin typeface="Calibri" panose="020F0502020204030204" pitchFamily="34" charset="0"/>
               <a:ea typeface="Calibri" panose="020F0502020204030204" pitchFamily="34" charset="0"/>
@@ -6959,7 +7164,7 @@
       </p:sp>
       <p:pic>
         <p:nvPicPr>
-          <p:cNvPr id="6" name="Picture 5"/>
+          <p:cNvPr id="4" name="Picture 3"/>
           <p:cNvPicPr>
             <a:picLocks noChangeAspect="1"/>
           </p:cNvPicPr>
@@ -6973,8 +7178,8 @@
         </p:blipFill>
         <p:spPr>
           <a:xfrm>
-            <a:off x="416383" y="1223737"/>
-            <a:ext cx="3248478" cy="2705478"/>
+            <a:off x="453763" y="1344316"/>
+            <a:ext cx="2598269" cy="4880928"/>
           </a:xfrm>
           <a:prstGeom prst="rect">
             <a:avLst/>
@@ -6983,38 +7188,31 @@
       </p:pic>
       <p:sp>
         <p:nvSpPr>
-          <p:cNvPr id="7" name="Rectangle 6"/>
+          <p:cNvPr id="5" name="Oval 4"/>
           <p:cNvSpPr/>
           <p:nvPr/>
         </p:nvSpPr>
         <p:spPr>
           <a:xfrm>
-            <a:off x="2904331" y="3128210"/>
-            <a:ext cx="760530" cy="446887"/>
-          </a:xfrm>
-          <a:prstGeom prst="rect">
+            <a:off x="1684421" y="1732547"/>
+            <a:ext cx="481263" cy="440012"/>
+          </a:xfrm>
+          <a:prstGeom prst="ellipse">
             <a:avLst/>
           </a:prstGeom>
           <a:solidFill>
-            <a:srgbClr val="FF0000">
-              <a:alpha val="26000"/>
-            </a:srgbClr>
+            <a:srgbClr val="FF0000"/>
           </a:solidFill>
-          <a:ln>
-            <a:noFill/>
-          </a:ln>
         </p:spPr>
         <p:style>
-          <a:lnRef idx="2">
-            <a:schemeClr val="accent1">
-              <a:shade val="50000"/>
-            </a:schemeClr>
+          <a:lnRef idx="0">
+            <a:schemeClr val="accent2"/>
           </a:lnRef>
-          <a:fillRef idx="1">
-            <a:schemeClr val="accent1"/>
+          <a:fillRef idx="3">
+            <a:schemeClr val="accent2"/>
           </a:fillRef>
-          <a:effectRef idx="0">
-            <a:schemeClr val="accent1"/>
+          <a:effectRef idx="3">
+            <a:schemeClr val="accent2"/>
           </a:effectRef>
           <a:fontRef idx="minor">
             <a:schemeClr val="lt1"/>
@@ -7025,14 +7223,108 @@
           <a:lstStyle/>
           <a:p>
             <a:pPr algn="ctr"/>
-            <a:endParaRPr lang="en-US"/>
+            <a:r>
+              <a:rPr lang="en" sz="2400" b="1" dirty="0" smtClean="0"/>
+              <a:t>1</a:t>
+            </a:r>
+            <a:endParaRPr lang="en-US" sz="2400" b="1" dirty="0"/>
+          </a:p>
+        </p:txBody>
+      </p:sp>
+      <p:sp>
+        <p:nvSpPr>
+          <p:cNvPr id="8" name="Oval 7"/>
+          <p:cNvSpPr/>
+          <p:nvPr/>
+        </p:nvSpPr>
+        <p:spPr>
+          <a:xfrm>
+            <a:off x="1559359" y="4250013"/>
+            <a:ext cx="481263" cy="440012"/>
+          </a:xfrm>
+          <a:prstGeom prst="ellipse">
+            <a:avLst/>
+          </a:prstGeom>
+          <a:solidFill>
+            <a:srgbClr val="FF0000"/>
+          </a:solidFill>
+        </p:spPr>
+        <p:style>
+          <a:lnRef idx="0">
+            <a:schemeClr val="accent2"/>
+          </a:lnRef>
+          <a:fillRef idx="3">
+            <a:schemeClr val="accent2"/>
+          </a:fillRef>
+          <a:effectRef idx="3">
+            <a:schemeClr val="accent2"/>
+          </a:effectRef>
+          <a:fontRef idx="minor">
+            <a:schemeClr val="lt1"/>
+          </a:fontRef>
+        </p:style>
+        <p:txBody>
+          <a:bodyPr rtlCol="0" anchor="ctr"/>
+          <a:lstStyle/>
+          <a:p>
+            <a:pPr algn="ctr"/>
+            <a:r>
+              <a:rPr lang="en" sz="2400" b="1" dirty="0" smtClean="0"/>
+              <a:t>2</a:t>
+            </a:r>
+            <a:endParaRPr lang="en-US" sz="2400" b="1" dirty="0"/>
+          </a:p>
+        </p:txBody>
+      </p:sp>
+      <p:sp>
+        <p:nvSpPr>
+          <p:cNvPr id="9" name="Oval 8"/>
+          <p:cNvSpPr/>
+          <p:nvPr/>
+        </p:nvSpPr>
+        <p:spPr>
+          <a:xfrm>
+            <a:off x="2110520" y="5309938"/>
+            <a:ext cx="481263" cy="440012"/>
+          </a:xfrm>
+          <a:prstGeom prst="ellipse">
+            <a:avLst/>
+          </a:prstGeom>
+          <a:solidFill>
+            <a:srgbClr val="FF0000"/>
+          </a:solidFill>
+        </p:spPr>
+        <p:style>
+          <a:lnRef idx="0">
+            <a:schemeClr val="accent2"/>
+          </a:lnRef>
+          <a:fillRef idx="3">
+            <a:schemeClr val="accent2"/>
+          </a:fillRef>
+          <a:effectRef idx="3">
+            <a:schemeClr val="accent2"/>
+          </a:effectRef>
+          <a:fontRef idx="minor">
+            <a:schemeClr val="lt1"/>
+          </a:fontRef>
+        </p:style>
+        <p:txBody>
+          <a:bodyPr rtlCol="0" anchor="ctr"/>
+          <a:lstStyle/>
+          <a:p>
+            <a:pPr algn="ctr"/>
+            <a:r>
+              <a:rPr lang="en" sz="2400" b="1" dirty="0" smtClean="0"/>
+              <a:t>3</a:t>
+            </a:r>
+            <a:endParaRPr lang="en-US" sz="2400" b="1" dirty="0"/>
           </a:p>
         </p:txBody>
       </p:sp>
     </p:spTree>
     <p:extLst>
       <p:ext uri="{BB962C8B-B14F-4D97-AF65-F5344CB8AC3E}">
-        <p14:creationId xmlns:p14="http://schemas.microsoft.com/office/powerpoint/2010/main" val="266003220"/>
+        <p14:creationId xmlns:p14="http://schemas.microsoft.com/office/powerpoint/2010/main" val="3527761643"/>
       </p:ext>
     </p:extLst>
   </p:cSld>
